--- a/programmingWindows_1.pptx
+++ b/programmingWindows_1.pptx
@@ -5,7 +5,7 @@
     <p:sldMasterId id="2147483648" r:id="rId1"/>
   </p:sldMasterIdLst>
   <p:notesMasterIdLst>
-    <p:notesMasterId r:id="rId56"/>
+    <p:notesMasterId r:id="rId57"/>
   </p:notesMasterIdLst>
   <p:sldIdLst>
     <p:sldId id="256" r:id="rId2"/>
@@ -62,6 +62,7 @@
     <p:sldId id="455" r:id="rId53"/>
     <p:sldId id="461" r:id="rId54"/>
     <p:sldId id="462" r:id="rId55"/>
+    <p:sldId id="464" r:id="rId56"/>
   </p:sldIdLst>
   <p:sldSz cx="9144000" cy="6858000" type="screen4x3"/>
   <p:notesSz cx="6858000" cy="9144000"/>
@@ -2059,6 +2060,96 @@
     <p:extLst>
       <p:ext uri="{BB962C8B-B14F-4D97-AF65-F5344CB8AC3E}">
         <p14:creationId xmlns:p14="http://schemas.microsoft.com/office/powerpoint/2010/main" val="2399158237"/>
+      </p:ext>
+    </p:extLst>
+  </p:cSld>
+  <p:clrMapOvr>
+    <a:masterClrMapping/>
+  </p:clrMapOvr>
+</p:notes>
+</file>
+
+<file path=ppt/notesSlides/notesSlide23.xml><?xml version="1.0" encoding="utf-8"?>
+<p:notes xmlns:a="http://schemas.openxmlformats.org/drawingml/2006/main" xmlns:r="http://schemas.openxmlformats.org/officeDocument/2006/relationships" xmlns:p="http://schemas.openxmlformats.org/presentationml/2006/main">
+  <p:cSld>
+    <p:spTree>
+      <p:nvGrpSpPr>
+        <p:cNvPr id="1" name=""/>
+        <p:cNvGrpSpPr/>
+        <p:nvPr/>
+      </p:nvGrpSpPr>
+      <p:grpSpPr>
+        <a:xfrm>
+          <a:off x="0" y="0"/>
+          <a:ext cx="0" cy="0"/>
+          <a:chOff x="0" y="0"/>
+          <a:chExt cx="0" cy="0"/>
+        </a:xfrm>
+      </p:grpSpPr>
+      <p:sp>
+        <p:nvSpPr>
+          <p:cNvPr id="93186" name="幻灯片图像占位符 93185"/>
+          <p:cNvSpPr>
+            <a:spLocks noGrp="1" noRot="1" noChangeAspect="1" noTextEdit="1"/>
+          </p:cNvSpPr>
+          <p:nvPr>
+            <p:ph type="sldImg"/>
+          </p:nvPr>
+        </p:nvSpPr>
+        <p:spPr/>
+      </p:sp>
+      <p:sp>
+        <p:nvSpPr>
+          <p:cNvPr id="93187" name="文本占位符 93186"/>
+          <p:cNvSpPr>
+            <a:spLocks noGrp="1"/>
+          </p:cNvSpPr>
+          <p:nvPr>
+            <p:ph type="body" idx="1"/>
+          </p:nvPr>
+        </p:nvSpPr>
+        <p:spPr/>
+        <p:txBody>
+          <a:bodyPr/>
+          <a:lstStyle/>
+          <a:p>
+            <a:pPr lvl="0"/>
+            <a:r>
+              <a:rPr lang="en-US" altLang="zh-CN" b="1" dirty="0" smtClean="0"/>
+              <a:t>d</a:t>
+            </a:r>
+            <a:endParaRPr lang="zh-CN" altLang="en-US" b="1" dirty="0"/>
+          </a:p>
+        </p:txBody>
+      </p:sp>
+      <p:sp>
+        <p:nvSpPr>
+          <p:cNvPr id="2" name="灯片编号占位符 1"/>
+          <p:cNvSpPr>
+            <a:spLocks noGrp="1"/>
+          </p:cNvSpPr>
+          <p:nvPr>
+            <p:ph type="sldNum" sz="quarter" idx="2"/>
+          </p:nvPr>
+        </p:nvSpPr>
+        <p:spPr/>
+        <p:txBody>
+          <a:bodyPr/>
+          <a:lstStyle/>
+          <a:p>
+            <a:pPr lvl="0" algn="r"/>
+            <a:fld id="{9A0DB2DC-4C9A-4742-B13C-FB6460FD3503}" type="slidenum">
+              <a:rPr lang="zh-CN" altLang="en-US" sz="1200" b="0" dirty="0"/>
+              <a:t>55</a:t>
+            </a:fld>
+            <a:endParaRPr lang="zh-CN" altLang="en-US" sz="1200" b="0" dirty="0"/>
+          </a:p>
+        </p:txBody>
+      </p:sp>
+    </p:spTree>
+    <p:extLst>
+      <p:ext uri="{BB962C8B-B14F-4D97-AF65-F5344CB8AC3E}">
+        <p14:creationId xmlns:p14="http://schemas.microsoft.com/office/powerpoint/2010/main" val="1202991483"/>
       </p:ext>
     </p:extLst>
   </p:cSld>
@@ -25060,19 +25151,7 @@
                 <a:latin typeface="Times New Roman" panose="02020603050405020304" pitchFamily="18" charset="0"/>
                 <a:ea typeface="楷体_GB2312" pitchFamily="49" charset="-122"/>
               </a:rPr>
-              <a:t>交互</a:t>
-            </a:r>
-            <a:r>
-              <a:rPr lang="zh-CN" altLang="en-US" sz="2000" b="1" dirty="0" smtClean="0">
-                <a:solidFill>
-                  <a:schemeClr val="accent2">
-                    <a:lumMod val="50000"/>
-                  </a:schemeClr>
-                </a:solidFill>
-                <a:latin typeface="Times New Roman" panose="02020603050405020304" pitchFamily="18" charset="0"/>
-                <a:ea typeface="楷体_GB2312" pitchFamily="49" charset="-122"/>
-              </a:rPr>
-              <a:t>，融合到</a:t>
+              <a:t>交互，融合到</a:t>
             </a:r>
             <a:r>
               <a:rPr lang="en-US" altLang="zh-CN" sz="2000" b="1" dirty="0" smtClean="0">
@@ -33405,27 +33484,7 @@
                   </a:schemeClr>
                 </a:solidFill>
               </a:rPr>
-              <a:t>Text </a:t>
-            </a:r>
-            <a:r>
-              <a:rPr lang="en-US" altLang="zh-CN" sz="1400" b="1" dirty="0" smtClean="0">
-                <a:solidFill>
-                  <a:schemeClr val="accent2">
-                    <a:lumMod val="50000"/>
-                  </a:schemeClr>
-                </a:solidFill>
-              </a:rPr>
-              <a:t>To </a:t>
-            </a:r>
-            <a:r>
-              <a:rPr lang="en-US" altLang="zh-CN" sz="1400" b="1" dirty="0" smtClean="0">
-                <a:solidFill>
-                  <a:schemeClr val="accent2">
-                    <a:lumMod val="50000"/>
-                  </a:schemeClr>
-                </a:solidFill>
-              </a:rPr>
-              <a:t>Speech</a:t>
+              <a:t>Text To Speech</a:t>
             </a:r>
             <a:r>
               <a:rPr lang="zh-CN" altLang="en-US" sz="1400" b="1" dirty="0" smtClean="0">
@@ -35909,17 +35968,7 @@
                   </a:schemeClr>
                 </a:solidFill>
               </a:rPr>
-              <a:t>   </a:t>
-            </a:r>
-            <a:r>
-              <a:rPr lang="zh-CN" altLang="en-US" sz="2800" b="1" dirty="0" smtClean="0">
-                <a:solidFill>
-                  <a:schemeClr val="accent2">
-                    <a:lumMod val="50000"/>
-                  </a:schemeClr>
-                </a:solidFill>
-              </a:rPr>
-              <a:t>几个示例</a:t>
+              <a:t>   几个示例</a:t>
             </a:r>
             <a:endParaRPr lang="en-US" altLang="zh-CN" sz="2800" b="1" dirty="0" smtClean="0">
               <a:solidFill>
@@ -36364,6 +36413,161 @@
                   </a:schemeClr>
                 </a:solidFill>
               </a:rPr>
+              <a:t>   texture synthesis</a:t>
+            </a:r>
+          </a:p>
+          <a:p>
+            <a:pPr lvl="1">
+              <a:buFont typeface="Wingdings" panose="05000000000000000000" pitchFamily="2" charset="2"/>
+              <a:buChar char="Ø"/>
+            </a:pPr>
+            <a:r>
+              <a:rPr lang="zh-CN" altLang="en-US" sz="1800" b="1" dirty="0" smtClean="0">
+                <a:solidFill>
+                  <a:schemeClr val="accent2">
+                    <a:lumMod val="50000"/>
+                  </a:schemeClr>
+                </a:solidFill>
+              </a:rPr>
+              <a:t>网上有较多的参考资料</a:t>
+            </a:r>
+            <a:endParaRPr lang="en-US" altLang="zh-CN" sz="1800" b="1" dirty="0" smtClean="0">
+              <a:solidFill>
+                <a:schemeClr val="accent2">
+                  <a:lumMod val="50000"/>
+                </a:schemeClr>
+              </a:solidFill>
+            </a:endParaRPr>
+          </a:p>
+          <a:p>
+            <a:pPr lvl="1">
+              <a:buFont typeface="Wingdings" panose="05000000000000000000" pitchFamily="2" charset="2"/>
+              <a:buChar char="Ø"/>
+            </a:pPr>
+            <a:r>
+              <a:rPr lang="zh-CN" altLang="en-US" sz="1800" b="1" dirty="0" smtClean="0">
+                <a:solidFill>
+                  <a:schemeClr val="accent2">
+                    <a:lumMod val="50000"/>
+                  </a:schemeClr>
+                </a:solidFill>
+              </a:rPr>
+              <a:t>如果涉及到</a:t>
+            </a:r>
+            <a:r>
+              <a:rPr lang="en-US" altLang="zh-CN" sz="1800" b="1" dirty="0" smtClean="0">
+                <a:solidFill>
+                  <a:schemeClr val="accent2">
+                    <a:lumMod val="50000"/>
+                  </a:schemeClr>
+                </a:solidFill>
+              </a:rPr>
+              <a:t>GPU</a:t>
+            </a:r>
+            <a:r>
+              <a:rPr lang="zh-CN" altLang="en-US" sz="1800" b="1" dirty="0" smtClean="0">
+                <a:solidFill>
+                  <a:schemeClr val="accent2">
+                    <a:lumMod val="50000"/>
+                  </a:schemeClr>
+                </a:solidFill>
+              </a:rPr>
+              <a:t>编程最好采用</a:t>
+            </a:r>
+            <a:r>
+              <a:rPr lang="en-US" altLang="zh-CN" sz="1800" b="1" dirty="0" smtClean="0">
+                <a:solidFill>
+                  <a:schemeClr val="accent2">
+                    <a:lumMod val="50000"/>
+                  </a:schemeClr>
+                </a:solidFill>
+              </a:rPr>
+              <a:t>CUDA</a:t>
+            </a:r>
+            <a:r>
+              <a:rPr lang="zh-CN" altLang="en-US" sz="1800" b="1" dirty="0" smtClean="0">
+                <a:solidFill>
+                  <a:schemeClr val="accent2">
+                    <a:lumMod val="50000"/>
+                  </a:schemeClr>
+                </a:solidFill>
+              </a:rPr>
+              <a:t>，意味着你的电脑需要有英伟达的图像卡</a:t>
+            </a:r>
+            <a:endParaRPr lang="en-US" altLang="zh-CN" sz="1800" b="1" dirty="0" smtClean="0">
+              <a:solidFill>
+                <a:schemeClr val="accent2">
+                  <a:lumMod val="50000"/>
+                </a:schemeClr>
+              </a:solidFill>
+            </a:endParaRPr>
+          </a:p>
+          <a:p>
+            <a:pPr lvl="1">
+              <a:buFont typeface="Wingdings" panose="05000000000000000000" pitchFamily="2" charset="2"/>
+              <a:buChar char="Ø"/>
+            </a:pPr>
+            <a:r>
+              <a:rPr lang="zh-CN" altLang="en-US" sz="1800" b="1" dirty="0" smtClean="0">
+                <a:solidFill>
+                  <a:schemeClr val="accent2">
+                    <a:lumMod val="50000"/>
+                  </a:schemeClr>
+                </a:solidFill>
+              </a:rPr>
+              <a:t>亦可采用</a:t>
+            </a:r>
+            <a:r>
+              <a:rPr lang="en-US" altLang="zh-CN" sz="1800" b="1" dirty="0" smtClean="0">
+                <a:solidFill>
+                  <a:schemeClr val="accent2">
+                    <a:lumMod val="50000"/>
+                  </a:schemeClr>
+                </a:solidFill>
+              </a:rPr>
+              <a:t>intel</a:t>
+            </a:r>
+            <a:r>
+              <a:rPr lang="zh-CN" altLang="en-US" sz="1800" b="1" dirty="0" smtClean="0">
+                <a:solidFill>
+                  <a:schemeClr val="accent2">
+                    <a:lumMod val="50000"/>
+                  </a:schemeClr>
+                </a:solidFill>
+              </a:rPr>
+              <a:t>的</a:t>
+            </a:r>
+            <a:r>
+              <a:rPr lang="en-US" altLang="zh-CN" sz="1800" b="1" dirty="0" smtClean="0">
+                <a:solidFill>
+                  <a:schemeClr val="accent2">
+                    <a:lumMod val="50000"/>
+                  </a:schemeClr>
+                </a:solidFill>
+              </a:rPr>
+              <a:t>MKL</a:t>
+            </a:r>
+            <a:endParaRPr lang="en-US" altLang="zh-CN" sz="1800" b="1" dirty="0">
+              <a:solidFill>
+                <a:schemeClr val="accent2">
+                  <a:lumMod val="50000"/>
+                </a:schemeClr>
+              </a:solidFill>
+            </a:endParaRPr>
+          </a:p>
+          <a:p>
+            <a:pPr>
+              <a:buFont typeface="Wingdings" panose="05000000000000000000" pitchFamily="2" charset="2"/>
+              <a:buChar char="p"/>
+            </a:pPr>
+            <a:r>
+              <a:rPr lang="zh-CN" altLang="en-US" sz="2800" b="1" dirty="0" smtClean="0">
+                <a:solidFill>
+                  <a:schemeClr val="accent2">
+                    <a:lumMod val="50000"/>
+                  </a:schemeClr>
+                </a:solidFill>
+              </a:rPr>
               <a:t>   </a:t>
             </a:r>
             <a:r>
@@ -36374,7 +36578,119 @@
                   </a:schemeClr>
                 </a:solidFill>
               </a:rPr>
-              <a:t>texture synthesis</a:t>
+              <a:t>speech synthesis</a:t>
+            </a:r>
+          </a:p>
+          <a:p>
+            <a:pPr lvl="1">
+              <a:buFont typeface="Wingdings" panose="05000000000000000000" pitchFamily="2" charset="2"/>
+              <a:buChar char="Ø"/>
+            </a:pPr>
+            <a:r>
+              <a:rPr lang="en-US" altLang="zh-CN" sz="1800" b="1" dirty="0" err="1" smtClean="0">
+                <a:solidFill>
+                  <a:schemeClr val="accent2">
+                    <a:lumMod val="50000"/>
+                  </a:schemeClr>
+                </a:solidFill>
+              </a:rPr>
+              <a:t>github</a:t>
+            </a:r>
+            <a:r>
+              <a:rPr lang="en-US" altLang="zh-CN" sz="1800" b="1" dirty="0" smtClean="0">
+                <a:solidFill>
+                  <a:schemeClr val="accent2">
+                    <a:lumMod val="50000"/>
+                  </a:schemeClr>
+                </a:solidFill>
+              </a:rPr>
+              <a:t>, </a:t>
+            </a:r>
+            <a:r>
+              <a:rPr lang="en-US" altLang="zh-CN" sz="1800" b="1" dirty="0" err="1" smtClean="0">
+                <a:solidFill>
+                  <a:schemeClr val="accent2">
+                    <a:lumMod val="50000"/>
+                  </a:schemeClr>
+                </a:solidFill>
+              </a:rPr>
+              <a:t>codeproject</a:t>
+            </a:r>
+            <a:r>
+              <a:rPr lang="en-US" altLang="zh-CN" sz="1800" b="1" dirty="0" smtClean="0">
+                <a:solidFill>
+                  <a:schemeClr val="accent2">
+                    <a:lumMod val="50000"/>
+                  </a:schemeClr>
+                </a:solidFill>
+              </a:rPr>
+              <a:t>, developer, </a:t>
+            </a:r>
+            <a:r>
+              <a:rPr lang="en-US" altLang="zh-CN" sz="1800" b="1" dirty="0" err="1" smtClean="0">
+                <a:solidFill>
+                  <a:schemeClr val="accent2">
+                    <a:lumMod val="50000"/>
+                  </a:schemeClr>
+                </a:solidFill>
+              </a:rPr>
+              <a:t>codeguru</a:t>
+            </a:r>
+            <a:endParaRPr lang="en-US" altLang="zh-CN" sz="1800" b="1" dirty="0" smtClean="0">
+              <a:solidFill>
+                <a:schemeClr val="accent2">
+                  <a:lumMod val="50000"/>
+                </a:schemeClr>
+              </a:solidFill>
+            </a:endParaRPr>
+          </a:p>
+          <a:p>
+            <a:pPr lvl="1">
+              <a:buFont typeface="Wingdings" panose="05000000000000000000" pitchFamily="2" charset="2"/>
+              <a:buChar char="Ø"/>
+            </a:pPr>
+            <a:r>
+              <a:rPr lang="zh-CN" altLang="en-US" sz="1800" b="1" dirty="0" smtClean="0">
+                <a:solidFill>
+                  <a:schemeClr val="accent2">
+                    <a:lumMod val="50000"/>
+                  </a:schemeClr>
+                </a:solidFill>
+              </a:rPr>
+              <a:t>加上英语单词本的功能则更佳</a:t>
+            </a:r>
+            <a:endParaRPr lang="en-US" altLang="zh-CN" sz="1800" b="1" dirty="0" smtClean="0">
+              <a:solidFill>
+                <a:schemeClr val="accent2">
+                  <a:lumMod val="50000"/>
+                </a:schemeClr>
+              </a:solidFill>
+            </a:endParaRPr>
+          </a:p>
+          <a:p>
+            <a:pPr>
+              <a:buFont typeface="Wingdings" panose="05000000000000000000" pitchFamily="2" charset="2"/>
+              <a:buChar char="p"/>
+            </a:pPr>
+            <a:r>
+              <a:rPr lang="en-US" altLang="zh-CN" sz="2800" b="1" dirty="0" smtClean="0">
+                <a:solidFill>
+                  <a:schemeClr val="accent2">
+                    <a:lumMod val="50000"/>
+                  </a:schemeClr>
+                </a:solidFill>
+              </a:rPr>
+              <a:t>   </a:t>
+            </a:r>
+            <a:r>
+              <a:rPr lang="zh-CN" altLang="en-US" sz="2800" b="1" dirty="0" smtClean="0">
+                <a:solidFill>
+                  <a:schemeClr val="accent2">
+                    <a:lumMod val="50000"/>
+                  </a:schemeClr>
+                </a:solidFill>
+              </a:rPr>
+              <a:t>自拟题目</a:t>
             </a:r>
             <a:endParaRPr lang="en-US" altLang="zh-CN" sz="2800" b="1" dirty="0" smtClean="0">
               <a:solidFill>
@@ -36390,6 +36706,16 @@
               <a:buChar char="Ø"/>
             </a:pPr>
             <a:r>
+              <a:rPr lang="zh-CN" altLang="en-US" sz="1800" b="1" dirty="0">
+                <a:solidFill>
+                  <a:schemeClr val="accent2">
+                    <a:lumMod val="50000"/>
+                  </a:schemeClr>
+                </a:solidFill>
+              </a:rPr>
+              <a:t>例如一个</a:t>
+            </a:r>
+            <a:r>
               <a:rPr lang="zh-CN" altLang="en-US" sz="1800" b="1" dirty="0" smtClean="0">
                 <a:solidFill>
                   <a:schemeClr val="accent2">
@@ -36397,21 +36723,18 @@
                   </a:schemeClr>
                 </a:solidFill>
               </a:rPr>
-              <a:t>网上有较多的参考资料</a:t>
-            </a:r>
-            <a:endParaRPr lang="en-US" altLang="zh-CN" sz="1800" b="1" dirty="0" smtClean="0">
-              <a:solidFill>
-                <a:schemeClr val="accent2">
-                  <a:lumMod val="50000"/>
-                </a:schemeClr>
-              </a:solidFill>
-            </a:endParaRPr>
-          </a:p>
-          <a:p>
-            <a:pPr lvl="1">
-              <a:buFont typeface="Wingdings" panose="05000000000000000000" pitchFamily="2" charset="2"/>
-              <a:buChar char="Ø"/>
-            </a:pPr>
+              <a:t>综合程序包含</a:t>
+            </a:r>
+            <a:r>
+              <a:rPr lang="zh-CN" altLang="en-US" sz="1800" b="1" dirty="0">
+                <a:solidFill>
+                  <a:schemeClr val="accent2">
+                    <a:lumMod val="50000"/>
+                  </a:schemeClr>
+                </a:solidFill>
+              </a:rPr>
+              <a:t>课程</a:t>
+            </a:r>
             <a:r>
               <a:rPr lang="zh-CN" altLang="en-US" sz="1800" b="1" dirty="0" smtClean="0">
                 <a:solidFill>
@@ -36420,315 +36743,7 @@
                   </a:schemeClr>
                 </a:solidFill>
               </a:rPr>
-              <a:t>如果涉及到</a:t>
-            </a:r>
-            <a:r>
-              <a:rPr lang="en-US" altLang="zh-CN" sz="1800" b="1" dirty="0" smtClean="0">
-                <a:solidFill>
-                  <a:schemeClr val="accent2">
-                    <a:lumMod val="50000"/>
-                  </a:schemeClr>
-                </a:solidFill>
-              </a:rPr>
-              <a:t>GPU</a:t>
-            </a:r>
-            <a:r>
-              <a:rPr lang="zh-CN" altLang="en-US" sz="1800" b="1" dirty="0" smtClean="0">
-                <a:solidFill>
-                  <a:schemeClr val="accent2">
-                    <a:lumMod val="50000"/>
-                  </a:schemeClr>
-                </a:solidFill>
-              </a:rPr>
-              <a:t>编程最好采用</a:t>
-            </a:r>
-            <a:r>
-              <a:rPr lang="en-US" altLang="zh-CN" sz="1800" b="1" dirty="0" smtClean="0">
-                <a:solidFill>
-                  <a:schemeClr val="accent2">
-                    <a:lumMod val="50000"/>
-                  </a:schemeClr>
-                </a:solidFill>
-              </a:rPr>
-              <a:t>CUDA</a:t>
-            </a:r>
-            <a:r>
-              <a:rPr lang="zh-CN" altLang="en-US" sz="1800" b="1" dirty="0" smtClean="0">
-                <a:solidFill>
-                  <a:schemeClr val="accent2">
-                    <a:lumMod val="50000"/>
-                  </a:schemeClr>
-                </a:solidFill>
-              </a:rPr>
-              <a:t>，意味着你的电脑需要有英伟达的图像卡</a:t>
-            </a:r>
-            <a:endParaRPr lang="en-US" altLang="zh-CN" sz="1800" b="1" dirty="0" smtClean="0">
-              <a:solidFill>
-                <a:schemeClr val="accent2">
-                  <a:lumMod val="50000"/>
-                </a:schemeClr>
-              </a:solidFill>
-            </a:endParaRPr>
-          </a:p>
-          <a:p>
-            <a:pPr lvl="1">
-              <a:buFont typeface="Wingdings" panose="05000000000000000000" pitchFamily="2" charset="2"/>
-              <a:buChar char="Ø"/>
-            </a:pPr>
-            <a:r>
-              <a:rPr lang="zh-CN" altLang="en-US" sz="1800" b="1" dirty="0" smtClean="0">
-                <a:solidFill>
-                  <a:schemeClr val="accent2">
-                    <a:lumMod val="50000"/>
-                  </a:schemeClr>
-                </a:solidFill>
-              </a:rPr>
-              <a:t>亦可采用</a:t>
-            </a:r>
-            <a:r>
-              <a:rPr lang="en-US" altLang="zh-CN" sz="1800" b="1" dirty="0" smtClean="0">
-                <a:solidFill>
-                  <a:schemeClr val="accent2">
-                    <a:lumMod val="50000"/>
-                  </a:schemeClr>
-                </a:solidFill>
-              </a:rPr>
-              <a:t>intel</a:t>
-            </a:r>
-            <a:r>
-              <a:rPr lang="zh-CN" altLang="en-US" sz="1800" b="1" dirty="0" smtClean="0">
-                <a:solidFill>
-                  <a:schemeClr val="accent2">
-                    <a:lumMod val="50000"/>
-                  </a:schemeClr>
-                </a:solidFill>
-              </a:rPr>
-              <a:t>的</a:t>
-            </a:r>
-            <a:r>
-              <a:rPr lang="en-US" altLang="zh-CN" sz="1800" b="1" dirty="0" smtClean="0">
-                <a:solidFill>
-                  <a:schemeClr val="accent2">
-                    <a:lumMod val="50000"/>
-                  </a:schemeClr>
-                </a:solidFill>
-              </a:rPr>
-              <a:t>MKL</a:t>
-            </a:r>
-            <a:endParaRPr lang="en-US" altLang="zh-CN" sz="1800" b="1" dirty="0">
-              <a:solidFill>
-                <a:schemeClr val="accent2">
-                  <a:lumMod val="50000"/>
-                </a:schemeClr>
-              </a:solidFill>
-            </a:endParaRPr>
-          </a:p>
-          <a:p>
-            <a:pPr>
-              <a:buFont typeface="Wingdings" panose="05000000000000000000" pitchFamily="2" charset="2"/>
-              <a:buChar char="p"/>
-            </a:pPr>
-            <a:r>
-              <a:rPr lang="zh-CN" altLang="en-US" sz="2800" b="1" dirty="0" smtClean="0">
-                <a:solidFill>
-                  <a:schemeClr val="accent2">
-                    <a:lumMod val="50000"/>
-                  </a:schemeClr>
-                </a:solidFill>
-              </a:rPr>
-              <a:t>   </a:t>
-            </a:r>
-            <a:r>
-              <a:rPr lang="en-US" altLang="zh-CN" sz="2800" b="1" dirty="0" smtClean="0">
-                <a:solidFill>
-                  <a:schemeClr val="accent2">
-                    <a:lumMod val="50000"/>
-                  </a:schemeClr>
-                </a:solidFill>
-              </a:rPr>
-              <a:t>speech synthesis</a:t>
-            </a:r>
-            <a:endParaRPr lang="en-US" altLang="zh-CN" sz="2800" b="1" dirty="0" smtClean="0">
-              <a:solidFill>
-                <a:schemeClr val="accent2">
-                  <a:lumMod val="50000"/>
-                </a:schemeClr>
-              </a:solidFill>
-            </a:endParaRPr>
-          </a:p>
-          <a:p>
-            <a:pPr lvl="1">
-              <a:buFont typeface="Wingdings" panose="05000000000000000000" pitchFamily="2" charset="2"/>
-              <a:buChar char="Ø"/>
-            </a:pPr>
-            <a:r>
-              <a:rPr lang="en-US" altLang="zh-CN" sz="1800" b="1" dirty="0" err="1" smtClean="0">
-                <a:solidFill>
-                  <a:schemeClr val="accent2">
-                    <a:lumMod val="50000"/>
-                  </a:schemeClr>
-                </a:solidFill>
-              </a:rPr>
-              <a:t>github</a:t>
-            </a:r>
-            <a:r>
-              <a:rPr lang="en-US" altLang="zh-CN" sz="1800" b="1" dirty="0" smtClean="0">
-                <a:solidFill>
-                  <a:schemeClr val="accent2">
-                    <a:lumMod val="50000"/>
-                  </a:schemeClr>
-                </a:solidFill>
-              </a:rPr>
-              <a:t>, </a:t>
-            </a:r>
-            <a:r>
-              <a:rPr lang="en-US" altLang="zh-CN" sz="1800" b="1" dirty="0" err="1" smtClean="0">
-                <a:solidFill>
-                  <a:schemeClr val="accent2">
-                    <a:lumMod val="50000"/>
-                  </a:schemeClr>
-                </a:solidFill>
-              </a:rPr>
-              <a:t>codeproject</a:t>
-            </a:r>
-            <a:r>
-              <a:rPr lang="en-US" altLang="zh-CN" sz="1800" b="1" dirty="0" smtClean="0">
-                <a:solidFill>
-                  <a:schemeClr val="accent2">
-                    <a:lumMod val="50000"/>
-                  </a:schemeClr>
-                </a:solidFill>
-              </a:rPr>
-              <a:t>, developer, </a:t>
-            </a:r>
-            <a:r>
-              <a:rPr lang="en-US" altLang="zh-CN" sz="1800" b="1" dirty="0" err="1" smtClean="0">
-                <a:solidFill>
-                  <a:schemeClr val="accent2">
-                    <a:lumMod val="50000"/>
-                  </a:schemeClr>
-                </a:solidFill>
-              </a:rPr>
-              <a:t>codeguru</a:t>
-            </a:r>
-            <a:endParaRPr lang="en-US" altLang="zh-CN" sz="1800" b="1" dirty="0" smtClean="0">
-              <a:solidFill>
-                <a:schemeClr val="accent2">
-                  <a:lumMod val="50000"/>
-                </a:schemeClr>
-              </a:solidFill>
-            </a:endParaRPr>
-          </a:p>
-          <a:p>
-            <a:pPr lvl="1">
-              <a:buFont typeface="Wingdings" panose="05000000000000000000" pitchFamily="2" charset="2"/>
-              <a:buChar char="Ø"/>
-            </a:pPr>
-            <a:r>
-              <a:rPr lang="zh-CN" altLang="en-US" sz="1800" b="1" dirty="0" smtClean="0">
-                <a:solidFill>
-                  <a:schemeClr val="accent2">
-                    <a:lumMod val="50000"/>
-                  </a:schemeClr>
-                </a:solidFill>
-              </a:rPr>
-              <a:t>加上英语单词本的功能则更佳</a:t>
-            </a:r>
-            <a:endParaRPr lang="en-US" altLang="zh-CN" sz="1800" b="1" dirty="0" smtClean="0">
-              <a:solidFill>
-                <a:schemeClr val="accent2">
-                  <a:lumMod val="50000"/>
-                </a:schemeClr>
-              </a:solidFill>
-            </a:endParaRPr>
-          </a:p>
-          <a:p>
-            <a:pPr>
-              <a:buFont typeface="Wingdings" panose="05000000000000000000" pitchFamily="2" charset="2"/>
-              <a:buChar char="p"/>
-            </a:pPr>
-            <a:r>
-              <a:rPr lang="en-US" altLang="zh-CN" sz="2800" b="1" dirty="0" smtClean="0">
-                <a:solidFill>
-                  <a:schemeClr val="accent2">
-                    <a:lumMod val="50000"/>
-                  </a:schemeClr>
-                </a:solidFill>
-              </a:rPr>
-              <a:t>   </a:t>
-            </a:r>
-            <a:r>
-              <a:rPr lang="zh-CN" altLang="en-US" sz="2800" b="1" dirty="0" smtClean="0">
-                <a:solidFill>
-                  <a:schemeClr val="accent2">
-                    <a:lumMod val="50000"/>
-                  </a:schemeClr>
-                </a:solidFill>
-              </a:rPr>
-              <a:t>自拟题目</a:t>
-            </a:r>
-            <a:endParaRPr lang="en-US" altLang="zh-CN" sz="2800" b="1" dirty="0" smtClean="0">
-              <a:solidFill>
-                <a:schemeClr val="accent2">
-                  <a:lumMod val="50000"/>
-                </a:schemeClr>
-              </a:solidFill>
-            </a:endParaRPr>
-          </a:p>
-          <a:p>
-            <a:pPr lvl="1">
-              <a:buFont typeface="Wingdings" panose="05000000000000000000" pitchFamily="2" charset="2"/>
-              <a:buChar char="Ø"/>
-            </a:pPr>
-            <a:r>
-              <a:rPr lang="zh-CN" altLang="en-US" sz="1800" b="1" dirty="0">
-                <a:solidFill>
-                  <a:schemeClr val="accent2">
-                    <a:lumMod val="50000"/>
-                  </a:schemeClr>
-                </a:solidFill>
-              </a:rPr>
-              <a:t>例如一个</a:t>
-            </a:r>
-            <a:r>
-              <a:rPr lang="zh-CN" altLang="en-US" sz="1800" b="1" dirty="0" smtClean="0">
-                <a:solidFill>
-                  <a:schemeClr val="accent2">
-                    <a:lumMod val="50000"/>
-                  </a:schemeClr>
-                </a:solidFill>
-              </a:rPr>
-              <a:t>综合程序包含</a:t>
-            </a:r>
-            <a:r>
-              <a:rPr lang="zh-CN" altLang="en-US" sz="1800" b="1" dirty="0">
-                <a:solidFill>
-                  <a:schemeClr val="accent2">
-                    <a:lumMod val="50000"/>
-                  </a:schemeClr>
-                </a:solidFill>
-              </a:rPr>
-              <a:t>课程</a:t>
-            </a:r>
-            <a:r>
-              <a:rPr lang="zh-CN" altLang="en-US" sz="1800" b="1" dirty="0" smtClean="0">
-                <a:solidFill>
-                  <a:schemeClr val="accent2">
-                    <a:lumMod val="50000"/>
-                  </a:schemeClr>
-                </a:solidFill>
-              </a:rPr>
-              <a:t>的多个示例</a:t>
-            </a:r>
-            <a:r>
-              <a:rPr lang="zh-CN" altLang="en-US" sz="1800" b="1" dirty="0" smtClean="0">
-                <a:solidFill>
-                  <a:schemeClr val="accent2">
-                    <a:lumMod val="50000"/>
-                  </a:schemeClr>
-                </a:solidFill>
-              </a:rPr>
-              <a:t>程序</a:t>
+              <a:t>的多个示例程序</a:t>
             </a:r>
             <a:endParaRPr lang="en-US" altLang="zh-CN" sz="1800" b="1" dirty="0" smtClean="0">
               <a:solidFill>
@@ -36964,6 +36979,1005 @@
     <p:extLst>
       <p:ext uri="{BB962C8B-B14F-4D97-AF65-F5344CB8AC3E}">
         <p14:creationId xmlns:p14="http://schemas.microsoft.com/office/powerpoint/2010/main" val="2782939110"/>
+      </p:ext>
+    </p:extLst>
+  </p:cSld>
+  <p:clrMapOvr>
+    <a:masterClrMapping/>
+  </p:clrMapOvr>
+  <p:timing>
+    <p:tnLst>
+      <p:par>
+        <p:cTn id="1" dur="indefinite" restart="never" nodeType="tmRoot">
+          <p:childTnLst>
+            <p:seq concurrent="1" nextAc="seek">
+              <p:cTn id="2" dur="indefinite" nodeType="mainSeq">
+                <p:childTnLst>
+                  <p:par>
+                    <p:cTn id="3" fill="hold">
+                      <p:stCondLst>
+                        <p:cond delay="indefinite"/>
+                      </p:stCondLst>
+                      <p:childTnLst>
+                        <p:par>
+                          <p:cTn id="4" fill="hold">
+                            <p:stCondLst>
+                              <p:cond delay="0"/>
+                            </p:stCondLst>
+                            <p:childTnLst>
+                              <p:par>
+                                <p:cTn id="5" presetID="2" presetClass="entr" presetSubtype="4" fill="hold" grpId="0" nodeType="clickEffect">
+                                  <p:stCondLst>
+                                    <p:cond delay="0"/>
+                                  </p:stCondLst>
+                                  <p:childTnLst>
+                                    <p:set>
+                                      <p:cBhvr>
+                                        <p:cTn id="6" dur="1" fill="hold">
+                                          <p:stCondLst>
+                                            <p:cond delay="0"/>
+                                          </p:stCondLst>
+                                        </p:cTn>
+                                        <p:tgtEl>
+                                          <p:spTgt spid="4"/>
+                                        </p:tgtEl>
+                                        <p:attrNameLst>
+                                          <p:attrName>style.visibility</p:attrName>
+                                        </p:attrNameLst>
+                                      </p:cBhvr>
+                                      <p:to>
+                                        <p:strVal val="visible"/>
+                                      </p:to>
+                                    </p:set>
+                                    <p:anim calcmode="lin" valueType="num">
+                                      <p:cBhvr additive="base">
+                                        <p:cTn id="7" dur="500" fill="hold"/>
+                                        <p:tgtEl>
+                                          <p:spTgt spid="4"/>
+                                        </p:tgtEl>
+                                        <p:attrNameLst>
+                                          <p:attrName>ppt_x</p:attrName>
+                                        </p:attrNameLst>
+                                      </p:cBhvr>
+                                      <p:tavLst>
+                                        <p:tav tm="0">
+                                          <p:val>
+                                            <p:strVal val="#ppt_x"/>
+                                          </p:val>
+                                        </p:tav>
+                                        <p:tav tm="100000">
+                                          <p:val>
+                                            <p:strVal val="#ppt_x"/>
+                                          </p:val>
+                                        </p:tav>
+                                      </p:tavLst>
+                                    </p:anim>
+                                    <p:anim calcmode="lin" valueType="num">
+                                      <p:cBhvr additive="base">
+                                        <p:cTn id="8" dur="500" fill="hold"/>
+                                        <p:tgtEl>
+                                          <p:spTgt spid="4"/>
+                                        </p:tgtEl>
+                                        <p:attrNameLst>
+                                          <p:attrName>ppt_y</p:attrName>
+                                        </p:attrNameLst>
+                                      </p:cBhvr>
+                                      <p:tavLst>
+                                        <p:tav tm="0">
+                                          <p:val>
+                                            <p:strVal val="1+#ppt_h/2"/>
+                                          </p:val>
+                                        </p:tav>
+                                        <p:tav tm="100000">
+                                          <p:val>
+                                            <p:strVal val="#ppt_y"/>
+                                          </p:val>
+                                        </p:tav>
+                                      </p:tavLst>
+                                    </p:anim>
+                                  </p:childTnLst>
+                                </p:cTn>
+                              </p:par>
+                            </p:childTnLst>
+                          </p:cTn>
+                        </p:par>
+                      </p:childTnLst>
+                    </p:cTn>
+                  </p:par>
+                </p:childTnLst>
+              </p:cTn>
+              <p:prevCondLst>
+                <p:cond evt="onPrev" delay="0">
+                  <p:tgtEl>
+                    <p:sldTgt/>
+                  </p:tgtEl>
+                </p:cond>
+              </p:prevCondLst>
+              <p:nextCondLst>
+                <p:cond evt="onNext" delay="0">
+                  <p:tgtEl>
+                    <p:sldTgt/>
+                  </p:tgtEl>
+                </p:cond>
+              </p:nextCondLst>
+            </p:seq>
+          </p:childTnLst>
+        </p:cTn>
+      </p:par>
+    </p:tnLst>
+    <p:bldLst>
+      <p:bldP spid="4" grpId="0"/>
+    </p:bldLst>
+  </p:timing>
+</p:sld>
+</file>
+
+<file path=ppt/slides/slide55.xml><?xml version="1.0" encoding="utf-8"?>
+<p:sld xmlns:a="http://schemas.openxmlformats.org/drawingml/2006/main" xmlns:r="http://schemas.openxmlformats.org/officeDocument/2006/relationships" xmlns:p="http://schemas.openxmlformats.org/presentationml/2006/main">
+  <p:cSld>
+    <p:spTree>
+      <p:nvGrpSpPr>
+        <p:cNvPr id="1" name=""/>
+        <p:cNvGrpSpPr/>
+        <p:nvPr/>
+      </p:nvGrpSpPr>
+      <p:grpSpPr>
+        <a:xfrm>
+          <a:off x="0" y="0"/>
+          <a:ext cx="0" cy="0"/>
+          <a:chOff x="0" y="0"/>
+          <a:chExt cx="0" cy="0"/>
+        </a:xfrm>
+      </p:grpSpPr>
+      <p:sp>
+        <p:nvSpPr>
+          <p:cNvPr id="12" name="Rectangle 3"/>
+          <p:cNvSpPr txBox="1">
+            <a:spLocks noChangeArrowheads="1"/>
+          </p:cNvSpPr>
+          <p:nvPr/>
+        </p:nvSpPr>
+        <p:spPr>
+          <a:xfrm>
+            <a:off x="489056" y="1412775"/>
+            <a:ext cx="8331415" cy="3941217"/>
+          </a:xfrm>
+          <a:prstGeom prst="rect">
+            <a:avLst/>
+          </a:prstGeom>
+        </p:spPr>
+        <p:txBody>
+          <a:bodyPr/>
+          <a:lstStyle>
+            <a:lvl1pPr marL="342900" lvl="0" indent="-342900" algn="l" defTabSz="914400" rtl="0" eaLnBrk="1" fontAlgn="base" latinLnBrk="0" hangingPunct="1">
+              <a:lnSpc>
+                <a:spcPct val="100000"/>
+              </a:lnSpc>
+              <a:spcBef>
+                <a:spcPct val="20000"/>
+              </a:spcBef>
+              <a:spcAft>
+                <a:spcPct val="0"/>
+              </a:spcAft>
+              <a:buChar char="•"/>
+              <a:defRPr sz="3200" b="0" i="0" u="none" kern="1200" baseline="0">
+                <a:solidFill>
+                  <a:schemeClr val="tx1"/>
+                </a:solidFill>
+                <a:latin typeface="+mn-lt"/>
+                <a:ea typeface="+mn-ea"/>
+                <a:cs typeface="+mn-cs"/>
+              </a:defRPr>
+            </a:lvl1pPr>
+            <a:lvl2pPr marL="742950" lvl="1" indent="-285750" algn="l" defTabSz="914400" rtl="0" eaLnBrk="1" fontAlgn="base" latinLnBrk="0" hangingPunct="1">
+              <a:lnSpc>
+                <a:spcPct val="100000"/>
+              </a:lnSpc>
+              <a:spcBef>
+                <a:spcPct val="20000"/>
+              </a:spcBef>
+              <a:spcAft>
+                <a:spcPct val="0"/>
+              </a:spcAft>
+              <a:buChar char="–"/>
+              <a:defRPr sz="2800" b="0" i="0" u="none" kern="1200" baseline="0">
+                <a:solidFill>
+                  <a:schemeClr val="tx1"/>
+                </a:solidFill>
+                <a:latin typeface="+mn-lt"/>
+                <a:ea typeface="+mn-ea"/>
+                <a:cs typeface="+mn-cs"/>
+              </a:defRPr>
+            </a:lvl2pPr>
+            <a:lvl3pPr marL="1143000" lvl="2" indent="-228600" algn="l" defTabSz="914400" rtl="0" eaLnBrk="1" fontAlgn="base" latinLnBrk="0" hangingPunct="1">
+              <a:lnSpc>
+                <a:spcPct val="100000"/>
+              </a:lnSpc>
+              <a:spcBef>
+                <a:spcPct val="20000"/>
+              </a:spcBef>
+              <a:spcAft>
+                <a:spcPct val="0"/>
+              </a:spcAft>
+              <a:buChar char="•"/>
+              <a:defRPr sz="2400" b="0" i="0" u="none" kern="1200" baseline="0">
+                <a:solidFill>
+                  <a:schemeClr val="tx1"/>
+                </a:solidFill>
+                <a:latin typeface="+mn-lt"/>
+                <a:ea typeface="+mn-ea"/>
+                <a:cs typeface="+mn-cs"/>
+              </a:defRPr>
+            </a:lvl3pPr>
+            <a:lvl4pPr marL="1600200" lvl="3" indent="-228600" algn="l" defTabSz="914400" rtl="0" eaLnBrk="1" fontAlgn="base" latinLnBrk="0" hangingPunct="1">
+              <a:lnSpc>
+                <a:spcPct val="100000"/>
+              </a:lnSpc>
+              <a:spcBef>
+                <a:spcPct val="20000"/>
+              </a:spcBef>
+              <a:spcAft>
+                <a:spcPct val="0"/>
+              </a:spcAft>
+              <a:buChar char="–"/>
+              <a:defRPr sz="2000" b="0" i="0" u="none" kern="1200" baseline="0">
+                <a:solidFill>
+                  <a:schemeClr val="tx1"/>
+                </a:solidFill>
+                <a:latin typeface="+mn-lt"/>
+                <a:ea typeface="+mn-ea"/>
+                <a:cs typeface="+mn-cs"/>
+              </a:defRPr>
+            </a:lvl4pPr>
+            <a:lvl5pPr marL="2057400" lvl="4" indent="-228600" algn="l" defTabSz="914400" rtl="0" eaLnBrk="1" fontAlgn="base" latinLnBrk="0" hangingPunct="1">
+              <a:lnSpc>
+                <a:spcPct val="100000"/>
+              </a:lnSpc>
+              <a:spcBef>
+                <a:spcPct val="20000"/>
+              </a:spcBef>
+              <a:spcAft>
+                <a:spcPct val="0"/>
+              </a:spcAft>
+              <a:buChar char="»"/>
+              <a:defRPr sz="2000" b="0" i="0" u="none" kern="1200" baseline="0">
+                <a:solidFill>
+                  <a:schemeClr val="tx1"/>
+                </a:solidFill>
+                <a:latin typeface="+mn-lt"/>
+                <a:ea typeface="+mn-ea"/>
+                <a:cs typeface="+mn-cs"/>
+              </a:defRPr>
+            </a:lvl5pPr>
+            <a:lvl6pPr marL="2514600" lvl="5" indent="-228600" algn="l" defTabSz="914400" rtl="0" eaLnBrk="1" fontAlgn="base" latinLnBrk="0" hangingPunct="1">
+              <a:lnSpc>
+                <a:spcPct val="100000"/>
+              </a:lnSpc>
+              <a:spcBef>
+                <a:spcPct val="20000"/>
+              </a:spcBef>
+              <a:spcAft>
+                <a:spcPct val="0"/>
+              </a:spcAft>
+              <a:buChar char="»"/>
+              <a:defRPr sz="2000" b="0" i="0" u="none" kern="1200" baseline="0">
+                <a:solidFill>
+                  <a:schemeClr val="tx1"/>
+                </a:solidFill>
+                <a:latin typeface="+mn-lt"/>
+                <a:ea typeface="+mn-ea"/>
+                <a:cs typeface="+mn-cs"/>
+              </a:defRPr>
+            </a:lvl6pPr>
+            <a:lvl7pPr marL="2971800" lvl="6" indent="-228600" algn="l" defTabSz="914400" rtl="0" eaLnBrk="1" fontAlgn="base" latinLnBrk="0" hangingPunct="1">
+              <a:lnSpc>
+                <a:spcPct val="100000"/>
+              </a:lnSpc>
+              <a:spcBef>
+                <a:spcPct val="20000"/>
+              </a:spcBef>
+              <a:spcAft>
+                <a:spcPct val="0"/>
+              </a:spcAft>
+              <a:buChar char="»"/>
+              <a:defRPr sz="2000" b="0" i="0" u="none" kern="1200" baseline="0">
+                <a:solidFill>
+                  <a:schemeClr val="tx1"/>
+                </a:solidFill>
+                <a:latin typeface="+mn-lt"/>
+                <a:ea typeface="+mn-ea"/>
+                <a:cs typeface="+mn-cs"/>
+              </a:defRPr>
+            </a:lvl7pPr>
+            <a:lvl8pPr marL="3429000" lvl="7" indent="-228600" algn="l" defTabSz="914400" rtl="0" eaLnBrk="1" fontAlgn="base" latinLnBrk="0" hangingPunct="1">
+              <a:lnSpc>
+                <a:spcPct val="100000"/>
+              </a:lnSpc>
+              <a:spcBef>
+                <a:spcPct val="20000"/>
+              </a:spcBef>
+              <a:spcAft>
+                <a:spcPct val="0"/>
+              </a:spcAft>
+              <a:buChar char="»"/>
+              <a:defRPr sz="2000" b="0" i="0" u="none" kern="1200" baseline="0">
+                <a:solidFill>
+                  <a:schemeClr val="tx1"/>
+                </a:solidFill>
+                <a:latin typeface="+mn-lt"/>
+                <a:ea typeface="+mn-ea"/>
+                <a:cs typeface="+mn-cs"/>
+              </a:defRPr>
+            </a:lvl8pPr>
+            <a:lvl9pPr marL="3886200" lvl="8" indent="-228600" algn="l" defTabSz="914400" rtl="0" eaLnBrk="1" fontAlgn="base" latinLnBrk="0" hangingPunct="1">
+              <a:lnSpc>
+                <a:spcPct val="100000"/>
+              </a:lnSpc>
+              <a:spcBef>
+                <a:spcPct val="20000"/>
+              </a:spcBef>
+              <a:spcAft>
+                <a:spcPct val="0"/>
+              </a:spcAft>
+              <a:buChar char="»"/>
+              <a:defRPr sz="2000" b="0" i="0" u="none" kern="1200" baseline="0">
+                <a:solidFill>
+                  <a:schemeClr val="tx1"/>
+                </a:solidFill>
+                <a:latin typeface="+mn-lt"/>
+                <a:ea typeface="+mn-ea"/>
+                <a:cs typeface="+mn-cs"/>
+              </a:defRPr>
+            </a:lvl9pPr>
+          </a:lstStyle>
+          <a:p>
+            <a:pPr>
+              <a:buFont typeface="Wingdings" panose="05000000000000000000" pitchFamily="2" charset="2"/>
+              <a:buChar char="p"/>
+            </a:pPr>
+            <a:r>
+              <a:rPr lang="en-US" altLang="zh-CN" sz="2800" b="1" dirty="0" smtClean="0">
+                <a:solidFill>
+                  <a:schemeClr val="accent2">
+                    <a:lumMod val="50000"/>
+                  </a:schemeClr>
+                </a:solidFill>
+              </a:rPr>
+              <a:t>   </a:t>
+            </a:r>
+            <a:r>
+              <a:rPr lang="en-US" altLang="zh-CN" sz="2800" b="1" dirty="0" smtClean="0">
+                <a:solidFill>
+                  <a:schemeClr val="accent2">
+                    <a:lumMod val="50000"/>
+                  </a:schemeClr>
+                </a:solidFill>
+              </a:rPr>
+              <a:t>WINDOWS</a:t>
+            </a:r>
+            <a:r>
+              <a:rPr lang="zh-CN" altLang="en-US" sz="2800" b="1" dirty="0" smtClean="0">
+                <a:solidFill>
+                  <a:schemeClr val="accent2">
+                    <a:lumMod val="50000"/>
+                  </a:schemeClr>
+                </a:solidFill>
+              </a:rPr>
+              <a:t>平台显卡矩阵乘法效率调查</a:t>
+            </a:r>
+            <a:endParaRPr lang="en-US" altLang="zh-CN" sz="2800" b="1" dirty="0" smtClean="0">
+              <a:solidFill>
+                <a:schemeClr val="accent2">
+                  <a:lumMod val="50000"/>
+                </a:schemeClr>
+              </a:solidFill>
+            </a:endParaRPr>
+          </a:p>
+          <a:p>
+            <a:pPr lvl="1">
+              <a:buFont typeface="Wingdings" panose="05000000000000000000" pitchFamily="2" charset="2"/>
+              <a:buChar char="Ø"/>
+            </a:pPr>
+            <a:r>
+              <a:rPr lang="zh-CN" altLang="en-US" sz="1800" b="1" dirty="0" smtClean="0">
+                <a:solidFill>
+                  <a:schemeClr val="accent2">
+                    <a:lumMod val="50000"/>
+                  </a:schemeClr>
+                </a:solidFill>
+              </a:rPr>
+              <a:t>背景 </a:t>
+            </a:r>
+            <a:r>
+              <a:rPr lang="en-US" altLang="zh-CN" sz="1800" b="1" dirty="0" err="1" smtClean="0">
+                <a:solidFill>
+                  <a:schemeClr val="accent2">
+                    <a:lumMod val="50000"/>
+                  </a:schemeClr>
+                </a:solidFill>
+              </a:rPr>
+              <a:t>caffe</a:t>
+            </a:r>
+            <a:r>
+              <a:rPr lang="zh-CN" altLang="en-US" sz="1800" b="1" dirty="0" smtClean="0">
+                <a:solidFill>
+                  <a:schemeClr val="accent2">
+                    <a:lumMod val="50000"/>
+                  </a:schemeClr>
+                </a:solidFill>
+              </a:rPr>
+              <a:t>中卷积运算转化为矩阵乘法时将小矩阵拼装成大矩阵</a:t>
+            </a:r>
+            <a:endParaRPr lang="en-US" altLang="zh-CN" sz="1800" b="1" dirty="0" smtClean="0">
+              <a:solidFill>
+                <a:schemeClr val="accent2">
+                  <a:lumMod val="50000"/>
+                </a:schemeClr>
+              </a:solidFill>
+            </a:endParaRPr>
+          </a:p>
+          <a:p>
+            <a:pPr lvl="1">
+              <a:buFont typeface="Wingdings" panose="05000000000000000000" pitchFamily="2" charset="2"/>
+              <a:buChar char="Ø"/>
+            </a:pPr>
+            <a:r>
+              <a:rPr lang="zh-CN" altLang="en-US" sz="1800" b="1" dirty="0" smtClean="0">
+                <a:solidFill>
+                  <a:schemeClr val="accent2">
+                    <a:lumMod val="50000"/>
+                  </a:schemeClr>
+                </a:solidFill>
+              </a:rPr>
+              <a:t>背景 </a:t>
+            </a:r>
+            <a:r>
+              <a:rPr lang="en-US" altLang="zh-CN" sz="1800" b="1" dirty="0" smtClean="0">
+                <a:solidFill>
+                  <a:schemeClr val="accent2">
+                    <a:lumMod val="50000"/>
+                  </a:schemeClr>
+                </a:solidFill>
+              </a:rPr>
+              <a:t>Pete Warden</a:t>
+            </a:r>
+            <a:r>
+              <a:rPr lang="zh-CN" altLang="en-US" sz="1800" b="1" dirty="0" smtClean="0">
+                <a:solidFill>
+                  <a:schemeClr val="accent2">
+                    <a:lumMod val="50000"/>
+                  </a:schemeClr>
+                </a:solidFill>
+              </a:rPr>
+              <a:t>，</a:t>
+            </a:r>
+            <a:r>
+              <a:rPr lang="en-US" altLang="zh-CN" sz="1800" b="1" dirty="0" smtClean="0">
+                <a:solidFill>
+                  <a:schemeClr val="accent2">
+                    <a:lumMod val="50000"/>
+                  </a:schemeClr>
+                </a:solidFill>
+              </a:rPr>
+              <a:t>a friend of </a:t>
+            </a:r>
+            <a:r>
+              <a:rPr lang="en-US" altLang="zh-CN" sz="1800" b="1" dirty="0" err="1" smtClean="0">
+                <a:solidFill>
+                  <a:schemeClr val="accent2">
+                    <a:lumMod val="50000"/>
+                  </a:schemeClr>
+                </a:solidFill>
+              </a:rPr>
+              <a:t>Yangqing</a:t>
+            </a:r>
+            <a:r>
+              <a:rPr lang="en-US" altLang="zh-CN" sz="1800" b="1" dirty="0" smtClean="0">
+                <a:solidFill>
+                  <a:schemeClr val="accent2">
+                    <a:lumMod val="50000"/>
+                  </a:schemeClr>
+                </a:solidFill>
+              </a:rPr>
+              <a:t> </a:t>
+            </a:r>
+            <a:r>
+              <a:rPr lang="en-US" altLang="zh-CN" sz="1800" b="1" dirty="0" err="1" smtClean="0">
+                <a:solidFill>
+                  <a:schemeClr val="accent2">
+                    <a:lumMod val="50000"/>
+                  </a:schemeClr>
+                </a:solidFill>
+              </a:rPr>
+              <a:t>Jia</a:t>
+            </a:r>
+            <a:r>
+              <a:rPr lang="en-US" altLang="zh-CN" sz="1800" b="1" dirty="0" smtClean="0">
+                <a:solidFill>
+                  <a:schemeClr val="accent2">
+                    <a:lumMod val="50000"/>
+                  </a:schemeClr>
+                </a:solidFill>
+              </a:rPr>
+              <a:t> </a:t>
+            </a:r>
+            <a:r>
+              <a:rPr lang="zh-CN" altLang="en-US" sz="1800" b="1" dirty="0" smtClean="0">
+                <a:solidFill>
+                  <a:schemeClr val="accent2">
+                    <a:lumMod val="50000"/>
+                  </a:schemeClr>
+                </a:solidFill>
+              </a:rPr>
+              <a:t> </a:t>
+            </a:r>
+            <a:r>
+              <a:rPr lang="en-US" altLang="zh-CN" sz="1800" b="1" dirty="0">
+                <a:solidFill>
+                  <a:schemeClr val="accent2">
+                    <a:lumMod val="50000"/>
+                  </a:schemeClr>
+                </a:solidFill>
+              </a:rPr>
+              <a:t>https://petewarden.com/2015/04/20/why-gemm-is-at-the-heart-of-deep-learning/</a:t>
+            </a:r>
+            <a:endParaRPr lang="en-US" altLang="zh-CN" sz="1800" b="1" dirty="0" smtClean="0">
+              <a:solidFill>
+                <a:schemeClr val="accent2">
+                  <a:lumMod val="50000"/>
+                </a:schemeClr>
+              </a:solidFill>
+            </a:endParaRPr>
+          </a:p>
+          <a:p>
+            <a:pPr lvl="1">
+              <a:buFont typeface="Wingdings" panose="05000000000000000000" pitchFamily="2" charset="2"/>
+              <a:buChar char="Ø"/>
+            </a:pPr>
+            <a:r>
+              <a:rPr lang="en-US" altLang="zh-CN" sz="1800" b="1" dirty="0" smtClean="0">
+                <a:solidFill>
+                  <a:schemeClr val="accent2">
+                    <a:lumMod val="50000"/>
+                  </a:schemeClr>
+                </a:solidFill>
+              </a:rPr>
+              <a:t>See the </a:t>
+            </a:r>
+            <a:r>
+              <a:rPr lang="en-US" altLang="zh-CN" sz="1800" b="1" dirty="0">
+                <a:solidFill>
+                  <a:schemeClr val="accent2">
+                    <a:lumMod val="50000"/>
+                  </a:schemeClr>
+                </a:solidFill>
+              </a:rPr>
+              <a:t>response comment by Scott </a:t>
+            </a:r>
+            <a:r>
+              <a:rPr lang="en-US" altLang="zh-CN" sz="1800" b="1" dirty="0" smtClean="0">
+                <a:solidFill>
+                  <a:schemeClr val="accent2">
+                    <a:lumMod val="50000"/>
+                  </a:schemeClr>
+                </a:solidFill>
+              </a:rPr>
+              <a:t>Gray</a:t>
+            </a:r>
+          </a:p>
+          <a:p>
+            <a:pPr lvl="1">
+              <a:buFont typeface="Wingdings" panose="05000000000000000000" pitchFamily="2" charset="2"/>
+              <a:buChar char="Ø"/>
+            </a:pPr>
+            <a:r>
+              <a:rPr lang="en-US" altLang="zh-CN" sz="1800" b="1" dirty="0">
+                <a:solidFill>
+                  <a:schemeClr val="accent2">
+                    <a:lumMod val="50000"/>
+                  </a:schemeClr>
+                </a:solidFill>
+              </a:rPr>
+              <a:t>Problem: </a:t>
+            </a:r>
+            <a:r>
+              <a:rPr lang="en-US" altLang="zh-CN" sz="1800" b="1" dirty="0" smtClean="0">
+                <a:solidFill>
+                  <a:schemeClr val="accent2">
+                    <a:lumMod val="50000"/>
+                  </a:schemeClr>
+                </a:solidFill>
+              </a:rPr>
+              <a:t>Instead </a:t>
+            </a:r>
+            <a:r>
+              <a:rPr lang="en-US" altLang="zh-CN" sz="1800" b="1" dirty="0">
+                <a:solidFill>
+                  <a:schemeClr val="accent2">
+                    <a:lumMod val="50000"/>
+                  </a:schemeClr>
+                </a:solidFill>
+              </a:rPr>
+              <a:t>of thinking of convolution as </a:t>
+            </a:r>
+            <a:r>
+              <a:rPr lang="en-US" altLang="zh-CN" sz="1800" b="1" dirty="0" smtClean="0">
+                <a:solidFill>
+                  <a:schemeClr val="accent2">
+                    <a:lumMod val="50000"/>
+                  </a:schemeClr>
+                </a:solidFill>
+              </a:rPr>
+              <a:t>one </a:t>
+            </a:r>
+            <a:r>
+              <a:rPr lang="en-US" altLang="zh-CN" sz="1800" b="1" dirty="0">
+                <a:solidFill>
+                  <a:schemeClr val="accent2">
+                    <a:lumMod val="50000"/>
+                  </a:schemeClr>
+                </a:solidFill>
+              </a:rPr>
+              <a:t>large </a:t>
+            </a:r>
+            <a:r>
+              <a:rPr lang="en-US" altLang="zh-CN" sz="1800" b="1" dirty="0" err="1">
+                <a:solidFill>
+                  <a:schemeClr val="accent2">
+                    <a:lumMod val="50000"/>
+                  </a:schemeClr>
+                </a:solidFill>
+              </a:rPr>
+              <a:t>gemm</a:t>
+            </a:r>
+            <a:r>
+              <a:rPr lang="en-US" altLang="zh-CN" sz="1800" b="1" dirty="0">
+                <a:solidFill>
+                  <a:schemeClr val="accent2">
+                    <a:lumMod val="50000"/>
+                  </a:schemeClr>
+                </a:solidFill>
+              </a:rPr>
+              <a:t> operation, it’s </a:t>
+            </a:r>
+            <a:r>
+              <a:rPr lang="en-US" altLang="zh-CN" sz="1800" b="1" dirty="0" smtClean="0">
+                <a:solidFill>
+                  <a:schemeClr val="accent2">
+                    <a:lumMod val="50000"/>
+                  </a:schemeClr>
+                </a:solidFill>
+              </a:rPr>
+              <a:t>much </a:t>
+            </a:r>
+            <a:r>
+              <a:rPr lang="en-US" altLang="zh-CN" sz="1800" b="1" dirty="0">
+                <a:solidFill>
+                  <a:schemeClr val="accent2">
+                    <a:lumMod val="50000"/>
+                  </a:schemeClr>
+                </a:solidFill>
+              </a:rPr>
+              <a:t>more efficient as many small </a:t>
+            </a:r>
+            <a:r>
+              <a:rPr lang="en-US" altLang="zh-CN" sz="1800" b="1" dirty="0" smtClean="0">
+                <a:solidFill>
+                  <a:schemeClr val="accent2">
+                    <a:lumMod val="50000"/>
+                  </a:schemeClr>
+                </a:solidFill>
+              </a:rPr>
+              <a:t>gems</a:t>
+            </a:r>
+            <a:endParaRPr lang="en-US" altLang="zh-CN" sz="1800" b="1" dirty="0">
+              <a:solidFill>
+                <a:schemeClr val="accent2">
+                  <a:lumMod val="50000"/>
+                </a:schemeClr>
+              </a:solidFill>
+            </a:endParaRPr>
+          </a:p>
+          <a:p>
+            <a:pPr lvl="1">
+              <a:buFont typeface="Wingdings" panose="05000000000000000000" pitchFamily="2" charset="2"/>
+              <a:buChar char="Ø"/>
+            </a:pPr>
+            <a:r>
+              <a:rPr lang="zh-CN" altLang="en-US" sz="1800" b="1" dirty="0" smtClean="0">
+                <a:solidFill>
+                  <a:schemeClr val="accent2">
+                    <a:lumMod val="50000"/>
+                  </a:schemeClr>
+                </a:solidFill>
+              </a:rPr>
+              <a:t>在</a:t>
+            </a:r>
+            <a:r>
+              <a:rPr lang="en-US" altLang="zh-CN" sz="1800" b="1" dirty="0" smtClean="0">
+                <a:solidFill>
+                  <a:schemeClr val="accent2">
+                    <a:lumMod val="50000"/>
+                  </a:schemeClr>
+                </a:solidFill>
+              </a:rPr>
+              <a:t>Windows</a:t>
+            </a:r>
+            <a:r>
+              <a:rPr lang="zh-CN" altLang="en-US" sz="1800" b="1" dirty="0" smtClean="0">
+                <a:solidFill>
+                  <a:schemeClr val="accent2">
+                    <a:lumMod val="50000"/>
+                  </a:schemeClr>
+                </a:solidFill>
+              </a:rPr>
+              <a:t>平台上重现</a:t>
+            </a:r>
+            <a:r>
+              <a:rPr lang="en-US" altLang="zh-CN" sz="1800" b="1" dirty="0">
+                <a:solidFill>
+                  <a:schemeClr val="accent2">
+                    <a:lumMod val="50000"/>
+                  </a:schemeClr>
+                </a:solidFill>
+              </a:rPr>
+              <a:t>Scott </a:t>
+            </a:r>
+            <a:r>
+              <a:rPr lang="en-US" altLang="zh-CN" sz="1800" b="1" dirty="0" smtClean="0">
+                <a:solidFill>
+                  <a:schemeClr val="accent2">
+                    <a:lumMod val="50000"/>
+                  </a:schemeClr>
+                </a:solidFill>
+              </a:rPr>
+              <a:t>Gray</a:t>
+            </a:r>
+            <a:r>
+              <a:rPr lang="zh-CN" altLang="en-US" sz="1800" b="1" dirty="0" smtClean="0">
+                <a:solidFill>
+                  <a:schemeClr val="accent2">
+                    <a:lumMod val="50000"/>
+                  </a:schemeClr>
+                </a:solidFill>
+              </a:rPr>
+              <a:t>的结论</a:t>
+            </a:r>
+            <a:r>
+              <a:rPr lang="en-US" altLang="zh-CN" sz="1800" b="1" dirty="0" smtClean="0">
+                <a:solidFill>
+                  <a:schemeClr val="accent2">
+                    <a:lumMod val="50000"/>
+                  </a:schemeClr>
+                </a:solidFill>
+              </a:rPr>
+              <a:t>:</a:t>
+            </a:r>
+            <a:r>
+              <a:rPr lang="zh-CN" altLang="en-US" sz="1800" b="1" dirty="0" smtClean="0">
+                <a:solidFill>
+                  <a:schemeClr val="accent2">
+                    <a:lumMod val="50000"/>
+                  </a:schemeClr>
+                </a:solidFill>
+              </a:rPr>
+              <a:t>把小矩阵拼装成大矩阵在显卡上进行矩阵乘法运算，不如直接用小矩阵进行乘法运算来的快</a:t>
+            </a:r>
+            <a:endParaRPr lang="en-US" altLang="zh-CN" sz="1800" b="1" dirty="0">
+              <a:solidFill>
+                <a:schemeClr val="accent2">
+                  <a:lumMod val="50000"/>
+                </a:schemeClr>
+              </a:solidFill>
+            </a:endParaRPr>
+          </a:p>
+        </p:txBody>
+      </p:sp>
+      <p:sp>
+        <p:nvSpPr>
+          <p:cNvPr id="88068" name="文本框 88067"/>
+          <p:cNvSpPr txBox="1"/>
+          <p:nvPr/>
+        </p:nvSpPr>
+        <p:spPr>
+          <a:xfrm>
+            <a:off x="-864235" y="405130"/>
+            <a:ext cx="8971280" cy="791845"/>
+          </a:xfrm>
+          <a:prstGeom prst="rect">
+            <a:avLst/>
+          </a:prstGeom>
+          <a:noFill/>
+          <a:ln w="9525">
+            <a:noFill/>
+          </a:ln>
+        </p:spPr>
+        <p:txBody>
+          <a:bodyPr wrap="square" lIns="0" rIns="0">
+            <a:noAutofit/>
+          </a:bodyPr>
+          <a:lstStyle/>
+          <a:p>
+            <a:pPr lvl="2" algn="l">
+              <a:lnSpc>
+                <a:spcPct val="100000"/>
+              </a:lnSpc>
+              <a:spcBef>
+                <a:spcPct val="0"/>
+              </a:spcBef>
+              <a:spcAft>
+                <a:spcPct val="0"/>
+              </a:spcAft>
+              <a:buClr>
+                <a:schemeClr val="bg1"/>
+              </a:buClr>
+            </a:pPr>
+            <a:r>
+              <a:rPr lang="en-US" altLang="zh-CN" sz="3200" b="0" dirty="0">
+                <a:latin typeface="微软雅黑 Light" panose="020B0502040204020203" charset="-122"/>
+                <a:ea typeface="微软雅黑 Light" panose="020B0502040204020203" charset="-122"/>
+                <a:cs typeface="微软雅黑 Light" panose="020B0502040204020203" charset="-122"/>
+              </a:rPr>
+              <a:t> </a:t>
+            </a:r>
+            <a:r>
+              <a:rPr lang="en-US" altLang="zh-CN" sz="3200" b="0" dirty="0" smtClean="0">
+                <a:latin typeface="微软雅黑 Light" panose="020B0502040204020203" charset="-122"/>
+                <a:ea typeface="微软雅黑 Light" panose="020B0502040204020203" charset="-122"/>
+                <a:cs typeface="微软雅黑 Light" panose="020B0502040204020203" charset="-122"/>
+              </a:rPr>
+              <a:t> </a:t>
+            </a:r>
+            <a:r>
+              <a:rPr lang="en-US" altLang="zh-CN" sz="3200" b="0" dirty="0" smtClean="0">
+                <a:solidFill>
+                  <a:srgbClr val="0000FF"/>
+                </a:solidFill>
+                <a:latin typeface="微软雅黑 Light" panose="020B0502040204020203" charset="-122"/>
+                <a:ea typeface="微软雅黑 Light" panose="020B0502040204020203" charset="-122"/>
+                <a:cs typeface="微软雅黑 Light" panose="020B0502040204020203" charset="-122"/>
+              </a:rPr>
+              <a:t> </a:t>
+            </a:r>
+            <a:r>
+              <a:rPr lang="zh-CN" altLang="en-US" sz="3200" b="0" dirty="0" smtClean="0">
+                <a:latin typeface="微软雅黑 Light" panose="020B0502040204020203" charset="-122"/>
+                <a:ea typeface="微软雅黑 Light" panose="020B0502040204020203" charset="-122"/>
+                <a:cs typeface="微软雅黑 Light" panose="020B0502040204020203" charset="-122"/>
+              </a:rPr>
+              <a:t>综合实验报告问题推荐：</a:t>
+            </a:r>
+            <a:endParaRPr lang="zh-CN" altLang="en-US" sz="3200" b="0" dirty="0">
+              <a:solidFill>
+                <a:srgbClr val="0000FF"/>
+              </a:solidFill>
+              <a:latin typeface="微软雅黑 Light" panose="020B0502040204020203" charset="-122"/>
+              <a:ea typeface="微软雅黑 Light" panose="020B0502040204020203" charset="-122"/>
+              <a:cs typeface="微软雅黑 Light" panose="020B0502040204020203" charset="-122"/>
+            </a:endParaRPr>
+          </a:p>
+        </p:txBody>
+      </p:sp>
+      <p:sp>
+        <p:nvSpPr>
+          <p:cNvPr id="4" name="矩形 3"/>
+          <p:cNvSpPr/>
+          <p:nvPr/>
+        </p:nvSpPr>
+        <p:spPr>
+          <a:xfrm>
+            <a:off x="1989121" y="5319440"/>
+            <a:ext cx="7121674" cy="1532727"/>
+          </a:xfrm>
+          <a:prstGeom prst="rect">
+            <a:avLst/>
+          </a:prstGeom>
+        </p:spPr>
+        <p:txBody>
+          <a:bodyPr wrap="square">
+            <a:spAutoFit/>
+          </a:bodyPr>
+          <a:lstStyle/>
+          <a:p>
+            <a:r>
+              <a:rPr lang="zh-CN" altLang="en-US" dirty="0" smtClean="0">
+                <a:solidFill>
+                  <a:schemeClr val="bg1"/>
+                </a:solidFill>
+              </a:rPr>
+              <a:t>综合实验</a:t>
+            </a:r>
+            <a:r>
+              <a:rPr lang="zh-CN" altLang="en-US" dirty="0" smtClean="0">
+                <a:solidFill>
+                  <a:schemeClr val="bg1"/>
+                </a:solidFill>
+              </a:rPr>
+              <a:t>报告若包含算法或新技术</a:t>
+            </a:r>
+            <a:endParaRPr lang="en-US" altLang="zh-CN" dirty="0" smtClean="0">
+              <a:solidFill>
+                <a:schemeClr val="bg1"/>
+              </a:solidFill>
+            </a:endParaRPr>
+          </a:p>
+          <a:p>
+            <a:r>
+              <a:rPr lang="en-US" altLang="zh-CN" dirty="0" smtClean="0"/>
+              <a:t>BIG PLUS</a:t>
+            </a:r>
+            <a:r>
+              <a:rPr lang="zh-CN" altLang="en-US" dirty="0" smtClean="0"/>
+              <a:t>！</a:t>
+            </a:r>
+            <a:endParaRPr lang="zh-CN" altLang="en-US" dirty="0"/>
+          </a:p>
+        </p:txBody>
+      </p:sp>
+      <p:sp>
+        <p:nvSpPr>
+          <p:cNvPr id="5" name="矩形 4"/>
+          <p:cNvSpPr/>
+          <p:nvPr/>
+        </p:nvSpPr>
+        <p:spPr>
+          <a:xfrm>
+            <a:off x="7812360" y="744537"/>
+            <a:ext cx="1123950" cy="904875"/>
+          </a:xfrm>
+          <a:prstGeom prst="rect">
+            <a:avLst/>
+          </a:prstGeom>
+        </p:spPr>
+        <p:txBody>
+          <a:bodyPr wrap="none" fromWordArt="1">
+            <a:prstTxWarp prst="textCascadeUp">
+              <a:avLst>
+                <a:gd name="adj" fmla="val 44444"/>
+              </a:avLst>
+            </a:prstTxWarp>
+            <a:normAutofit/>
+            <a:scene3d>
+              <a:camera prst="legacyPerspectiveFront">
+                <a:rot lat="20520000" lon="1080000" rev="0"/>
+              </a:camera>
+              <a:lightRig rig="legacyHarsh2" dir="b"/>
+            </a:scene3d>
+            <a:sp3d extrusionH="430200" prstMaterial="legacyMatte">
+              <a:extrusionClr>
+                <a:srgbClr val="FF6600"/>
+              </a:extrusionClr>
+            </a:sp3d>
+          </a:bodyPr>
+          <a:lstStyle/>
+          <a:p>
+            <a:pPr algn="ctr"/>
+            <a:r>
+              <a:rPr lang="zh-CN" altLang="en-US" sz="4400" dirty="0">
+                <a:gradFill rotWithShape="0">
+                  <a:gsLst>
+                    <a:gs pos="0">
+                      <a:srgbClr val="FFE701"/>
+                    </a:gs>
+                    <a:gs pos="100000">
+                      <a:srgbClr val="FE3E02"/>
+                    </a:gs>
+                  </a:gsLst>
+                  <a:lin ang="5400000" scaled="1"/>
+                  <a:tileRect/>
+                </a:gradFill>
+                <a:latin typeface="华文行楷" charset="0"/>
+                <a:ea typeface="华文行楷" charset="0"/>
+              </a:rPr>
+              <a:t>难点</a:t>
+            </a:r>
+          </a:p>
+        </p:txBody>
+      </p:sp>
+    </p:spTree>
+    <p:extLst>
+      <p:ext uri="{BB962C8B-B14F-4D97-AF65-F5344CB8AC3E}">
+        <p14:creationId xmlns:p14="http://schemas.microsoft.com/office/powerpoint/2010/main" val="1279284501"/>
       </p:ext>
     </p:extLst>
   </p:cSld>

--- a/programmingWindows_1.pptx
+++ b/programmingWindows_1.pptx
@@ -5,64 +5,64 @@
     <p:sldMasterId id="2147483648" r:id="rId1"/>
   </p:sldMasterIdLst>
   <p:notesMasterIdLst>
-    <p:notesMasterId r:id="rId57"/>
+    <p:notesMasterId r:id="rId6"/>
   </p:notesMasterIdLst>
   <p:sldIdLst>
-    <p:sldId id="256" r:id="rId2"/>
-    <p:sldId id="398" r:id="rId3"/>
-    <p:sldId id="317" r:id="rId4"/>
-    <p:sldId id="414" r:id="rId5"/>
-    <p:sldId id="415" r:id="rId6"/>
-    <p:sldId id="416" r:id="rId7"/>
-    <p:sldId id="417" r:id="rId8"/>
-    <p:sldId id="418" r:id="rId9"/>
-    <p:sldId id="419" r:id="rId10"/>
-    <p:sldId id="420" r:id="rId11"/>
-    <p:sldId id="421" r:id="rId12"/>
-    <p:sldId id="422" r:id="rId13"/>
-    <p:sldId id="423" r:id="rId14"/>
-    <p:sldId id="424" r:id="rId15"/>
-    <p:sldId id="425" r:id="rId16"/>
-    <p:sldId id="456" r:id="rId17"/>
-    <p:sldId id="457" r:id="rId18"/>
-    <p:sldId id="401" r:id="rId19"/>
-    <p:sldId id="426" r:id="rId20"/>
-    <p:sldId id="435" r:id="rId21"/>
-    <p:sldId id="431" r:id="rId22"/>
-    <p:sldId id="436" r:id="rId23"/>
-    <p:sldId id="437" r:id="rId24"/>
-    <p:sldId id="439" r:id="rId25"/>
-    <p:sldId id="427" r:id="rId26"/>
-    <p:sldId id="428" r:id="rId27"/>
-    <p:sldId id="429" r:id="rId28"/>
-    <p:sldId id="463" r:id="rId29"/>
-    <p:sldId id="430" r:id="rId30"/>
-    <p:sldId id="432" r:id="rId31"/>
-    <p:sldId id="434" r:id="rId32"/>
-    <p:sldId id="438" r:id="rId33"/>
-    <p:sldId id="433" r:id="rId34"/>
-    <p:sldId id="440" r:id="rId35"/>
-    <p:sldId id="441" r:id="rId36"/>
-    <p:sldId id="442" r:id="rId37"/>
-    <p:sldId id="443" r:id="rId38"/>
-    <p:sldId id="444" r:id="rId39"/>
-    <p:sldId id="445" r:id="rId40"/>
-    <p:sldId id="446" r:id="rId41"/>
-    <p:sldId id="447" r:id="rId42"/>
-    <p:sldId id="448" r:id="rId43"/>
-    <p:sldId id="449" r:id="rId44"/>
-    <p:sldId id="450" r:id="rId45"/>
-    <p:sldId id="451" r:id="rId46"/>
-    <p:sldId id="452" r:id="rId47"/>
-    <p:sldId id="453" r:id="rId48"/>
-    <p:sldId id="454" r:id="rId49"/>
-    <p:sldId id="458" r:id="rId50"/>
-    <p:sldId id="459" r:id="rId51"/>
-    <p:sldId id="460" r:id="rId52"/>
-    <p:sldId id="455" r:id="rId53"/>
-    <p:sldId id="461" r:id="rId54"/>
-    <p:sldId id="462" r:id="rId55"/>
-    <p:sldId id="464" r:id="rId56"/>
+    <p:sldId id="256" r:id="rId3"/>
+    <p:sldId id="398" r:id="rId4"/>
+    <p:sldId id="317" r:id="rId5"/>
+    <p:sldId id="414" r:id="rId7"/>
+    <p:sldId id="415" r:id="rId8"/>
+    <p:sldId id="416" r:id="rId9"/>
+    <p:sldId id="417" r:id="rId10"/>
+    <p:sldId id="418" r:id="rId11"/>
+    <p:sldId id="419" r:id="rId12"/>
+    <p:sldId id="420" r:id="rId13"/>
+    <p:sldId id="421" r:id="rId14"/>
+    <p:sldId id="422" r:id="rId15"/>
+    <p:sldId id="423" r:id="rId16"/>
+    <p:sldId id="424" r:id="rId17"/>
+    <p:sldId id="425" r:id="rId18"/>
+    <p:sldId id="456" r:id="rId19"/>
+    <p:sldId id="457" r:id="rId20"/>
+    <p:sldId id="401" r:id="rId21"/>
+    <p:sldId id="426" r:id="rId22"/>
+    <p:sldId id="435" r:id="rId23"/>
+    <p:sldId id="431" r:id="rId24"/>
+    <p:sldId id="436" r:id="rId25"/>
+    <p:sldId id="437" r:id="rId26"/>
+    <p:sldId id="439" r:id="rId27"/>
+    <p:sldId id="427" r:id="rId28"/>
+    <p:sldId id="428" r:id="rId29"/>
+    <p:sldId id="429" r:id="rId30"/>
+    <p:sldId id="463" r:id="rId31"/>
+    <p:sldId id="430" r:id="rId32"/>
+    <p:sldId id="432" r:id="rId33"/>
+    <p:sldId id="434" r:id="rId34"/>
+    <p:sldId id="438" r:id="rId35"/>
+    <p:sldId id="433" r:id="rId36"/>
+    <p:sldId id="440" r:id="rId37"/>
+    <p:sldId id="441" r:id="rId38"/>
+    <p:sldId id="442" r:id="rId39"/>
+    <p:sldId id="443" r:id="rId40"/>
+    <p:sldId id="444" r:id="rId41"/>
+    <p:sldId id="445" r:id="rId42"/>
+    <p:sldId id="446" r:id="rId43"/>
+    <p:sldId id="447" r:id="rId44"/>
+    <p:sldId id="448" r:id="rId45"/>
+    <p:sldId id="449" r:id="rId46"/>
+    <p:sldId id="450" r:id="rId47"/>
+    <p:sldId id="451" r:id="rId48"/>
+    <p:sldId id="452" r:id="rId49"/>
+    <p:sldId id="453" r:id="rId50"/>
+    <p:sldId id="454" r:id="rId51"/>
+    <p:sldId id="458" r:id="rId52"/>
+    <p:sldId id="459" r:id="rId53"/>
+    <p:sldId id="460" r:id="rId54"/>
+    <p:sldId id="455" r:id="rId55"/>
+    <p:sldId id="461" r:id="rId56"/>
+    <p:sldId id="462" r:id="rId57"/>
+    <p:sldId id="464" r:id="rId58"/>
   </p:sldIdLst>
   <p:sldSz cx="9144000" cy="6858000" type="screen4x3"/>
   <p:notesSz cx="6858000" cy="9144000"/>
@@ -251,22 +251,6 @@
       </a:defRPr>
     </a:lvl9pPr>
   </p:defaultTextStyle>
-  <p:extLst>
-    <p:ext uri="{EFAFB233-063F-42B5-8137-9DF3F51BA10A}">
-      <p15:sldGuideLst xmlns:p15="http://schemas.microsoft.com/office/powerpoint/2012/main">
-        <p15:guide id="1" orient="horz" pos="2160">
-          <p15:clr>
-            <a:srgbClr val="A4A3A4"/>
-          </p15:clr>
-        </p15:guide>
-        <p15:guide id="2" pos="2880">
-          <p15:clr>
-            <a:srgbClr val="A4A3A4"/>
-          </p15:clr>
-        </p15:guide>
-      </p15:sldGuideLst>
-    </p:ext>
-  </p:extLst>
 </p:presentation>
 </file>
 
@@ -420,6 +404,7 @@
               <a:rPr lang="zh-CN" altLang="en-US" dirty="0"/>
               <a:t>单击此处编辑母版文本样式</a:t>
             </a:r>
+            <a:endParaRPr lang="zh-CN" altLang="en-US" dirty="0"/>
           </a:p>
           <a:p>
             <a:pPr lvl="1"/>
@@ -427,6 +412,7 @@
               <a:rPr lang="zh-CN" altLang="en-US" dirty="0"/>
               <a:t>第二级</a:t>
             </a:r>
+            <a:endParaRPr lang="zh-CN" altLang="en-US" dirty="0"/>
           </a:p>
           <a:p>
             <a:pPr lvl="2"/>
@@ -434,6 +420,7 @@
               <a:rPr lang="zh-CN" altLang="en-US" dirty="0"/>
               <a:t>第三级</a:t>
             </a:r>
+            <a:endParaRPr lang="zh-CN" altLang="en-US" dirty="0"/>
           </a:p>
           <a:p>
             <a:pPr lvl="3"/>
@@ -441,6 +428,7 @@
               <a:rPr lang="zh-CN" altLang="en-US" dirty="0"/>
               <a:t>第四级</a:t>
             </a:r>
+            <a:endParaRPr lang="zh-CN" altLang="en-US" dirty="0"/>
           </a:p>
           <a:p>
             <a:pPr lvl="4"/>
@@ -448,6 +436,7 @@
               <a:rPr lang="zh-CN" altLang="en-US" dirty="0"/>
               <a:t>第五级</a:t>
             </a:r>
+            <a:endParaRPr lang="zh-CN" altLang="en-US" dirty="0"/>
           </a:p>
         </p:txBody>
       </p:sp>
@@ -513,7 +502,6 @@
             <a:pPr lvl="0" algn="r"/>
             <a:fld id="{9A0DB2DC-4C9A-4742-B13C-FB6460FD3503}" type="slidenum">
               <a:rPr lang="zh-CN" altLang="en-US" sz="1200" b="0" dirty="0"/>
-              <a:t>‹#›</a:t>
             </a:fld>
             <a:endParaRPr lang="zh-CN" altLang="en-US" sz="1200" b="0" dirty="0"/>
           </a:p>
@@ -764,6 +752,7 @@
               <a:rPr lang="zh-CN" altLang="en-US" b="1" dirty="0"/>
               <a:t>能够在不同位置多次反复执行，实现程序模块化。</a:t>
             </a:r>
+            <a:endParaRPr lang="zh-CN" altLang="en-US" b="1" dirty="0"/>
           </a:p>
         </p:txBody>
       </p:sp>
@@ -785,7 +774,6 @@
             <a:pPr lvl="0" algn="r"/>
             <a:fld id="{9A0DB2DC-4C9A-4742-B13C-FB6460FD3503}" type="slidenum">
               <a:rPr lang="zh-CN" altLang="en-US" sz="1200" b="0" dirty="0"/>
-              <a:t>3</a:t>
             </a:fld>
             <a:endParaRPr lang="zh-CN" altLang="en-US" sz="1200" b="0" dirty="0"/>
           </a:p>
@@ -870,18 +858,12 @@
             <a:pPr lvl="0" algn="r"/>
             <a:fld id="{9A0DB2DC-4C9A-4742-B13C-FB6460FD3503}" type="slidenum">
               <a:rPr lang="zh-CN" altLang="en-US" sz="1200" b="0" dirty="0"/>
-              <a:t>30</a:t>
             </a:fld>
             <a:endParaRPr lang="zh-CN" altLang="en-US" sz="1200" b="0" dirty="0"/>
           </a:p>
         </p:txBody>
       </p:sp>
     </p:spTree>
-    <p:extLst>
-      <p:ext uri="{BB962C8B-B14F-4D97-AF65-F5344CB8AC3E}">
-        <p14:creationId xmlns:p14="http://schemas.microsoft.com/office/powerpoint/2010/main" val="2081217570"/>
-      </p:ext>
-    </p:extLst>
   </p:cSld>
   <p:clrMapOvr>
     <a:masterClrMapping/>
@@ -960,18 +942,12 @@
             <a:pPr lvl="0" algn="r"/>
             <a:fld id="{9A0DB2DC-4C9A-4742-B13C-FB6460FD3503}" type="slidenum">
               <a:rPr lang="zh-CN" altLang="en-US" sz="1200" b="0" dirty="0"/>
-              <a:t>31</a:t>
             </a:fld>
             <a:endParaRPr lang="zh-CN" altLang="en-US" sz="1200" b="0" dirty="0"/>
           </a:p>
         </p:txBody>
       </p:sp>
     </p:spTree>
-    <p:extLst>
-      <p:ext uri="{BB962C8B-B14F-4D97-AF65-F5344CB8AC3E}">
-        <p14:creationId xmlns:p14="http://schemas.microsoft.com/office/powerpoint/2010/main" val="406768170"/>
-      </p:ext>
-    </p:extLst>
   </p:cSld>
   <p:clrMapOvr>
     <a:masterClrMapping/>
@@ -1050,18 +1026,12 @@
             <a:pPr lvl="0" algn="r"/>
             <a:fld id="{9A0DB2DC-4C9A-4742-B13C-FB6460FD3503}" type="slidenum">
               <a:rPr lang="zh-CN" altLang="en-US" sz="1200" b="0" dirty="0"/>
-              <a:t>32</a:t>
             </a:fld>
             <a:endParaRPr lang="zh-CN" altLang="en-US" sz="1200" b="0" dirty="0"/>
           </a:p>
         </p:txBody>
       </p:sp>
     </p:spTree>
-    <p:extLst>
-      <p:ext uri="{BB962C8B-B14F-4D97-AF65-F5344CB8AC3E}">
-        <p14:creationId xmlns:p14="http://schemas.microsoft.com/office/powerpoint/2010/main" val="4261434541"/>
-      </p:ext>
-    </p:extLst>
   </p:cSld>
   <p:clrMapOvr>
     <a:masterClrMapping/>
@@ -1140,18 +1110,12 @@
             <a:pPr lvl="0" algn="r"/>
             <a:fld id="{9A0DB2DC-4C9A-4742-B13C-FB6460FD3503}" type="slidenum">
               <a:rPr lang="zh-CN" altLang="en-US" sz="1200" b="0" dirty="0"/>
-              <a:t>33</a:t>
             </a:fld>
             <a:endParaRPr lang="zh-CN" altLang="en-US" sz="1200" b="0" dirty="0"/>
           </a:p>
         </p:txBody>
       </p:sp>
     </p:spTree>
-    <p:extLst>
-      <p:ext uri="{BB962C8B-B14F-4D97-AF65-F5344CB8AC3E}">
-        <p14:creationId xmlns:p14="http://schemas.microsoft.com/office/powerpoint/2010/main" val="744859769"/>
-      </p:ext>
-    </p:extLst>
   </p:cSld>
   <p:clrMapOvr>
     <a:masterClrMapping/>
@@ -1230,18 +1194,12 @@
             <a:pPr lvl="0" algn="r"/>
             <a:fld id="{9A0DB2DC-4C9A-4742-B13C-FB6460FD3503}" type="slidenum">
               <a:rPr lang="zh-CN" altLang="en-US" sz="1200" b="0" dirty="0"/>
-              <a:t>46</a:t>
             </a:fld>
             <a:endParaRPr lang="zh-CN" altLang="en-US" sz="1200" b="0" dirty="0"/>
           </a:p>
         </p:txBody>
       </p:sp>
     </p:spTree>
-    <p:extLst>
-      <p:ext uri="{BB962C8B-B14F-4D97-AF65-F5344CB8AC3E}">
-        <p14:creationId xmlns:p14="http://schemas.microsoft.com/office/powerpoint/2010/main" val="99227459"/>
-      </p:ext>
-    </p:extLst>
   </p:cSld>
   <p:clrMapOvr>
     <a:masterClrMapping/>
@@ -1320,18 +1278,12 @@
             <a:pPr lvl="0" algn="r"/>
             <a:fld id="{9A0DB2DC-4C9A-4742-B13C-FB6460FD3503}" type="slidenum">
               <a:rPr lang="zh-CN" altLang="en-US" sz="1200" b="0" dirty="0"/>
-              <a:t>47</a:t>
             </a:fld>
             <a:endParaRPr lang="zh-CN" altLang="en-US" sz="1200" b="0" dirty="0"/>
           </a:p>
         </p:txBody>
       </p:sp>
     </p:spTree>
-    <p:extLst>
-      <p:ext uri="{BB962C8B-B14F-4D97-AF65-F5344CB8AC3E}">
-        <p14:creationId xmlns:p14="http://schemas.microsoft.com/office/powerpoint/2010/main" val="2471794114"/>
-      </p:ext>
-    </p:extLst>
   </p:cSld>
   <p:clrMapOvr>
     <a:masterClrMapping/>
@@ -1410,18 +1362,12 @@
             <a:pPr lvl="0" algn="r"/>
             <a:fld id="{9A0DB2DC-4C9A-4742-B13C-FB6460FD3503}" type="slidenum">
               <a:rPr lang="zh-CN" altLang="en-US" sz="1200" b="0" dirty="0"/>
-              <a:t>48</a:t>
             </a:fld>
             <a:endParaRPr lang="zh-CN" altLang="en-US" sz="1200" b="0" dirty="0"/>
           </a:p>
         </p:txBody>
       </p:sp>
     </p:spTree>
-    <p:extLst>
-      <p:ext uri="{BB962C8B-B14F-4D97-AF65-F5344CB8AC3E}">
-        <p14:creationId xmlns:p14="http://schemas.microsoft.com/office/powerpoint/2010/main" val="3563468966"/>
-      </p:ext>
-    </p:extLst>
   </p:cSld>
   <p:clrMapOvr>
     <a:masterClrMapping/>
@@ -1500,18 +1446,12 @@
             <a:pPr lvl="0" algn="r"/>
             <a:fld id="{9A0DB2DC-4C9A-4742-B13C-FB6460FD3503}" type="slidenum">
               <a:rPr lang="zh-CN" altLang="en-US" sz="1200" b="0" dirty="0"/>
-              <a:t>49</a:t>
             </a:fld>
             <a:endParaRPr lang="zh-CN" altLang="en-US" sz="1200" b="0" dirty="0"/>
           </a:p>
         </p:txBody>
       </p:sp>
     </p:spTree>
-    <p:extLst>
-      <p:ext uri="{BB962C8B-B14F-4D97-AF65-F5344CB8AC3E}">
-        <p14:creationId xmlns:p14="http://schemas.microsoft.com/office/powerpoint/2010/main" val="1050092402"/>
-      </p:ext>
-    </p:extLst>
   </p:cSld>
   <p:clrMapOvr>
     <a:masterClrMapping/>
@@ -1590,18 +1530,12 @@
             <a:pPr lvl="0" algn="r"/>
             <a:fld id="{9A0DB2DC-4C9A-4742-B13C-FB6460FD3503}" type="slidenum">
               <a:rPr lang="zh-CN" altLang="en-US" sz="1200" b="0" dirty="0"/>
-              <a:t>50</a:t>
             </a:fld>
             <a:endParaRPr lang="zh-CN" altLang="en-US" sz="1200" b="0" dirty="0"/>
           </a:p>
         </p:txBody>
       </p:sp>
     </p:spTree>
-    <p:extLst>
-      <p:ext uri="{BB962C8B-B14F-4D97-AF65-F5344CB8AC3E}">
-        <p14:creationId xmlns:p14="http://schemas.microsoft.com/office/powerpoint/2010/main" val="2011578816"/>
-      </p:ext>
-    </p:extLst>
   </p:cSld>
   <p:clrMapOvr>
     <a:masterClrMapping/>
@@ -1680,18 +1614,12 @@
             <a:pPr lvl="0" algn="r"/>
             <a:fld id="{9A0DB2DC-4C9A-4742-B13C-FB6460FD3503}" type="slidenum">
               <a:rPr lang="zh-CN" altLang="en-US" sz="1200" b="0" dirty="0"/>
-              <a:t>51</a:t>
             </a:fld>
             <a:endParaRPr lang="zh-CN" altLang="en-US" sz="1200" b="0" dirty="0"/>
           </a:p>
         </p:txBody>
       </p:sp>
     </p:spTree>
-    <p:extLst>
-      <p:ext uri="{BB962C8B-B14F-4D97-AF65-F5344CB8AC3E}">
-        <p14:creationId xmlns:p14="http://schemas.microsoft.com/office/powerpoint/2010/main" val="857487526"/>
-      </p:ext>
-    </p:extLst>
   </p:cSld>
   <p:clrMapOvr>
     <a:masterClrMapping/>
@@ -1764,6 +1692,7 @@
               <a:rPr lang="zh-CN" altLang="en-US" b="1" dirty="0"/>
               <a:t>能够在不同位置多次反复执行，实现程序模块化。</a:t>
             </a:r>
+            <a:endParaRPr lang="zh-CN" altLang="en-US" b="1" dirty="0"/>
           </a:p>
         </p:txBody>
       </p:sp>
@@ -1785,7 +1714,6 @@
             <a:pPr lvl="0" algn="r"/>
             <a:fld id="{9A0DB2DC-4C9A-4742-B13C-FB6460FD3503}" type="slidenum">
               <a:rPr lang="zh-CN" altLang="en-US" sz="1200" b="0" dirty="0"/>
-              <a:t>4</a:t>
             </a:fld>
             <a:endParaRPr lang="zh-CN" altLang="en-US" sz="1200" b="0" dirty="0"/>
           </a:p>
@@ -1870,18 +1798,12 @@
             <a:pPr lvl="0" algn="r"/>
             <a:fld id="{9A0DB2DC-4C9A-4742-B13C-FB6460FD3503}" type="slidenum">
               <a:rPr lang="zh-CN" altLang="en-US" sz="1200" b="0" dirty="0"/>
-              <a:t>52</a:t>
             </a:fld>
             <a:endParaRPr lang="zh-CN" altLang="en-US" sz="1200" b="0" dirty="0"/>
           </a:p>
         </p:txBody>
       </p:sp>
     </p:spTree>
-    <p:extLst>
-      <p:ext uri="{BB962C8B-B14F-4D97-AF65-F5344CB8AC3E}">
-        <p14:creationId xmlns:p14="http://schemas.microsoft.com/office/powerpoint/2010/main" val="1976184575"/>
-      </p:ext>
-    </p:extLst>
   </p:cSld>
   <p:clrMapOvr>
     <a:masterClrMapping/>
@@ -1960,18 +1882,12 @@
             <a:pPr lvl="0" algn="r"/>
             <a:fld id="{9A0DB2DC-4C9A-4742-B13C-FB6460FD3503}" type="slidenum">
               <a:rPr lang="zh-CN" altLang="en-US" sz="1200" b="0" dirty="0"/>
-              <a:t>53</a:t>
             </a:fld>
             <a:endParaRPr lang="zh-CN" altLang="en-US" sz="1200" b="0" dirty="0"/>
           </a:p>
         </p:txBody>
       </p:sp>
     </p:spTree>
-    <p:extLst>
-      <p:ext uri="{BB962C8B-B14F-4D97-AF65-F5344CB8AC3E}">
-        <p14:creationId xmlns:p14="http://schemas.microsoft.com/office/powerpoint/2010/main" val="1131962100"/>
-      </p:ext>
-    </p:extLst>
   </p:cSld>
   <p:clrMapOvr>
     <a:masterClrMapping/>
@@ -2050,18 +1966,12 @@
             <a:pPr lvl="0" algn="r"/>
             <a:fld id="{9A0DB2DC-4C9A-4742-B13C-FB6460FD3503}" type="slidenum">
               <a:rPr lang="zh-CN" altLang="en-US" sz="1200" b="0" dirty="0"/>
-              <a:t>54</a:t>
             </a:fld>
             <a:endParaRPr lang="zh-CN" altLang="en-US" sz="1200" b="0" dirty="0"/>
           </a:p>
         </p:txBody>
       </p:sp>
     </p:spTree>
-    <p:extLst>
-      <p:ext uri="{BB962C8B-B14F-4D97-AF65-F5344CB8AC3E}">
-        <p14:creationId xmlns:p14="http://schemas.microsoft.com/office/powerpoint/2010/main" val="2399158237"/>
-      </p:ext>
-    </p:extLst>
   </p:cSld>
   <p:clrMapOvr>
     <a:masterClrMapping/>
@@ -2140,18 +2050,12 @@
             <a:pPr lvl="0" algn="r"/>
             <a:fld id="{9A0DB2DC-4C9A-4742-B13C-FB6460FD3503}" type="slidenum">
               <a:rPr lang="zh-CN" altLang="en-US" sz="1200" b="0" dirty="0"/>
-              <a:t>55</a:t>
             </a:fld>
             <a:endParaRPr lang="zh-CN" altLang="en-US" sz="1200" b="0" dirty="0"/>
           </a:p>
         </p:txBody>
       </p:sp>
     </p:spTree>
-    <p:extLst>
-      <p:ext uri="{BB962C8B-B14F-4D97-AF65-F5344CB8AC3E}">
-        <p14:creationId xmlns:p14="http://schemas.microsoft.com/office/powerpoint/2010/main" val="1202991483"/>
-      </p:ext>
-    </p:extLst>
   </p:cSld>
   <p:clrMapOvr>
     <a:masterClrMapping/>
@@ -2224,6 +2128,7 @@
               <a:rPr lang="zh-CN" altLang="en-US" b="1" dirty="0"/>
               <a:t>能够在不同位置多次反复执行，实现程序模块化。</a:t>
             </a:r>
+            <a:endParaRPr lang="zh-CN" altLang="en-US" b="1" dirty="0"/>
           </a:p>
         </p:txBody>
       </p:sp>
@@ -2245,7 +2150,6 @@
             <a:pPr lvl="0" algn="r"/>
             <a:fld id="{9A0DB2DC-4C9A-4742-B13C-FB6460FD3503}" type="slidenum">
               <a:rPr lang="zh-CN" altLang="en-US" sz="1200" b="0" dirty="0"/>
-              <a:t>12</a:t>
             </a:fld>
             <a:endParaRPr lang="zh-CN" altLang="en-US" sz="1200" b="0" dirty="0"/>
           </a:p>
@@ -2330,7 +2234,6 @@
             <a:pPr lvl="0" algn="r"/>
             <a:fld id="{9A0DB2DC-4C9A-4742-B13C-FB6460FD3503}" type="slidenum">
               <a:rPr lang="zh-CN" altLang="en-US" sz="1200" b="0" dirty="0"/>
-              <a:t>18</a:t>
             </a:fld>
             <a:endParaRPr lang="zh-CN" altLang="en-US" sz="1200" b="0" dirty="0"/>
           </a:p>
@@ -2415,18 +2318,12 @@
             <a:pPr lvl="0" algn="r"/>
             <a:fld id="{9A0DB2DC-4C9A-4742-B13C-FB6460FD3503}" type="slidenum">
               <a:rPr lang="zh-CN" altLang="en-US" sz="1200" b="0" dirty="0"/>
-              <a:t>20</a:t>
             </a:fld>
             <a:endParaRPr lang="zh-CN" altLang="en-US" sz="1200" b="0" dirty="0"/>
           </a:p>
         </p:txBody>
       </p:sp>
     </p:spTree>
-    <p:extLst>
-      <p:ext uri="{BB962C8B-B14F-4D97-AF65-F5344CB8AC3E}">
-        <p14:creationId xmlns:p14="http://schemas.microsoft.com/office/powerpoint/2010/main" val="1002331834"/>
-      </p:ext>
-    </p:extLst>
   </p:cSld>
   <p:clrMapOvr>
     <a:masterClrMapping/>
@@ -2505,18 +2402,12 @@
             <a:pPr lvl="0" algn="r"/>
             <a:fld id="{9A0DB2DC-4C9A-4742-B13C-FB6460FD3503}" type="slidenum">
               <a:rPr lang="zh-CN" altLang="en-US" sz="1200" b="0" dirty="0"/>
-              <a:t>21</a:t>
             </a:fld>
             <a:endParaRPr lang="zh-CN" altLang="en-US" sz="1200" b="0" dirty="0"/>
           </a:p>
         </p:txBody>
       </p:sp>
     </p:spTree>
-    <p:extLst>
-      <p:ext uri="{BB962C8B-B14F-4D97-AF65-F5344CB8AC3E}">
-        <p14:creationId xmlns:p14="http://schemas.microsoft.com/office/powerpoint/2010/main" val="267993099"/>
-      </p:ext>
-    </p:extLst>
   </p:cSld>
   <p:clrMapOvr>
     <a:masterClrMapping/>
@@ -2595,18 +2486,12 @@
             <a:pPr lvl="0" algn="r"/>
             <a:fld id="{9A0DB2DC-4C9A-4742-B13C-FB6460FD3503}" type="slidenum">
               <a:rPr lang="zh-CN" altLang="en-US" sz="1200" b="0" dirty="0"/>
-              <a:t>22</a:t>
             </a:fld>
             <a:endParaRPr lang="zh-CN" altLang="en-US" sz="1200" b="0" dirty="0"/>
           </a:p>
         </p:txBody>
       </p:sp>
     </p:spTree>
-    <p:extLst>
-      <p:ext uri="{BB962C8B-B14F-4D97-AF65-F5344CB8AC3E}">
-        <p14:creationId xmlns:p14="http://schemas.microsoft.com/office/powerpoint/2010/main" val="2450403883"/>
-      </p:ext>
-    </p:extLst>
   </p:cSld>
   <p:clrMapOvr>
     <a:masterClrMapping/>
@@ -2685,18 +2570,12 @@
             <a:pPr lvl="0" algn="r"/>
             <a:fld id="{9A0DB2DC-4C9A-4742-B13C-FB6460FD3503}" type="slidenum">
               <a:rPr lang="zh-CN" altLang="en-US" sz="1200" b="0" dirty="0"/>
-              <a:t>23</a:t>
             </a:fld>
             <a:endParaRPr lang="zh-CN" altLang="en-US" sz="1200" b="0" dirty="0"/>
           </a:p>
         </p:txBody>
       </p:sp>
     </p:spTree>
-    <p:extLst>
-      <p:ext uri="{BB962C8B-B14F-4D97-AF65-F5344CB8AC3E}">
-        <p14:creationId xmlns:p14="http://schemas.microsoft.com/office/powerpoint/2010/main" val="4186519316"/>
-      </p:ext>
-    </p:extLst>
   </p:cSld>
   <p:clrMapOvr>
     <a:masterClrMapping/>
@@ -2775,18 +2654,12 @@
             <a:pPr lvl="0" algn="r"/>
             <a:fld id="{9A0DB2DC-4C9A-4742-B13C-FB6460FD3503}" type="slidenum">
               <a:rPr lang="zh-CN" altLang="en-US" sz="1200" b="0" dirty="0"/>
-              <a:t>24</a:t>
             </a:fld>
             <a:endParaRPr lang="zh-CN" altLang="en-US" sz="1200" b="0" dirty="0"/>
           </a:p>
         </p:txBody>
       </p:sp>
     </p:spTree>
-    <p:extLst>
-      <p:ext uri="{BB962C8B-B14F-4D97-AF65-F5344CB8AC3E}">
-        <p14:creationId xmlns:p14="http://schemas.microsoft.com/office/powerpoint/2010/main" val="1667883250"/>
-      </p:ext>
-    </p:extLst>
   </p:cSld>
   <p:clrMapOvr>
     <a:masterClrMapping/>
@@ -2980,7 +2853,6 @@
             </a:pPr>
             <a:fld id="{9A0DB2DC-4C9A-4742-B13C-FB6460FD3503}" type="slidenum">
               <a:rPr lang="zh-CN" altLang="en-US" dirty="0"/>
-              <a:t>‹#›</a:t>
             </a:fld>
             <a:endParaRPr lang="zh-CN" altLang="en-US" dirty="0">
               <a:latin typeface="Arial" panose="020B0604020202020204" pitchFamily="34" charset="0"/>
@@ -3056,6 +2928,7 @@
               <a:rPr lang="zh-CN" altLang="en-US" smtClean="0"/>
               <a:t>单击此处编辑母版文本样式</a:t>
             </a:r>
+            <a:endParaRPr lang="zh-CN" altLang="en-US" smtClean="0"/>
           </a:p>
           <a:p>
             <a:pPr lvl="1"/>
@@ -3063,6 +2936,7 @@
               <a:rPr lang="zh-CN" altLang="en-US" smtClean="0"/>
               <a:t>第二级</a:t>
             </a:r>
+            <a:endParaRPr lang="zh-CN" altLang="en-US" smtClean="0"/>
           </a:p>
           <a:p>
             <a:pPr lvl="2"/>
@@ -3070,6 +2944,7 @@
               <a:rPr lang="zh-CN" altLang="en-US" smtClean="0"/>
               <a:t>第三级</a:t>
             </a:r>
+            <a:endParaRPr lang="zh-CN" altLang="en-US" smtClean="0"/>
           </a:p>
           <a:p>
             <a:pPr lvl="3"/>
@@ -3077,6 +2952,7 @@
               <a:rPr lang="zh-CN" altLang="en-US" smtClean="0"/>
               <a:t>第四级</a:t>
             </a:r>
+            <a:endParaRPr lang="zh-CN" altLang="en-US" smtClean="0"/>
           </a:p>
           <a:p>
             <a:pPr lvl="4"/>
@@ -3160,7 +3036,6 @@
             </a:pPr>
             <a:fld id="{9A0DB2DC-4C9A-4742-B13C-FB6460FD3503}" type="slidenum">
               <a:rPr lang="zh-CN" altLang="en-US" dirty="0"/>
-              <a:t>‹#›</a:t>
             </a:fld>
             <a:endParaRPr lang="zh-CN" altLang="en-US" dirty="0">
               <a:latin typeface="Arial" panose="020B0604020202020204" pitchFamily="34" charset="0"/>
@@ -3246,6 +3121,7 @@
               <a:rPr lang="zh-CN" altLang="en-US" smtClean="0"/>
               <a:t>单击此处编辑母版文本样式</a:t>
             </a:r>
+            <a:endParaRPr lang="zh-CN" altLang="en-US" smtClean="0"/>
           </a:p>
           <a:p>
             <a:pPr lvl="1"/>
@@ -3253,6 +3129,7 @@
               <a:rPr lang="zh-CN" altLang="en-US" smtClean="0"/>
               <a:t>第二级</a:t>
             </a:r>
+            <a:endParaRPr lang="zh-CN" altLang="en-US" smtClean="0"/>
           </a:p>
           <a:p>
             <a:pPr lvl="2"/>
@@ -3260,6 +3137,7 @@
               <a:rPr lang="zh-CN" altLang="en-US" smtClean="0"/>
               <a:t>第三级</a:t>
             </a:r>
+            <a:endParaRPr lang="zh-CN" altLang="en-US" smtClean="0"/>
           </a:p>
           <a:p>
             <a:pPr lvl="3"/>
@@ -3267,6 +3145,7 @@
               <a:rPr lang="zh-CN" altLang="en-US" smtClean="0"/>
               <a:t>第四级</a:t>
             </a:r>
+            <a:endParaRPr lang="zh-CN" altLang="en-US" smtClean="0"/>
           </a:p>
           <a:p>
             <a:pPr lvl="4"/>
@@ -3350,7 +3229,6 @@
             </a:pPr>
             <a:fld id="{9A0DB2DC-4C9A-4742-B13C-FB6460FD3503}" type="slidenum">
               <a:rPr lang="zh-CN" altLang="en-US" dirty="0"/>
-              <a:t>‹#›</a:t>
             </a:fld>
             <a:endParaRPr lang="zh-CN" altLang="en-US" dirty="0">
               <a:latin typeface="Arial" panose="020B0604020202020204" pitchFamily="34" charset="0"/>
@@ -3426,6 +3304,7 @@
               <a:rPr lang="zh-CN" altLang="en-US" smtClean="0"/>
               <a:t>单击此处编辑母版文本样式</a:t>
             </a:r>
+            <a:endParaRPr lang="zh-CN" altLang="en-US" smtClean="0"/>
           </a:p>
           <a:p>
             <a:pPr lvl="1"/>
@@ -3433,6 +3312,7 @@
               <a:rPr lang="zh-CN" altLang="en-US" smtClean="0"/>
               <a:t>第二级</a:t>
             </a:r>
+            <a:endParaRPr lang="zh-CN" altLang="en-US" smtClean="0"/>
           </a:p>
           <a:p>
             <a:pPr lvl="2"/>
@@ -3440,6 +3320,7 @@
               <a:rPr lang="zh-CN" altLang="en-US" smtClean="0"/>
               <a:t>第三级</a:t>
             </a:r>
+            <a:endParaRPr lang="zh-CN" altLang="en-US" smtClean="0"/>
           </a:p>
           <a:p>
             <a:pPr lvl="3"/>
@@ -3447,6 +3328,7 @@
               <a:rPr lang="zh-CN" altLang="en-US" smtClean="0"/>
               <a:t>第四级</a:t>
             </a:r>
+            <a:endParaRPr lang="zh-CN" altLang="en-US" smtClean="0"/>
           </a:p>
           <a:p>
             <a:pPr lvl="4"/>
@@ -3530,7 +3412,6 @@
             </a:pPr>
             <a:fld id="{9A0DB2DC-4C9A-4742-B13C-FB6460FD3503}" type="slidenum">
               <a:rPr lang="zh-CN" altLang="en-US" dirty="0"/>
-              <a:t>‹#›</a:t>
             </a:fld>
             <a:endParaRPr lang="zh-CN" altLang="en-US" dirty="0">
               <a:latin typeface="Arial" panose="020B0604020202020204" pitchFamily="34" charset="0"/>
@@ -3711,6 +3592,7 @@
               <a:rPr lang="zh-CN" altLang="en-US" smtClean="0"/>
               <a:t>单击此处编辑母版文本样式</a:t>
             </a:r>
+            <a:endParaRPr lang="zh-CN" altLang="en-US" smtClean="0"/>
           </a:p>
         </p:txBody>
       </p:sp>
@@ -3786,7 +3668,6 @@
             </a:pPr>
             <a:fld id="{9A0DB2DC-4C9A-4742-B13C-FB6460FD3503}" type="slidenum">
               <a:rPr lang="zh-CN" altLang="en-US" dirty="0"/>
-              <a:t>‹#›</a:t>
             </a:fld>
             <a:endParaRPr lang="zh-CN" altLang="en-US" dirty="0">
               <a:latin typeface="Arial" panose="020B0604020202020204" pitchFamily="34" charset="0"/>
@@ -3867,6 +3748,7 @@
               <a:rPr lang="zh-CN" altLang="en-US" smtClean="0"/>
               <a:t>单击此处编辑母版文本样式</a:t>
             </a:r>
+            <a:endParaRPr lang="zh-CN" altLang="en-US" smtClean="0"/>
           </a:p>
           <a:p>
             <a:pPr lvl="1"/>
@@ -3874,6 +3756,7 @@
               <a:rPr lang="zh-CN" altLang="en-US" smtClean="0"/>
               <a:t>第二级</a:t>
             </a:r>
+            <a:endParaRPr lang="zh-CN" altLang="en-US" smtClean="0"/>
           </a:p>
           <a:p>
             <a:pPr lvl="2"/>
@@ -3881,6 +3764,7 @@
               <a:rPr lang="zh-CN" altLang="en-US" smtClean="0"/>
               <a:t>第三级</a:t>
             </a:r>
+            <a:endParaRPr lang="zh-CN" altLang="en-US" smtClean="0"/>
           </a:p>
           <a:p>
             <a:pPr lvl="3"/>
@@ -3888,6 +3772,7 @@
               <a:rPr lang="zh-CN" altLang="en-US" smtClean="0"/>
               <a:t>第四级</a:t>
             </a:r>
+            <a:endParaRPr lang="zh-CN" altLang="en-US" smtClean="0"/>
           </a:p>
           <a:p>
             <a:pPr lvl="4"/>
@@ -3924,6 +3809,7 @@
               <a:rPr lang="zh-CN" altLang="en-US" smtClean="0"/>
               <a:t>单击此处编辑母版文本样式</a:t>
             </a:r>
+            <a:endParaRPr lang="zh-CN" altLang="en-US" smtClean="0"/>
           </a:p>
           <a:p>
             <a:pPr lvl="1"/>
@@ -3931,6 +3817,7 @@
               <a:rPr lang="zh-CN" altLang="en-US" smtClean="0"/>
               <a:t>第二级</a:t>
             </a:r>
+            <a:endParaRPr lang="zh-CN" altLang="en-US" smtClean="0"/>
           </a:p>
           <a:p>
             <a:pPr lvl="2"/>
@@ -3938,6 +3825,7 @@
               <a:rPr lang="zh-CN" altLang="en-US" smtClean="0"/>
               <a:t>第三级</a:t>
             </a:r>
+            <a:endParaRPr lang="zh-CN" altLang="en-US" smtClean="0"/>
           </a:p>
           <a:p>
             <a:pPr lvl="3"/>
@@ -3945,6 +3833,7 @@
               <a:rPr lang="zh-CN" altLang="en-US" smtClean="0"/>
               <a:t>第四级</a:t>
             </a:r>
+            <a:endParaRPr lang="zh-CN" altLang="en-US" smtClean="0"/>
           </a:p>
           <a:p>
             <a:pPr lvl="4"/>
@@ -4028,7 +3917,6 @@
             </a:pPr>
             <a:fld id="{9A0DB2DC-4C9A-4742-B13C-FB6460FD3503}" type="slidenum">
               <a:rPr lang="zh-CN" altLang="en-US" dirty="0"/>
-              <a:t>‹#›</a:t>
             </a:fld>
             <a:endParaRPr lang="zh-CN" altLang="en-US" dirty="0">
               <a:latin typeface="Arial" panose="020B0604020202020204" pitchFamily="34" charset="0"/>
@@ -4151,6 +4039,7 @@
               <a:rPr lang="zh-CN" altLang="en-US" smtClean="0"/>
               <a:t>单击此处编辑母版文本样式</a:t>
             </a:r>
+            <a:endParaRPr lang="zh-CN" altLang="en-US" smtClean="0"/>
           </a:p>
         </p:txBody>
       </p:sp>
@@ -4179,6 +4068,7 @@
               <a:rPr lang="zh-CN" altLang="en-US" smtClean="0"/>
               <a:t>单击此处编辑母版文本样式</a:t>
             </a:r>
+            <a:endParaRPr lang="zh-CN" altLang="en-US" smtClean="0"/>
           </a:p>
           <a:p>
             <a:pPr lvl="1"/>
@@ -4186,6 +4076,7 @@
               <a:rPr lang="zh-CN" altLang="en-US" smtClean="0"/>
               <a:t>第二级</a:t>
             </a:r>
+            <a:endParaRPr lang="zh-CN" altLang="en-US" smtClean="0"/>
           </a:p>
           <a:p>
             <a:pPr lvl="2"/>
@@ -4193,6 +4084,7 @@
               <a:rPr lang="zh-CN" altLang="en-US" smtClean="0"/>
               <a:t>第三级</a:t>
             </a:r>
+            <a:endParaRPr lang="zh-CN" altLang="en-US" smtClean="0"/>
           </a:p>
           <a:p>
             <a:pPr lvl="3"/>
@@ -4200,6 +4092,7 @@
               <a:rPr lang="zh-CN" altLang="en-US" smtClean="0"/>
               <a:t>第四级</a:t>
             </a:r>
+            <a:endParaRPr lang="zh-CN" altLang="en-US" smtClean="0"/>
           </a:p>
           <a:p>
             <a:pPr lvl="4"/>
@@ -4273,6 +4166,7 @@
               <a:rPr lang="zh-CN" altLang="en-US" smtClean="0"/>
               <a:t>单击此处编辑母版文本样式</a:t>
             </a:r>
+            <a:endParaRPr lang="zh-CN" altLang="en-US" smtClean="0"/>
           </a:p>
         </p:txBody>
       </p:sp>
@@ -4301,6 +4195,7 @@
               <a:rPr lang="zh-CN" altLang="en-US" smtClean="0"/>
               <a:t>单击此处编辑母版文本样式</a:t>
             </a:r>
+            <a:endParaRPr lang="zh-CN" altLang="en-US" smtClean="0"/>
           </a:p>
           <a:p>
             <a:pPr lvl="1"/>
@@ -4308,6 +4203,7 @@
               <a:rPr lang="zh-CN" altLang="en-US" smtClean="0"/>
               <a:t>第二级</a:t>
             </a:r>
+            <a:endParaRPr lang="zh-CN" altLang="en-US" smtClean="0"/>
           </a:p>
           <a:p>
             <a:pPr lvl="2"/>
@@ -4315,6 +4211,7 @@
               <a:rPr lang="zh-CN" altLang="en-US" smtClean="0"/>
               <a:t>第三级</a:t>
             </a:r>
+            <a:endParaRPr lang="zh-CN" altLang="en-US" smtClean="0"/>
           </a:p>
           <a:p>
             <a:pPr lvl="3"/>
@@ -4322,6 +4219,7 @@
               <a:rPr lang="zh-CN" altLang="en-US" smtClean="0"/>
               <a:t>第四级</a:t>
             </a:r>
+            <a:endParaRPr lang="zh-CN" altLang="en-US" smtClean="0"/>
           </a:p>
           <a:p>
             <a:pPr lvl="4"/>
@@ -4405,7 +4303,6 @@
             </a:pPr>
             <a:fld id="{9A0DB2DC-4C9A-4742-B13C-FB6460FD3503}" type="slidenum">
               <a:rPr lang="zh-CN" altLang="en-US" dirty="0"/>
-              <a:t>‹#›</a:t>
             </a:fld>
             <a:endParaRPr lang="zh-CN" altLang="en-US" dirty="0">
               <a:latin typeface="Arial" panose="020B0604020202020204" pitchFamily="34" charset="0"/>
@@ -4533,7 +4430,6 @@
             </a:pPr>
             <a:fld id="{9A0DB2DC-4C9A-4742-B13C-FB6460FD3503}" type="slidenum">
               <a:rPr lang="zh-CN" altLang="en-US" dirty="0"/>
-              <a:t>‹#›</a:t>
             </a:fld>
             <a:endParaRPr lang="zh-CN" altLang="en-US" dirty="0">
               <a:latin typeface="Arial" panose="020B0604020202020204" pitchFamily="34" charset="0"/>
@@ -4638,7 +4534,6 @@
             </a:pPr>
             <a:fld id="{9A0DB2DC-4C9A-4742-B13C-FB6460FD3503}" type="slidenum">
               <a:rPr lang="zh-CN" altLang="en-US" dirty="0"/>
-              <a:t>‹#›</a:t>
             </a:fld>
             <a:endParaRPr lang="zh-CN" altLang="en-US" dirty="0">
               <a:latin typeface="Arial" panose="020B0604020202020204" pitchFamily="34" charset="0"/>
@@ -4756,6 +4651,7 @@
               <a:rPr lang="zh-CN" altLang="en-US" smtClean="0"/>
               <a:t>单击此处编辑母版文本样式</a:t>
             </a:r>
+            <a:endParaRPr lang="zh-CN" altLang="en-US" smtClean="0"/>
           </a:p>
           <a:p>
             <a:pPr lvl="1"/>
@@ -4763,6 +4659,7 @@
               <a:rPr lang="zh-CN" altLang="en-US" smtClean="0"/>
               <a:t>第二级</a:t>
             </a:r>
+            <a:endParaRPr lang="zh-CN" altLang="en-US" smtClean="0"/>
           </a:p>
           <a:p>
             <a:pPr lvl="2"/>
@@ -4770,6 +4667,7 @@
               <a:rPr lang="zh-CN" altLang="en-US" smtClean="0"/>
               <a:t>第三级</a:t>
             </a:r>
+            <a:endParaRPr lang="zh-CN" altLang="en-US" smtClean="0"/>
           </a:p>
           <a:p>
             <a:pPr lvl="3"/>
@@ -4777,6 +4675,7 @@
               <a:rPr lang="zh-CN" altLang="en-US" smtClean="0"/>
               <a:t>第四级</a:t>
             </a:r>
+            <a:endParaRPr lang="zh-CN" altLang="en-US" smtClean="0"/>
           </a:p>
           <a:p>
             <a:pPr lvl="4"/>
@@ -4850,6 +4749,7 @@
               <a:rPr lang="zh-CN" altLang="en-US" smtClean="0"/>
               <a:t>单击此处编辑母版文本样式</a:t>
             </a:r>
+            <a:endParaRPr lang="zh-CN" altLang="en-US" smtClean="0"/>
           </a:p>
         </p:txBody>
       </p:sp>
@@ -4925,7 +4825,6 @@
             </a:pPr>
             <a:fld id="{9A0DB2DC-4C9A-4742-B13C-FB6460FD3503}" type="slidenum">
               <a:rPr lang="zh-CN" altLang="en-US" dirty="0"/>
-              <a:t>‹#›</a:t>
             </a:fld>
             <a:endParaRPr lang="zh-CN" altLang="en-US" dirty="0">
               <a:latin typeface="Arial" panose="020B0604020202020204" pitchFamily="34" charset="0"/>
@@ -5113,6 +5012,7 @@
               <a:rPr lang="zh-CN" altLang="en-US" smtClean="0"/>
               <a:t>单击此处编辑母版文本样式</a:t>
             </a:r>
+            <a:endParaRPr lang="zh-CN" altLang="en-US" smtClean="0"/>
           </a:p>
         </p:txBody>
       </p:sp>
@@ -5188,7 +5088,6 @@
             </a:pPr>
             <a:fld id="{9A0DB2DC-4C9A-4742-B13C-FB6460FD3503}" type="slidenum">
               <a:rPr lang="zh-CN" altLang="en-US" dirty="0"/>
-              <a:t>‹#›</a:t>
             </a:fld>
             <a:endParaRPr lang="zh-CN" altLang="en-US" dirty="0">
               <a:latin typeface="Arial" panose="020B0604020202020204" pitchFamily="34" charset="0"/>
@@ -5238,7 +5137,7 @@
           <p:nvPr/>
         </p:nvPicPr>
         <p:blipFill>
-          <a:blip r:embed="rId13">
+          <a:blip r:embed="rId12">
             <a:extLst>
               <a:ext uri="{28A0092B-C50C-407E-A947-70E740481C1C}">
                 <a14:useLocalDpi xmlns:a14="http://schemas.microsoft.com/office/drawing/2010/main" val="0"/>
@@ -5295,6 +5194,7 @@
               <a:rPr lang="zh-CN" altLang="en-US" dirty="0"/>
               <a:t>单击此处编辑母版标题样式</a:t>
             </a:r>
+            <a:endParaRPr lang="zh-CN" altLang="en-US" dirty="0"/>
           </a:p>
         </p:txBody>
       </p:sp>
@@ -5330,6 +5230,7 @@
               <a:rPr lang="zh-CN" altLang="en-US" dirty="0"/>
               <a:t>单击此处编辑母版文本样式</a:t>
             </a:r>
+            <a:endParaRPr lang="zh-CN" altLang="en-US" dirty="0"/>
           </a:p>
           <a:p>
             <a:pPr lvl="1"/>
@@ -5337,6 +5238,7 @@
               <a:rPr lang="zh-CN" altLang="en-US" dirty="0"/>
               <a:t>第二级</a:t>
             </a:r>
+            <a:endParaRPr lang="zh-CN" altLang="en-US" dirty="0"/>
           </a:p>
           <a:p>
             <a:pPr lvl="2"/>
@@ -5344,6 +5246,7 @@
               <a:rPr lang="zh-CN" altLang="en-US" dirty="0"/>
               <a:t>第三级</a:t>
             </a:r>
+            <a:endParaRPr lang="zh-CN" altLang="en-US" dirty="0"/>
           </a:p>
           <a:p>
             <a:pPr lvl="3"/>
@@ -5351,6 +5254,7 @@
               <a:rPr lang="zh-CN" altLang="en-US" dirty="0"/>
               <a:t>第四级</a:t>
             </a:r>
+            <a:endParaRPr lang="zh-CN" altLang="en-US" dirty="0"/>
           </a:p>
           <a:p>
             <a:pPr lvl="4"/>
@@ -5358,6 +5262,7 @@
               <a:rPr lang="zh-CN" altLang="en-US" dirty="0"/>
               <a:t>第五级</a:t>
             </a:r>
+            <a:endParaRPr lang="zh-CN" altLang="en-US" dirty="0"/>
           </a:p>
         </p:txBody>
       </p:sp>
@@ -5487,7 +5392,6 @@
             </a:pPr>
             <a:fld id="{9A0DB2DC-4C9A-4742-B13C-FB6460FD3503}" type="slidenum">
               <a:rPr lang="zh-CN" altLang="en-US" dirty="0"/>
-              <a:t>‹#›</a:t>
             </a:fld>
             <a:endParaRPr lang="zh-CN" altLang="en-US" dirty="0">
               <a:latin typeface="Arial" panose="020B0604020202020204" pitchFamily="34" charset="0"/>
@@ -5607,7 +5511,7 @@
           <p:nvPr userDrawn="1"/>
         </p:nvPicPr>
         <p:blipFill>
-          <a:blip r:embed="rId14">
+          <a:blip r:embed="rId13">
             <a:clrChange>
               <a:clrFrom>
                 <a:srgbClr val="FFFFFF"/>
@@ -6120,6 +6024,22 @@
               </a:rPr>
               <a:t>重点</a:t>
             </a:r>
+            <a:endParaRPr lang="zh-CN" altLang="en-US" sz="4400" dirty="0">
+              <a:gradFill rotWithShape="0">
+                <a:gsLst>
+                  <a:gs pos="0">
+                    <a:srgbClr val="FFE701"/>
+                  </a:gs>
+                  <a:gs pos="100000">
+                    <a:srgbClr val="FE3E02"/>
+                  </a:gs>
+                </a:gsLst>
+                <a:lin ang="5400000" scaled="1"/>
+                <a:tileRect/>
+              </a:gradFill>
+              <a:latin typeface="华文行楷" charset="0"/>
+              <a:ea typeface="华文行楷" charset="0"/>
+            </a:endParaRPr>
           </a:p>
         </p:txBody>
       </p:sp>
@@ -7476,6 +7396,22 @@
               </a:rPr>
               <a:t>重点</a:t>
             </a:r>
+            <a:endParaRPr lang="zh-CN" altLang="en-US" sz="4400" dirty="0">
+              <a:gradFill rotWithShape="0">
+                <a:gsLst>
+                  <a:gs pos="0">
+                    <a:srgbClr val="FFE701"/>
+                  </a:gs>
+                  <a:gs pos="100000">
+                    <a:srgbClr val="FE3E02"/>
+                  </a:gs>
+                </a:gsLst>
+                <a:lin ang="5400000" scaled="1"/>
+                <a:tileRect/>
+              </a:gradFill>
+              <a:latin typeface="华文行楷" charset="0"/>
+              <a:ea typeface="华文行楷" charset="0"/>
+            </a:endParaRPr>
           </a:p>
         </p:txBody>
       </p:sp>
@@ -7536,6 +7472,22 @@
               </a:rPr>
               <a:t>难点</a:t>
             </a:r>
+            <a:endParaRPr lang="zh-CN" altLang="en-US" sz="4400" dirty="0">
+              <a:gradFill rotWithShape="0">
+                <a:gsLst>
+                  <a:gs pos="0">
+                    <a:srgbClr val="FFE701"/>
+                  </a:gs>
+                  <a:gs pos="100000">
+                    <a:srgbClr val="FE3E02"/>
+                  </a:gs>
+                </a:gsLst>
+                <a:lin ang="5400000" scaled="1"/>
+                <a:tileRect/>
+              </a:gradFill>
+              <a:latin typeface="华文行楷" charset="0"/>
+              <a:ea typeface="华文行楷" charset="0"/>
+            </a:endParaRPr>
           </a:p>
         </p:txBody>
       </p:sp>
@@ -7929,7 +7881,6 @@
             </a:pPr>
             <a:fld id="{8898D075-5ADB-4173-AB5A-B55D3C8574C1}" type="slidenum">
               <a:rPr lang="zh-CN" altLang="en-US"/>
-              <a:t>10</a:t>
             </a:fld>
             <a:endParaRPr lang="en-US" altLang="zh-CN"/>
           </a:p>
@@ -7966,6 +7917,7 @@
               <a:rPr lang="zh-CN" altLang="en-US" dirty="0" smtClean="0"/>
               <a:t>的主要特点</a:t>
             </a:r>
+            <a:endParaRPr lang="zh-CN" altLang="en-US" dirty="0" smtClean="0"/>
           </a:p>
         </p:txBody>
       </p:sp>
@@ -8332,7 +8284,6 @@
             </a:pPr>
             <a:fld id="{8898D075-5ADB-4173-AB5A-B55D3C8574C1}" type="slidenum">
               <a:rPr lang="zh-CN" altLang="en-US"/>
-              <a:t>11</a:t>
             </a:fld>
             <a:endParaRPr lang="en-US" altLang="zh-CN"/>
           </a:p>
@@ -8369,6 +8320,7 @@
               <a:rPr lang="zh-CN" altLang="en-US" dirty="0" smtClean="0"/>
               <a:t>的主要特点</a:t>
             </a:r>
+            <a:endParaRPr lang="zh-CN" altLang="en-US" dirty="0" smtClean="0"/>
           </a:p>
         </p:txBody>
       </p:sp>
@@ -9075,6 +9027,13 @@
               </a:rPr>
               <a:t> )</a:t>
             </a:r>
+            <a:endParaRPr lang="en-US" altLang="zh-CN" sz="1800" b="1" dirty="0" smtClean="0">
+              <a:solidFill>
+                <a:schemeClr val="accent2">
+                  <a:lumMod val="50000"/>
+                </a:schemeClr>
+              </a:solidFill>
+            </a:endParaRPr>
           </a:p>
           <a:p>
             <a:pPr>
@@ -9134,6 +9093,13 @@
               </a:rPr>
               <a:t>15.8.2</a:t>
             </a:r>
+            <a:endParaRPr lang="en-US" altLang="zh-CN" b="1" dirty="0" smtClean="0">
+              <a:solidFill>
+                <a:schemeClr val="accent2">
+                  <a:lumMod val="50000"/>
+                </a:schemeClr>
+              </a:solidFill>
+            </a:endParaRPr>
           </a:p>
           <a:p>
             <a:pPr>
@@ -9190,6 +9156,13 @@
               </a:rPr>
               <a:t>4.7.2</a:t>
             </a:r>
+            <a:endParaRPr lang="en-US" altLang="zh-CN" b="1" dirty="0" smtClean="0">
+              <a:solidFill>
+                <a:schemeClr val="accent2">
+                  <a:lumMod val="50000"/>
+                </a:schemeClr>
+              </a:solidFill>
+            </a:endParaRPr>
           </a:p>
           <a:p>
             <a:pPr>
@@ -9532,7 +9505,6 @@
             </a:pPr>
             <a:fld id="{8898D075-5ADB-4173-AB5A-B55D3C8574C1}" type="slidenum">
               <a:rPr lang="zh-CN" altLang="en-US"/>
-              <a:t>13</a:t>
             </a:fld>
             <a:endParaRPr lang="en-US" altLang="zh-CN"/>
           </a:p>
@@ -9633,6 +9605,13 @@
               </a:rPr>
               <a:t>my.whu.edu.cn</a:t>
             </a:r>
+            <a:endParaRPr lang="en-US" altLang="zh-CN" b="1" dirty="0" smtClean="0">
+              <a:solidFill>
+                <a:schemeClr val="accent2">
+                  <a:lumMod val="50000"/>
+                </a:schemeClr>
+              </a:solidFill>
+            </a:endParaRPr>
           </a:p>
           <a:p>
             <a:pPr>
@@ -9669,6 +9648,13 @@
               </a:rPr>
               <a:t>http://plg.whu.edu.cn/dreamspark/</a:t>
             </a:r>
+            <a:endParaRPr lang="en-US" altLang="zh-CN" b="1" dirty="0">
+              <a:solidFill>
+                <a:schemeClr val="accent2">
+                  <a:lumMod val="50000"/>
+                </a:schemeClr>
+              </a:solidFill>
+            </a:endParaRPr>
           </a:p>
           <a:p>
             <a:pPr>
@@ -9705,6 +9691,13 @@
               </a:rPr>
               <a:t>Web Store</a:t>
             </a:r>
+            <a:endParaRPr lang="en-US" altLang="zh-CN" b="1" dirty="0" smtClean="0">
+              <a:solidFill>
+                <a:schemeClr val="accent2">
+                  <a:lumMod val="50000"/>
+                </a:schemeClr>
+              </a:solidFill>
+            </a:endParaRPr>
           </a:p>
           <a:p>
             <a:pPr>
@@ -9988,7 +9981,6 @@
             </a:pPr>
             <a:fld id="{8898D075-5ADB-4173-AB5A-B55D3C8574C1}" type="slidenum">
               <a:rPr lang="zh-CN" altLang="en-US"/>
-              <a:t>14</a:t>
             </a:fld>
             <a:endParaRPr lang="en-US" altLang="zh-CN"/>
           </a:p>
@@ -10348,7 +10340,6 @@
             </a:pPr>
             <a:fld id="{8898D075-5ADB-4173-AB5A-B55D3C8574C1}" type="slidenum">
               <a:rPr lang="zh-CN" altLang="en-US"/>
-              <a:t>15</a:t>
             </a:fld>
             <a:endParaRPr lang="en-US" altLang="zh-CN"/>
           </a:p>
@@ -10909,6 +10900,35 @@
               <a:t>唯一诀窍</a:t>
             </a:r>
             <a:endParaRPr lang="zh-CN" altLang="en-US" dirty="0"/>
+          </a:p>
+        </p:txBody>
+      </p:sp>
+      <p:sp>
+        <p:nvSpPr>
+          <p:cNvPr id="3" name="文本框 2"/>
+          <p:cNvSpPr txBox="1"/>
+          <p:nvPr/>
+        </p:nvSpPr>
+        <p:spPr>
+          <a:xfrm>
+            <a:off x="1207135" y="4644390"/>
+            <a:ext cx="7570470" cy="755650"/>
+          </a:xfrm>
+          <a:prstGeom prst="rect">
+            <a:avLst/>
+          </a:prstGeom>
+          <a:noFill/>
+        </p:spPr>
+        <p:txBody>
+          <a:bodyPr wrap="square" rtlCol="0">
+            <a:spAutoFit/>
+          </a:bodyPr>
+          <a:p>
+            <a:r>
+              <a:rPr lang="zh-CN" altLang="en-US"/>
+              <a:t>开发效率与运行效率常常是一对矛盾</a:t>
+            </a:r>
+            <a:endParaRPr lang="zh-CN" altLang="en-US"/>
           </a:p>
         </p:txBody>
       </p:sp>
@@ -11081,7 +11101,6 @@
             </a:pPr>
             <a:fld id="{8898D075-5ADB-4173-AB5A-B55D3C8574C1}" type="slidenum">
               <a:rPr lang="zh-CN" altLang="en-US"/>
-              <a:t>16</a:t>
             </a:fld>
             <a:endParaRPr lang="en-US" altLang="zh-CN"/>
           </a:p>
@@ -11275,11 +11294,6 @@
         </p:txBody>
       </p:sp>
     </p:spTree>
-    <p:extLst>
-      <p:ext uri="{BB962C8B-B14F-4D97-AF65-F5344CB8AC3E}">
-        <p14:creationId xmlns:p14="http://schemas.microsoft.com/office/powerpoint/2010/main" val="1795693817"/>
-      </p:ext>
-    </p:extLst>
   </p:cSld>
   <p:clrMapOvr>
     <a:masterClrMapping/>
@@ -11331,7 +11345,6 @@
             </a:pPr>
             <a:fld id="{8898D075-5ADB-4173-AB5A-B55D3C8574C1}" type="slidenum">
               <a:rPr lang="zh-CN" altLang="en-US"/>
-              <a:t>17</a:t>
             </a:fld>
             <a:endParaRPr lang="en-US" altLang="zh-CN"/>
           </a:p>
@@ -11444,6 +11457,13 @@
               </a:rPr>
               <a:t>Language</a:t>
             </a:r>
+            <a:endParaRPr lang="en-US" altLang="zh-CN" sz="2400" b="1" dirty="0" smtClean="0">
+              <a:solidFill>
+                <a:schemeClr val="accent2">
+                  <a:lumMod val="50000"/>
+                </a:schemeClr>
+              </a:solidFill>
+            </a:endParaRPr>
           </a:p>
           <a:p>
             <a:pPr>
@@ -11470,6 +11490,13 @@
               </a:rPr>
               <a:t>XML</a:t>
             </a:r>
+            <a:endParaRPr lang="en-US" altLang="zh-CN" sz="2400" b="1" dirty="0" smtClean="0">
+              <a:solidFill>
+                <a:schemeClr val="accent2">
+                  <a:lumMod val="50000"/>
+                </a:schemeClr>
+              </a:solidFill>
+            </a:endParaRPr>
           </a:p>
           <a:p>
             <a:pPr>
@@ -11551,6 +11578,13 @@
               </a:rPr>
               <a:t>nodes ( also known as tags, or elements )</a:t>
             </a:r>
+            <a:endParaRPr lang="en-US" altLang="zh-CN" sz="2400" b="1" dirty="0" smtClean="0">
+              <a:solidFill>
+                <a:schemeClr val="accent2">
+                  <a:lumMod val="50000"/>
+                </a:schemeClr>
+              </a:solidFill>
+            </a:endParaRPr>
           </a:p>
           <a:p>
             <a:pPr lvl="1">
@@ -11600,6 +11634,13 @@
               </a:rPr>
               <a:t>Grid</a:t>
             </a:r>
+            <a:endParaRPr lang="en-US" altLang="zh-CN" sz="2000" b="1" dirty="0" smtClean="0">
+              <a:solidFill>
+                <a:schemeClr val="accent2">
+                  <a:lumMod val="50000"/>
+                </a:schemeClr>
+              </a:solidFill>
+            </a:endParaRPr>
           </a:p>
           <a:p>
             <a:pPr>
@@ -11655,7 +11696,7 @@
           <p:nvPr/>
         </p:nvPicPr>
         <p:blipFill>
-          <a:blip r:embed="rId2">
+          <a:blip r:embed="rId1">
             <a:extLst>
               <a:ext uri="{28A0092B-C50C-407E-A947-70E740481C1C}">
                 <a14:useLocalDpi xmlns:a14="http://schemas.microsoft.com/office/drawing/2010/main" val="0"/>
@@ -11684,8 +11725,8 @@
         </p:nvSpPr>
         <p:spPr>
           <a:xfrm>
-            <a:off x="593813" y="4149080"/>
-            <a:ext cx="1476164" cy="444215"/>
+            <a:off x="407035" y="4149090"/>
+            <a:ext cx="1663065" cy="444500"/>
           </a:xfrm>
           <a:prstGeom prst="cloudCallout">
             <a:avLst>
@@ -11764,8 +11805,8 @@
         </p:nvSpPr>
         <p:spPr>
           <a:xfrm>
-            <a:off x="564162" y="3638940"/>
-            <a:ext cx="1476164" cy="444215"/>
+            <a:off x="474345" y="3639185"/>
+            <a:ext cx="1565910" cy="444500"/>
           </a:xfrm>
           <a:prstGeom prst="cloudCallout">
             <a:avLst>
@@ -11837,11 +11878,6 @@
         </p:txBody>
       </p:sp>
     </p:spTree>
-    <p:extLst>
-      <p:ext uri="{BB962C8B-B14F-4D97-AF65-F5344CB8AC3E}">
-        <p14:creationId xmlns:p14="http://schemas.microsoft.com/office/powerpoint/2010/main" val="134026559"/>
-      </p:ext>
-    </p:extLst>
   </p:cSld>
   <p:clrMapOvr>
     <a:masterClrMapping/>
@@ -11964,8 +12000,8 @@
       </p:par>
     </p:tnLst>
     <p:bldLst>
-      <p:bldP spid="6" grpId="0" animBg="1"/>
-      <p:bldP spid="7" grpId="0" animBg="1"/>
+      <p:bldP spid="6" grpId="0" bldLvl="0" animBg="1"/>
+      <p:bldP spid="7" grpId="0" bldLvl="0" animBg="1"/>
     </p:bldLst>
   </p:timing>
 </p:sld>
@@ -12432,6 +12468,13 @@
               </a:rPr>
               <a:t>Azure</a:t>
             </a:r>
+            <a:endParaRPr lang="en-US" altLang="zh-CN" b="1" dirty="0" smtClean="0">
+              <a:solidFill>
+                <a:schemeClr val="accent2">
+                  <a:lumMod val="50000"/>
+                </a:schemeClr>
+              </a:solidFill>
+            </a:endParaRPr>
           </a:p>
           <a:p>
             <a:pPr lvl="1">
@@ -12458,6 +12501,13 @@
               </a:rPr>
               <a:t>/</a:t>
             </a:r>
+            <a:endParaRPr lang="en-US" altLang="zh-CN" sz="1800" b="1" dirty="0" smtClean="0">
+              <a:solidFill>
+                <a:schemeClr val="accent2">
+                  <a:lumMod val="50000"/>
+                </a:schemeClr>
+              </a:solidFill>
+            </a:endParaRPr>
           </a:p>
           <a:p>
             <a:pPr lvl="1">
@@ -12635,7 +12685,6 @@
             </a:pPr>
             <a:fld id="{8898D075-5ADB-4173-AB5A-B55D3C8574C1}" type="slidenum">
               <a:rPr lang="zh-CN" altLang="en-US"/>
-              <a:t>19</a:t>
             </a:fld>
             <a:endParaRPr lang="en-US" altLang="zh-CN"/>
           </a:p>
@@ -12680,6 +12729,7 @@
               <a:rPr lang="zh-CN" altLang="en-US" dirty="0"/>
               <a:t>应用程序类型</a:t>
             </a:r>
+            <a:endParaRPr lang="zh-CN" altLang="en-US" dirty="0"/>
           </a:p>
         </p:txBody>
       </p:sp>
@@ -12719,6 +12769,13 @@
               </a:rPr>
               <a:t>VC++</a:t>
             </a:r>
+            <a:endParaRPr lang="en-US" altLang="zh-CN" sz="1800" b="1" dirty="0">
+              <a:solidFill>
+                <a:schemeClr val="accent2">
+                  <a:lumMod val="50000"/>
+                </a:schemeClr>
+              </a:solidFill>
+            </a:endParaRPr>
           </a:p>
           <a:p>
             <a:pPr lvl="1"/>
@@ -12878,6 +12935,7 @@
               <a:rPr lang="zh-CN" altLang="en-US" sz="2700" dirty="0"/>
               <a:t>应用程序类型与开发语言有一定的关系</a:t>
             </a:r>
+            <a:endParaRPr lang="zh-CN" altLang="en-US" sz="2700" dirty="0"/>
           </a:p>
         </p:txBody>
       </p:sp>
@@ -13138,6 +13196,13 @@
               </a:rPr>
               <a:t>C#</a:t>
             </a:r>
+            <a:endParaRPr lang="en-US" altLang="zh-CN" dirty="0">
+              <a:solidFill>
+                <a:schemeClr val="accent2">
+                  <a:lumMod val="50000"/>
+                </a:schemeClr>
+              </a:solidFill>
+            </a:endParaRPr>
           </a:p>
           <a:p>
             <a:pPr lvl="1"/>
@@ -13291,6 +13356,13 @@
               </a:rPr>
               <a:t>……</a:t>
             </a:r>
+            <a:endParaRPr lang="en-US" altLang="zh-CN" sz="1800" dirty="0">
+              <a:solidFill>
+                <a:schemeClr val="accent2">
+                  <a:lumMod val="50000"/>
+                </a:schemeClr>
+              </a:solidFill>
+            </a:endParaRPr>
           </a:p>
           <a:p>
             <a:pPr lvl="1"/>
@@ -13678,6 +13750,16 @@
               </a:rPr>
               <a:t>                 Visual Studio Enterprise 2017</a:t>
             </a:r>
+            <a:endParaRPr lang="en-US" altLang="zh-CN" sz="2400" dirty="0" smtClean="0">
+              <a:solidFill>
+                <a:schemeClr val="accent2">
+                  <a:lumMod val="50000"/>
+                </a:schemeClr>
+              </a:solidFill>
+              <a:latin typeface="微软雅黑 Light" panose="020B0502040204020203" charset="-122"/>
+              <a:ea typeface="微软雅黑 Light" panose="020B0502040204020203" charset="-122"/>
+              <a:cs typeface="Arial" panose="020B0604020202020204" pitchFamily="34" charset="0"/>
+            </a:endParaRPr>
           </a:p>
         </p:txBody>
       </p:sp>
@@ -14163,6 +14245,13 @@
                 </a:rPr>
                 <a:t>掌握</a:t>
               </a:r>
+              <a:endParaRPr lang="zh-CN" altLang="en-US" sz="2800" dirty="0">
+                <a:solidFill>
+                  <a:schemeClr val="bg1"/>
+                </a:solidFill>
+                <a:latin typeface="Arial" panose="020B0604020202020204" pitchFamily="34" charset="0"/>
+                <a:ea typeface="黑体" panose="02010609060101010101" pitchFamily="2" charset="-122"/>
+              </a:endParaRPr>
             </a:p>
           </p:txBody>
         </p:sp>
@@ -14466,6 +14555,13 @@
                 </a:rPr>
                 <a:t>熟悉</a:t>
               </a:r>
+              <a:endParaRPr lang="zh-CN" altLang="en-US" sz="2800" dirty="0">
+                <a:solidFill>
+                  <a:schemeClr val="bg1"/>
+                </a:solidFill>
+                <a:latin typeface="Arial" panose="020B0604020202020204" pitchFamily="34" charset="0"/>
+                <a:ea typeface="黑体" panose="02010609060101010101" pitchFamily="2" charset="-122"/>
+              </a:endParaRPr>
             </a:p>
           </p:txBody>
         </p:sp>
@@ -14769,6 +14865,13 @@
                 </a:rPr>
                 <a:t>了解</a:t>
               </a:r>
+              <a:endParaRPr lang="zh-CN" altLang="en-US" sz="2800" dirty="0">
+                <a:solidFill>
+                  <a:schemeClr val="bg1"/>
+                </a:solidFill>
+                <a:latin typeface="Arial" panose="020B0604020202020204" pitchFamily="34" charset="0"/>
+                <a:ea typeface="黑体" panose="02010609060101010101" pitchFamily="2" charset="-122"/>
+              </a:endParaRPr>
             </a:p>
           </p:txBody>
         </p:sp>
@@ -15072,6 +15175,13 @@
                 </a:rPr>
                 <a:t>理解</a:t>
               </a:r>
+              <a:endParaRPr lang="zh-CN" altLang="en-US" sz="2800" dirty="0">
+                <a:solidFill>
+                  <a:schemeClr val="bg1"/>
+                </a:solidFill>
+                <a:latin typeface="Arial" panose="020B0604020202020204" pitchFamily="34" charset="0"/>
+                <a:ea typeface="黑体" panose="02010609060101010101" pitchFamily="2" charset="-122"/>
+              </a:endParaRPr>
             </a:p>
           </p:txBody>
         </p:sp>
@@ -16149,7 +16259,7 @@
           <p:nvPr/>
         </p:nvPicPr>
         <p:blipFill>
-          <a:blip r:embed="rId3">
+          <a:blip r:embed="rId1">
             <a:extLst>
               <a:ext uri="{28A0092B-C50C-407E-A947-70E740481C1C}">
                 <a14:useLocalDpi xmlns:a14="http://schemas.microsoft.com/office/drawing/2010/main" val="0"/>
@@ -16171,11 +16281,6 @@
         </p:spPr>
       </p:pic>
     </p:spTree>
-    <p:extLst>
-      <p:ext uri="{BB962C8B-B14F-4D97-AF65-F5344CB8AC3E}">
-        <p14:creationId xmlns:p14="http://schemas.microsoft.com/office/powerpoint/2010/main" val="213538140"/>
-      </p:ext>
-    </p:extLst>
   </p:cSld>
   <p:clrMapOvr>
     <a:masterClrMapping/>
@@ -16421,7 +16526,7 @@
                   </a:schemeClr>
                 </a:solidFill>
               </a:rPr>
-              <a:t> File =&gt; new =&gt; Project =&gt; Visual C++ =&gt; Windows Desktop =&gt; Windows Desktop Wizard    </a:t>
+              <a:t> File =&gt; new =&gt; Project =&gt; Visual C++ =&gt; MFC/ATL =&gt; MFC Application    </a:t>
             </a:r>
             <a:endParaRPr lang="zh-CN" altLang="en-US" b="1" dirty="0">
               <a:solidFill>
@@ -16494,7 +16599,7 @@
           <p:nvPr/>
         </p:nvPicPr>
         <p:blipFill>
-          <a:blip r:embed="rId3">
+          <a:blip r:embed="rId1">
             <a:extLst>
               <a:ext uri="{28A0092B-C50C-407E-A947-70E740481C1C}">
                 <a14:useLocalDpi xmlns:a14="http://schemas.microsoft.com/office/drawing/2010/main" val="0"/>
@@ -16516,11 +16621,6 @@
         </p:spPr>
       </p:pic>
     </p:spTree>
-    <p:extLst>
-      <p:ext uri="{BB962C8B-B14F-4D97-AF65-F5344CB8AC3E}">
-        <p14:creationId xmlns:p14="http://schemas.microsoft.com/office/powerpoint/2010/main" val="4114223814"/>
-      </p:ext>
-    </p:extLst>
   </p:cSld>
   <p:clrMapOvr>
     <a:masterClrMapping/>
@@ -16562,8 +16662,8 @@
         </p:nvSpPr>
         <p:spPr>
           <a:xfrm>
-            <a:off x="107504" y="836712"/>
-            <a:ext cx="8892480" cy="3061320"/>
+            <a:off x="107315" y="836930"/>
+            <a:ext cx="8972550" cy="3061335"/>
           </a:xfrm>
           <a:prstGeom prst="rect">
             <a:avLst/>
@@ -16766,7 +16866,28 @@
                   </a:schemeClr>
                 </a:solidFill>
               </a:rPr>
-              <a:t> File =&gt; new =&gt; Project =&gt; Visual C++ =&gt; Windows Desktop =&gt; Windows Desktop Wizard    </a:t>
+              <a:t> File =&gt; new =&gt; Project =&gt; Visual C++ =&gt; </a:t>
+            </a:r>
+            <a:r>
+              <a:rPr lang="en-US" altLang="zh-CN" b="1" dirty="0" smtClean="0">
+                <a:solidFill>
+                  <a:schemeClr val="accent2">
+                    <a:lumMod val="50000"/>
+                  </a:schemeClr>
+                </a:solidFill>
+                <a:sym typeface="+mn-ea"/>
+              </a:rPr>
+              <a:t>MFC/ATL =&gt; MFC Application =&gt; Dialog based</a:t>
+            </a:r>
+            <a:r>
+              <a:rPr lang="en-US" altLang="zh-CN" b="1" dirty="0" smtClean="0">
+                <a:solidFill>
+                  <a:schemeClr val="accent2">
+                    <a:lumMod val="50000"/>
+                  </a:schemeClr>
+                </a:solidFill>
+              </a:rPr>
+              <a:t>    </a:t>
             </a:r>
             <a:endParaRPr lang="zh-CN" altLang="en-US" b="1" dirty="0">
               <a:solidFill>
@@ -16839,7 +16960,7 @@
           <p:nvPr/>
         </p:nvPicPr>
         <p:blipFill>
-          <a:blip r:embed="rId3">
+          <a:blip r:embed="rId1">
             <a:extLst>
               <a:ext uri="{28A0092B-C50C-407E-A947-70E740481C1C}">
                 <a14:useLocalDpi xmlns:a14="http://schemas.microsoft.com/office/drawing/2010/main" val="0"/>
@@ -16861,11 +16982,6 @@
         </p:spPr>
       </p:pic>
     </p:spTree>
-    <p:extLst>
-      <p:ext uri="{BB962C8B-B14F-4D97-AF65-F5344CB8AC3E}">
-        <p14:creationId xmlns:p14="http://schemas.microsoft.com/office/powerpoint/2010/main" val="79154354"/>
-      </p:ext>
-    </p:extLst>
   </p:cSld>
   <p:clrMapOvr>
     <a:masterClrMapping/>
@@ -16906,7 +17022,7 @@
           <p:nvPr/>
         </p:nvPicPr>
         <p:blipFill>
-          <a:blip r:embed="rId3">
+          <a:blip r:embed="rId1">
             <a:extLst>
               <a:ext uri="{28A0092B-C50C-407E-A947-70E740481C1C}">
                 <a14:useLocalDpi xmlns:a14="http://schemas.microsoft.com/office/drawing/2010/main" val="0"/>
@@ -16928,11 +17044,6 @@
         </p:spPr>
       </p:pic>
     </p:spTree>
-    <p:extLst>
-      <p:ext uri="{BB962C8B-B14F-4D97-AF65-F5344CB8AC3E}">
-        <p14:creationId xmlns:p14="http://schemas.microsoft.com/office/powerpoint/2010/main" val="2162780285"/>
-      </p:ext>
-    </p:extLst>
   </p:cSld>
   <p:clrMapOvr>
     <a:masterClrMapping/>
@@ -17271,7 +17382,7 @@
           <p:nvPr/>
         </p:nvPicPr>
         <p:blipFill>
-          <a:blip r:embed="rId3">
+          <a:blip r:embed="rId1">
             <a:extLst>
               <a:ext uri="{28A0092B-C50C-407E-A947-70E740481C1C}">
                 <a14:useLocalDpi xmlns:a14="http://schemas.microsoft.com/office/drawing/2010/main" val="0"/>
@@ -17293,11 +17404,6 @@
         </p:spPr>
       </p:pic>
     </p:spTree>
-    <p:extLst>
-      <p:ext uri="{BB962C8B-B14F-4D97-AF65-F5344CB8AC3E}">
-        <p14:creationId xmlns:p14="http://schemas.microsoft.com/office/powerpoint/2010/main" val="346079696"/>
-      </p:ext>
-    </p:extLst>
   </p:cSld>
   <p:clrMapOvr>
     <a:masterClrMapping/>
@@ -17349,7 +17455,6 @@
             </a:pPr>
             <a:fld id="{8898D075-5ADB-4173-AB5A-B55D3C8574C1}" type="slidenum">
               <a:rPr lang="zh-CN" altLang="en-US"/>
-              <a:t>25</a:t>
             </a:fld>
             <a:endParaRPr lang="en-US" altLang="zh-CN"/>
           </a:p>
@@ -17386,6 +17491,7 @@
               <a:rPr lang="zh-CN" altLang="en-US" dirty="0"/>
               <a:t>窗体应用程序</a:t>
             </a:r>
+            <a:endParaRPr lang="zh-CN" altLang="en-US" dirty="0"/>
           </a:p>
         </p:txBody>
       </p:sp>
@@ -17398,7 +17504,7 @@
           <p:nvPr/>
         </p:nvPicPr>
         <p:blipFill>
-          <a:blip r:embed="rId2">
+          <a:blip r:embed="rId1">
             <a:extLst>
               <a:ext uri="{28A0092B-C50C-407E-A947-70E740481C1C}">
                 <a14:useLocalDpi xmlns:a14="http://schemas.microsoft.com/office/drawing/2010/main" val="0"/>
@@ -17819,7 +17925,7 @@
           <p:nvPr/>
         </p:nvPicPr>
         <p:blipFill>
-          <a:blip r:embed="rId2" cstate="print">
+          <a:blip r:embed="rId1" cstate="print">
             <a:extLst>
               <a:ext uri="{28A0092B-C50C-407E-A947-70E740481C1C}">
                 <a14:useLocalDpi xmlns:a14="http://schemas.microsoft.com/office/drawing/2010/main" val="0"/>
@@ -17892,7 +17998,6 @@
             </a:pPr>
             <a:fld id="{8898D075-5ADB-4173-AB5A-B55D3C8574C1}" type="slidenum">
               <a:rPr lang="zh-CN" altLang="en-US"/>
-              <a:t>27</a:t>
             </a:fld>
             <a:endParaRPr lang="en-US" altLang="zh-CN"/>
           </a:p>
@@ -18481,6 +18586,13 @@
               </a:rPr>
               <a:t>)</a:t>
             </a:r>
+            <a:endParaRPr lang="en-US" altLang="zh-CN" sz="2000" b="1" dirty="0" smtClean="0">
+              <a:solidFill>
+                <a:schemeClr val="accent2">
+                  <a:lumMod val="50000"/>
+                </a:schemeClr>
+              </a:solidFill>
+            </a:endParaRPr>
           </a:p>
           <a:p>
             <a:pPr>
@@ -18619,7 +18731,6 @@
             </a:pPr>
             <a:fld id="{8898D075-5ADB-4173-AB5A-B55D3C8574C1}" type="slidenum">
               <a:rPr lang="zh-CN" altLang="en-US"/>
-              <a:t>28</a:t>
             </a:fld>
             <a:endParaRPr lang="en-US" altLang="zh-CN"/>
           </a:p>
@@ -18711,6 +18822,7 @@
               <a:rPr lang="zh-CN" altLang="en-US" sz="1600" dirty="0"/>
               <a:t>语言实现</a:t>
             </a:r>
+            <a:endParaRPr lang="zh-CN" altLang="en-US" sz="1600" dirty="0"/>
           </a:p>
         </p:txBody>
       </p:sp>
@@ -18723,7 +18835,7 @@
           <p:nvPr/>
         </p:nvPicPr>
         <p:blipFill>
-          <a:blip r:embed="rId2">
+          <a:blip r:embed="rId1">
             <a:extLst>
               <a:ext uri="{28A0092B-C50C-407E-A947-70E740481C1C}">
                 <a14:useLocalDpi xmlns:a14="http://schemas.microsoft.com/office/drawing/2010/main" val="0"/>
@@ -18745,11 +18857,6 @@
         </p:spPr>
       </p:pic>
     </p:spTree>
-    <p:extLst>
-      <p:ext uri="{BB962C8B-B14F-4D97-AF65-F5344CB8AC3E}">
-        <p14:creationId xmlns:p14="http://schemas.microsoft.com/office/powerpoint/2010/main" val="2218148067"/>
-      </p:ext>
-    </p:extLst>
   </p:cSld>
   <p:clrMapOvr>
     <a:masterClrMapping/>
@@ -18792,7 +18899,7 @@
           </p:nvPr>
         </p:nvPicPr>
         <p:blipFill>
-          <a:blip r:embed="rId2">
+          <a:blip r:embed="rId1">
             <a:extLst>
               <a:ext uri="{28A0092B-C50C-407E-A947-70E740481C1C}">
                 <a14:useLocalDpi xmlns:a14="http://schemas.microsoft.com/office/drawing/2010/main" val="0"/>
@@ -19261,6 +19368,13 @@
               </a:rPr>
               <a:t>Windows</a:t>
             </a:r>
+            <a:endParaRPr lang="en-US" altLang="zh-CN" b="1" dirty="0" smtClean="0">
+              <a:solidFill>
+                <a:schemeClr val="accent2">
+                  <a:lumMod val="50000"/>
+                </a:schemeClr>
+              </a:solidFill>
+            </a:endParaRPr>
           </a:p>
           <a:p>
             <a:pPr>
@@ -20040,11 +20154,6 @@
         </p:txBody>
       </p:sp>
     </p:spTree>
-    <p:extLst>
-      <p:ext uri="{BB962C8B-B14F-4D97-AF65-F5344CB8AC3E}">
-        <p14:creationId xmlns:p14="http://schemas.microsoft.com/office/powerpoint/2010/main" val="4165396532"/>
-      </p:ext>
-    </p:extLst>
   </p:cSld>
   <p:clrMapOvr>
     <a:masterClrMapping/>
@@ -20579,7 +20688,7 @@
           <p:nvPr/>
         </p:nvPicPr>
         <p:blipFill>
-          <a:blip r:embed="rId3">
+          <a:blip r:embed="rId1">
             <a:extLst>
               <a:ext uri="{28A0092B-C50C-407E-A947-70E740481C1C}">
                 <a14:useLocalDpi xmlns:a14="http://schemas.microsoft.com/office/drawing/2010/main" val="0"/>
@@ -20601,11 +20710,6 @@
         </p:spPr>
       </p:pic>
     </p:spTree>
-    <p:extLst>
-      <p:ext uri="{BB962C8B-B14F-4D97-AF65-F5344CB8AC3E}">
-        <p14:creationId xmlns:p14="http://schemas.microsoft.com/office/powerpoint/2010/main" val="937827068"/>
-      </p:ext>
-    </p:extLst>
   </p:cSld>
   <p:clrMapOvr>
     <a:masterClrMapping/>
@@ -20972,6 +21076,13 @@
               </a:rPr>
               <a:t>download.microsoft.com/download/5/7/3/57345088-ACF8-4E9B-A9A7-EBA35452DEF2/vsintlpack1.zip</a:t>
             </a:r>
+            <a:endParaRPr lang="en-US" altLang="zh-CN" sz="1400" b="1" dirty="0" smtClean="0">
+              <a:solidFill>
+                <a:schemeClr val="accent2">
+                  <a:lumMod val="50000"/>
+                </a:schemeClr>
+              </a:solidFill>
+            </a:endParaRPr>
           </a:p>
           <a:p>
             <a:pPr>
@@ -20998,6 +21109,13 @@
               </a:rPr>
               <a:t>CHSPinYinConv.msi</a:t>
             </a:r>
+            <a:endParaRPr lang="en-US" altLang="zh-CN" b="1" dirty="0" smtClean="0">
+              <a:solidFill>
+                <a:schemeClr val="accent2">
+                  <a:lumMod val="50000"/>
+                </a:schemeClr>
+              </a:solidFill>
+            </a:endParaRPr>
           </a:p>
           <a:p>
             <a:pPr>
@@ -21083,11 +21201,6 @@
         </p:txBody>
       </p:sp>
     </p:spTree>
-    <p:extLst>
-      <p:ext uri="{BB962C8B-B14F-4D97-AF65-F5344CB8AC3E}">
-        <p14:creationId xmlns:p14="http://schemas.microsoft.com/office/powerpoint/2010/main" val="2311959447"/>
-      </p:ext>
-    </p:extLst>
   </p:cSld>
   <p:clrMapOvr>
     <a:masterClrMapping/>
@@ -21424,62 +21537,6 @@
               </a:rPr>
               <a:t>p16-p18</a:t>
             </a:r>
-          </a:p>
-          <a:p>
-            <a:pPr>
-              <a:buFont typeface="Wingdings" panose="05000000000000000000" pitchFamily="2" charset="2"/>
-              <a:buChar char="p"/>
-            </a:pPr>
-            <a:r>
-              <a:rPr lang="en-US" altLang="zh-CN" b="1" dirty="0">
-                <a:solidFill>
-                  <a:schemeClr val="accent2">
-                    <a:lumMod val="50000"/>
-                  </a:schemeClr>
-                </a:solidFill>
-              </a:rPr>
-              <a:t> </a:t>
-            </a:r>
-            <a:r>
-              <a:rPr lang="en-US" altLang="zh-CN" b="1" dirty="0" smtClean="0">
-                <a:solidFill>
-                  <a:schemeClr val="accent2">
-                    <a:lumMod val="50000"/>
-                  </a:schemeClr>
-                </a:solidFill>
-              </a:rPr>
-              <a:t>  </a:t>
-            </a:r>
-            <a:r>
-              <a:rPr lang="zh-CN" altLang="en-US" b="1" dirty="0" smtClean="0">
-                <a:solidFill>
-                  <a:schemeClr val="accent2">
-                    <a:lumMod val="50000"/>
-                  </a:schemeClr>
-                </a:solidFill>
-              </a:rPr>
-              <a:t>问题：如何采用 </a:t>
-            </a:r>
-            <a:r>
-              <a:rPr lang="en-US" altLang="zh-CN" b="1" dirty="0" smtClean="0">
-                <a:solidFill>
-                  <a:schemeClr val="accent2">
-                    <a:lumMod val="50000"/>
-                  </a:schemeClr>
-                </a:solidFill>
-              </a:rPr>
-              <a:t>VC++ </a:t>
-            </a:r>
-            <a:r>
-              <a:rPr lang="zh-CN" altLang="en-US" b="1" dirty="0" smtClean="0">
-                <a:solidFill>
-                  <a:schemeClr val="accent2">
-                    <a:lumMod val="50000"/>
-                  </a:schemeClr>
-                </a:solidFill>
-              </a:rPr>
-              <a:t>实现类似功能？</a:t>
-            </a:r>
             <a:endParaRPr lang="en-US" altLang="zh-CN" b="1" dirty="0" smtClean="0">
               <a:solidFill>
                 <a:schemeClr val="accent2">
@@ -21494,6 +21551,16 @@
               <a:buChar char="p"/>
             </a:pPr>
             <a:r>
+              <a:rPr lang="en-US" altLang="zh-CN" b="1" dirty="0">
+                <a:solidFill>
+                  <a:schemeClr val="accent2">
+                    <a:lumMod val="50000"/>
+                  </a:schemeClr>
+                </a:solidFill>
+              </a:rPr>
+              <a:t> </a:t>
+            </a:r>
+            <a:r>
               <a:rPr lang="en-US" altLang="zh-CN" b="1" dirty="0" smtClean="0">
                 <a:solidFill>
                   <a:schemeClr val="accent2">
@@ -21501,7 +21568,7 @@
                   </a:schemeClr>
                 </a:solidFill>
               </a:rPr>
-              <a:t>   .NET Framework</a:t>
+              <a:t>  </a:t>
             </a:r>
             <a:r>
               <a:rPr lang="zh-CN" altLang="en-US" b="1" dirty="0" smtClean="0">
@@ -21511,7 +21578,27 @@
                   </a:schemeClr>
                 </a:solidFill>
               </a:rPr>
-              <a:t>文件操作相关类：</a:t>
+              <a:t>问题：如何采用 </a:t>
+            </a:r>
+            <a:r>
+              <a:rPr lang="en-US" altLang="zh-CN" b="1" dirty="0" smtClean="0">
+                <a:solidFill>
+                  <a:schemeClr val="accent2">
+                    <a:lumMod val="50000"/>
+                  </a:schemeClr>
+                </a:solidFill>
+              </a:rPr>
+              <a:t>VC++ </a:t>
+            </a:r>
+            <a:r>
+              <a:rPr lang="zh-CN" altLang="en-US" b="1" dirty="0" smtClean="0">
+                <a:solidFill>
+                  <a:schemeClr val="accent2">
+                    <a:lumMod val="50000"/>
+                  </a:schemeClr>
+                </a:solidFill>
+              </a:rPr>
+              <a:t>实现类似功能？</a:t>
             </a:r>
             <a:endParaRPr lang="en-US" altLang="zh-CN" b="1" dirty="0" smtClean="0">
               <a:solidFill>
@@ -21522,6 +21609,39 @@
             </a:endParaRPr>
           </a:p>
           <a:p>
+            <a:pPr>
+              <a:buFont typeface="Wingdings" panose="05000000000000000000" pitchFamily="2" charset="2"/>
+              <a:buChar char="p"/>
+            </a:pPr>
+            <a:r>
+              <a:rPr lang="en-US" altLang="zh-CN" b="1" dirty="0" smtClean="0">
+                <a:solidFill>
+                  <a:schemeClr val="accent2">
+                    <a:lumMod val="50000"/>
+                  </a:schemeClr>
+                </a:solidFill>
+              </a:rPr>
+              <a:t>   .NET Framework</a:t>
+            </a:r>
+            <a:r>
+              <a:rPr lang="zh-CN" altLang="en-US" b="1" dirty="0" smtClean="0">
+                <a:solidFill>
+                  <a:schemeClr val="accent2">
+                    <a:lumMod val="50000"/>
+                  </a:schemeClr>
+                </a:solidFill>
+              </a:rPr>
+              <a:t>文件操作相关类：</a:t>
+            </a:r>
+            <a:endParaRPr lang="en-US" altLang="zh-CN" b="1" dirty="0" smtClean="0">
+              <a:solidFill>
+                <a:schemeClr val="accent2">
+                  <a:lumMod val="50000"/>
+                </a:schemeClr>
+              </a:solidFill>
+            </a:endParaRPr>
+          </a:p>
+          <a:p>
             <a:pPr lvl="1">
               <a:buFont typeface="Wingdings" panose="05000000000000000000" pitchFamily="2" charset="2"/>
               <a:buChar char="Ø"/>
@@ -21589,6 +21709,13 @@
               </a:rPr>
               <a:t>,</a:t>
             </a:r>
+            <a:endParaRPr lang="en-US" altLang="zh-CN" sz="1800" b="1" dirty="0" smtClean="0">
+              <a:solidFill>
+                <a:schemeClr val="accent2">
+                  <a:lumMod val="50000"/>
+                </a:schemeClr>
+              </a:solidFill>
+            </a:endParaRPr>
           </a:p>
           <a:p>
             <a:pPr lvl="1">
@@ -21795,11 +21922,6 @@
         </p:txBody>
       </p:sp>
     </p:spTree>
-    <p:extLst>
-      <p:ext uri="{BB962C8B-B14F-4D97-AF65-F5344CB8AC3E}">
-        <p14:creationId xmlns:p14="http://schemas.microsoft.com/office/powerpoint/2010/main" val="1033526581"/>
-      </p:ext>
-    </p:extLst>
   </p:cSld>
   <p:clrMapOvr>
     <a:masterClrMapping/>
@@ -22023,6 +22145,11 @@
               </a:rPr>
               <a:t>设定要合并的文件的文件名特点</a:t>
             </a:r>
+            <a:endParaRPr lang="zh-CN" altLang="en-US" sz="2400" dirty="0">
+              <a:solidFill>
+                <a:srgbClr val="002060"/>
+              </a:solidFill>
+            </a:endParaRPr>
           </a:p>
           <a:p>
             <a:pPr eaLnBrk="1" hangingPunct="1">
@@ -22037,6 +22164,11 @@
               </a:rPr>
               <a:t>搜索符合标准的文件，得到源文件集合</a:t>
             </a:r>
+            <a:endParaRPr lang="zh-CN" altLang="en-US" sz="2400" dirty="0">
+              <a:solidFill>
+                <a:srgbClr val="002060"/>
+              </a:solidFill>
+            </a:endParaRPr>
           </a:p>
           <a:p>
             <a:pPr eaLnBrk="1" hangingPunct="1">
@@ -22051,6 +22183,11 @@
               </a:rPr>
               <a:t>文件顺序调整</a:t>
             </a:r>
+            <a:endParaRPr lang="zh-CN" altLang="en-US" sz="2400" dirty="0">
+              <a:solidFill>
+                <a:srgbClr val="002060"/>
+              </a:solidFill>
+            </a:endParaRPr>
           </a:p>
           <a:p>
             <a:pPr eaLnBrk="1" hangingPunct="1">
@@ -22065,6 +22202,11 @@
               </a:rPr>
               <a:t>设定目标文件名，创建目标文件；</a:t>
             </a:r>
+            <a:endParaRPr lang="zh-CN" altLang="en-US" sz="2400" dirty="0">
+              <a:solidFill>
+                <a:srgbClr val="002060"/>
+              </a:solidFill>
+            </a:endParaRPr>
           </a:p>
           <a:p>
             <a:pPr eaLnBrk="1" hangingPunct="1">
@@ -22079,6 +22221,11 @@
               </a:rPr>
               <a:t>根据文件集合，依次读入源文件，并写入到目标文件中。</a:t>
             </a:r>
+            <a:endParaRPr lang="zh-CN" altLang="en-US" sz="2400" dirty="0">
+              <a:solidFill>
+                <a:srgbClr val="002060"/>
+              </a:solidFill>
+            </a:endParaRPr>
           </a:p>
           <a:p>
             <a:pPr eaLnBrk="1" hangingPunct="1">
@@ -22093,6 +22240,11 @@
               </a:rPr>
               <a:t>关闭文件资源。</a:t>
             </a:r>
+            <a:endParaRPr lang="zh-CN" altLang="en-US" sz="2400" dirty="0">
+              <a:solidFill>
+                <a:srgbClr val="002060"/>
+              </a:solidFill>
+            </a:endParaRPr>
           </a:p>
         </p:txBody>
       </p:sp>
@@ -22166,11 +22318,6 @@
         </p:txBody>
       </p:sp>
     </p:spTree>
-    <p:extLst>
-      <p:ext uri="{BB962C8B-B14F-4D97-AF65-F5344CB8AC3E}">
-        <p14:creationId xmlns:p14="http://schemas.microsoft.com/office/powerpoint/2010/main" val="4195436460"/>
-      </p:ext>
-    </p:extLst>
   </p:cSld>
   <p:clrMapOvr>
     <a:masterClrMapping/>
@@ -22227,6 +22374,7 @@
               <a:rPr lang="zh-CN" altLang="en-US" sz="3000" dirty="0"/>
               <a:t>源文件目录</a:t>
             </a:r>
+            <a:endParaRPr lang="zh-CN" altLang="en-US" sz="3000" dirty="0"/>
           </a:p>
         </p:txBody>
       </p:sp>
@@ -22267,6 +22415,12 @@
               </a:rPr>
               <a:t>private void button1_Click(object sender, EventArgs e)</a:t>
             </a:r>
+            <a:endParaRPr lang="en-US" altLang="zh-CN" sz="1400">
+              <a:solidFill>
+                <a:srgbClr val="002060"/>
+              </a:solidFill>
+              <a:latin typeface="Consolas" panose="020B0609020204030204" pitchFamily="49" charset="0"/>
+            </a:endParaRPr>
           </a:p>
           <a:p>
             <a:pPr marL="0" indent="0" eaLnBrk="1" hangingPunct="1">
@@ -22284,6 +22438,12 @@
               </a:rPr>
               <a:t>{</a:t>
             </a:r>
+            <a:endParaRPr lang="en-US" altLang="zh-CN" sz="1400">
+              <a:solidFill>
+                <a:srgbClr val="002060"/>
+              </a:solidFill>
+              <a:latin typeface="Consolas" panose="020B0609020204030204" pitchFamily="49" charset="0"/>
+            </a:endParaRPr>
           </a:p>
           <a:p>
             <a:pPr marL="0" indent="0" eaLnBrk="1" hangingPunct="1">
@@ -22301,6 +22461,12 @@
               </a:rPr>
               <a:t>folderBrowserDialog1.RootFolder = Environment.SpecialFolder.MyComputer;</a:t>
             </a:r>
+            <a:endParaRPr lang="en-US" altLang="zh-CN" sz="1400">
+              <a:solidFill>
+                <a:srgbClr val="002060"/>
+              </a:solidFill>
+              <a:latin typeface="Consolas" panose="020B0609020204030204" pitchFamily="49" charset="0"/>
+            </a:endParaRPr>
           </a:p>
           <a:p>
             <a:pPr marL="0" indent="0" eaLnBrk="1" hangingPunct="1">
@@ -22318,6 +22484,12 @@
               </a:rPr>
               <a:t>if (folderBrowserDialog1.ShowDialog() == DialogResult.OK)</a:t>
             </a:r>
+            <a:endParaRPr lang="en-US" altLang="zh-CN" sz="1400">
+              <a:solidFill>
+                <a:srgbClr val="002060"/>
+              </a:solidFill>
+              <a:latin typeface="Consolas" panose="020B0609020204030204" pitchFamily="49" charset="0"/>
+            </a:endParaRPr>
           </a:p>
           <a:p>
             <a:pPr marL="0" indent="0" eaLnBrk="1" hangingPunct="1">
@@ -22335,6 +22507,12 @@
               </a:rPr>
               <a:t>  {</a:t>
             </a:r>
+            <a:endParaRPr lang="en-US" altLang="zh-CN" sz="1400">
+              <a:solidFill>
+                <a:srgbClr val="002060"/>
+              </a:solidFill>
+              <a:latin typeface="Consolas" panose="020B0609020204030204" pitchFamily="49" charset="0"/>
+            </a:endParaRPr>
           </a:p>
           <a:p>
             <a:pPr marL="0" indent="0" eaLnBrk="1" hangingPunct="1">
@@ -22352,6 +22530,12 @@
               </a:rPr>
               <a:t>   folder_path = folderBrowserDialog1.SelectedPath;</a:t>
             </a:r>
+            <a:endParaRPr lang="en-US" altLang="zh-CN" sz="1400">
+              <a:solidFill>
+                <a:srgbClr val="002060"/>
+              </a:solidFill>
+              <a:latin typeface="Consolas" panose="020B0609020204030204" pitchFamily="49" charset="0"/>
+            </a:endParaRPr>
           </a:p>
           <a:p>
             <a:pPr marL="0" indent="0" eaLnBrk="1" hangingPunct="1">
@@ -22369,6 +22553,12 @@
               </a:rPr>
               <a:t>   label3.Text = folder_path;</a:t>
             </a:r>
+            <a:endParaRPr lang="en-US" altLang="zh-CN" sz="1400">
+              <a:solidFill>
+                <a:srgbClr val="002060"/>
+              </a:solidFill>
+              <a:latin typeface="Consolas" panose="020B0609020204030204" pitchFamily="49" charset="0"/>
+            </a:endParaRPr>
           </a:p>
           <a:p>
             <a:pPr marL="0" indent="0" eaLnBrk="1" hangingPunct="1">
@@ -22386,6 +22576,12 @@
               </a:rPr>
               <a:t>  }</a:t>
             </a:r>
+            <a:endParaRPr lang="en-US" altLang="zh-CN" sz="1400">
+              <a:solidFill>
+                <a:srgbClr val="002060"/>
+              </a:solidFill>
+              <a:latin typeface="Consolas" panose="020B0609020204030204" pitchFamily="49" charset="0"/>
+            </a:endParaRPr>
           </a:p>
           <a:p>
             <a:pPr marL="0" indent="0" eaLnBrk="1" hangingPunct="1">
@@ -22403,15 +22599,16 @@
               </a:rPr>
               <a:t>}</a:t>
             </a:r>
+            <a:endParaRPr lang="en-US" altLang="zh-CN" sz="1400">
+              <a:solidFill>
+                <a:srgbClr val="002060"/>
+              </a:solidFill>
+              <a:latin typeface="Consolas" panose="020B0609020204030204" pitchFamily="49" charset="0"/>
+            </a:endParaRPr>
           </a:p>
         </p:txBody>
       </p:sp>
     </p:spTree>
-    <p:extLst>
-      <p:ext uri="{BB962C8B-B14F-4D97-AF65-F5344CB8AC3E}">
-        <p14:creationId xmlns:p14="http://schemas.microsoft.com/office/powerpoint/2010/main" val="3962651929"/>
-      </p:ext>
-    </p:extLst>
   </p:cSld>
   <p:clrMapOvr>
     <a:masterClrMapping/>
@@ -22468,6 +22665,7 @@
               <a:rPr lang="zh-CN" altLang="en-US" dirty="0" smtClean="0"/>
               <a:t>搜索目标文件</a:t>
             </a:r>
+            <a:endParaRPr lang="zh-CN" altLang="en-US" dirty="0" smtClean="0"/>
           </a:p>
         </p:txBody>
       </p:sp>
@@ -22553,6 +22751,12 @@
               </a:rPr>
               <a:t>检查文件目录是否存在</a:t>
             </a:r>
+            <a:endParaRPr lang="zh-CN" altLang="en-US" sz="1400" dirty="0">
+              <a:solidFill>
+                <a:srgbClr val="002060"/>
+              </a:solidFill>
+              <a:latin typeface="Consolas" panose="020B0609020204030204" pitchFamily="49" charset="0"/>
+            </a:endParaRPr>
           </a:p>
           <a:p>
             <a:pPr marL="0" indent="0" eaLnBrk="1" hangingPunct="1">
@@ -22602,6 +22806,12 @@
               </a:rPr>
               <a:t>搜索给定字符串的文件</a:t>
             </a:r>
+            <a:endParaRPr lang="zh-CN" altLang="en-US" sz="1400" dirty="0">
+              <a:solidFill>
+                <a:srgbClr val="002060"/>
+              </a:solidFill>
+              <a:latin typeface="Consolas" panose="020B0609020204030204" pitchFamily="49" charset="0"/>
+            </a:endParaRPr>
           </a:p>
           <a:p>
             <a:pPr marL="0" indent="0" eaLnBrk="1" hangingPunct="1">
@@ -22682,6 +22892,12 @@
               </a:rPr>
               <a:t>,</a:t>
             </a:r>
+            <a:endParaRPr lang="en-US" altLang="zh-CN" sz="1400" dirty="0">
+              <a:solidFill>
+                <a:srgbClr val="002060"/>
+              </a:solidFill>
+              <a:latin typeface="Consolas" panose="020B0609020204030204" pitchFamily="49" charset="0"/>
+            </a:endParaRPr>
           </a:p>
           <a:p>
             <a:pPr marL="0" indent="0" eaLnBrk="1" hangingPunct="1">
@@ -22708,6 +22924,12 @@
               </a:rPr>
               <a:t>);</a:t>
             </a:r>
+            <a:endParaRPr lang="en-US" altLang="zh-CN" sz="1400" dirty="0">
+              <a:solidFill>
+                <a:srgbClr val="002060"/>
+              </a:solidFill>
+              <a:latin typeface="Consolas" panose="020B0609020204030204" pitchFamily="49" charset="0"/>
+            </a:endParaRPr>
           </a:p>
           <a:p>
             <a:pPr marL="0" indent="0" eaLnBrk="1" hangingPunct="1">
@@ -22734,6 +22956,12 @@
               </a:rPr>
               <a:t>();</a:t>
             </a:r>
+            <a:endParaRPr lang="en-US" altLang="zh-CN" sz="1400" dirty="0">
+              <a:solidFill>
+                <a:srgbClr val="002060"/>
+              </a:solidFill>
+              <a:latin typeface="Consolas" panose="020B0609020204030204" pitchFamily="49" charset="0"/>
+            </a:endParaRPr>
           </a:p>
           <a:p>
             <a:pPr marL="0" indent="0" eaLnBrk="1" hangingPunct="1">
@@ -22796,6 +23024,12 @@
               </a:rPr>
               <a:t>;</a:t>
             </a:r>
+            <a:endParaRPr lang="en-US" altLang="zh-CN" sz="1400" dirty="0">
+              <a:solidFill>
+                <a:srgbClr val="002060"/>
+              </a:solidFill>
+              <a:latin typeface="Consolas" panose="020B0609020204030204" pitchFamily="49" charset="0"/>
+            </a:endParaRPr>
           </a:p>
           <a:p>
             <a:pPr marL="0" indent="0" eaLnBrk="1" hangingPunct="1">
@@ -22999,6 +23233,12 @@
               </a:rPr>
               <a:t>, true);</a:t>
             </a:r>
+            <a:endParaRPr lang="en-US" altLang="zh-CN" sz="1400" dirty="0">
+              <a:solidFill>
+                <a:srgbClr val="002060"/>
+              </a:solidFill>
+              <a:latin typeface="Consolas" panose="020B0609020204030204" pitchFamily="49" charset="0"/>
+            </a:endParaRPr>
           </a:p>
           <a:p>
             <a:pPr marL="0" indent="0" eaLnBrk="1" hangingPunct="1">
@@ -23049,11 +23289,6 @@
         </p:txBody>
       </p:sp>
     </p:spTree>
-    <p:extLst>
-      <p:ext uri="{BB962C8B-B14F-4D97-AF65-F5344CB8AC3E}">
-        <p14:creationId xmlns:p14="http://schemas.microsoft.com/office/powerpoint/2010/main" val="2234687665"/>
-      </p:ext>
-    </p:extLst>
   </p:cSld>
   <p:clrMapOvr>
     <a:masterClrMapping/>
@@ -23105,6 +23340,7 @@
               <a:rPr lang="zh-CN" altLang="en-US" dirty="0" smtClean="0"/>
               <a:t>文件顺序调整</a:t>
             </a:r>
+            <a:endParaRPr lang="zh-CN" altLang="en-US" dirty="0" smtClean="0"/>
           </a:p>
         </p:txBody>
       </p:sp>
@@ -23170,6 +23406,12 @@
               </a:rPr>
               <a:t> = listBox2.SelectedIndex;</a:t>
             </a:r>
+            <a:endParaRPr lang="en-US" altLang="zh-CN" sz="1400" dirty="0">
+              <a:solidFill>
+                <a:srgbClr val="002060"/>
+              </a:solidFill>
+              <a:latin typeface="Consolas" panose="020B0609020204030204" pitchFamily="49" charset="0"/>
+            </a:endParaRPr>
           </a:p>
           <a:p>
             <a:pPr marL="0" indent="0" eaLnBrk="1" hangingPunct="1">
@@ -23214,6 +23456,12 @@
               </a:rPr>
               <a:t>();</a:t>
             </a:r>
+            <a:endParaRPr lang="en-US" altLang="zh-CN" sz="1400" dirty="0" smtClean="0">
+              <a:solidFill>
+                <a:srgbClr val="002060"/>
+              </a:solidFill>
+              <a:latin typeface="Consolas" panose="020B0609020204030204" pitchFamily="49" charset="0"/>
+            </a:endParaRPr>
           </a:p>
           <a:p>
             <a:pPr marL="0" indent="0" eaLnBrk="1" hangingPunct="1">
@@ -23272,6 +23520,12 @@
               </a:rPr>
               <a:t>)</a:t>
             </a:r>
+            <a:endParaRPr lang="en-US" altLang="zh-CN" sz="1400" dirty="0">
+              <a:solidFill>
+                <a:srgbClr val="002060"/>
+              </a:solidFill>
+              <a:latin typeface="Consolas" panose="020B0609020204030204" pitchFamily="49" charset="0"/>
+            </a:endParaRPr>
           </a:p>
           <a:p>
             <a:pPr marL="0" indent="0" eaLnBrk="1" hangingPunct="1">
@@ -23321,6 +23575,12 @@
               </a:rPr>
               <a:t>将当前选中的项与前一项交换，并交换列表框的选中序号</a:t>
             </a:r>
+            <a:endParaRPr lang="zh-CN" altLang="en-US" sz="1400" dirty="0">
+              <a:solidFill>
+                <a:srgbClr val="002060"/>
+              </a:solidFill>
+              <a:latin typeface="Consolas" panose="020B0609020204030204" pitchFamily="49" charset="0"/>
+            </a:endParaRPr>
           </a:p>
           <a:p>
             <a:pPr marL="0" indent="0" eaLnBrk="1" hangingPunct="1">
@@ -23365,6 +23625,12 @@
               </a:rPr>
               <a:t>];</a:t>
             </a:r>
+            <a:endParaRPr lang="en-US" altLang="zh-CN" sz="1400" dirty="0" smtClean="0">
+              <a:solidFill>
+                <a:srgbClr val="002060"/>
+              </a:solidFill>
+              <a:latin typeface="Consolas" panose="020B0609020204030204" pitchFamily="49" charset="0"/>
+            </a:endParaRPr>
           </a:p>
           <a:p>
             <a:pPr marL="0" indent="0" eaLnBrk="1" hangingPunct="1">
@@ -23409,6 +23675,12 @@
               </a:rPr>
               <a:t>;</a:t>
             </a:r>
+            <a:endParaRPr lang="en-US" altLang="zh-CN" sz="1400" dirty="0">
+              <a:solidFill>
+                <a:srgbClr val="002060"/>
+              </a:solidFill>
+              <a:latin typeface="Consolas" panose="020B0609020204030204" pitchFamily="49" charset="0"/>
+            </a:endParaRPr>
           </a:p>
           <a:p>
             <a:pPr marL="0" indent="0" eaLnBrk="1" hangingPunct="1">
@@ -23444,6 +23716,12 @@
               </a:rPr>
               <a:t>);</a:t>
             </a:r>
+            <a:endParaRPr lang="en-US" altLang="zh-CN" sz="1400" dirty="0">
+              <a:solidFill>
+                <a:srgbClr val="002060"/>
+              </a:solidFill>
+              <a:latin typeface="Consolas" panose="020B0609020204030204" pitchFamily="49" charset="0"/>
+            </a:endParaRPr>
           </a:p>
           <a:p>
             <a:pPr marL="0" indent="0" eaLnBrk="1" hangingPunct="1">
@@ -23470,6 +23748,12 @@
               </a:rPr>
               <a:t>, true);</a:t>
             </a:r>
+            <a:endParaRPr lang="en-US" altLang="zh-CN" sz="1400" dirty="0">
+              <a:solidFill>
+                <a:srgbClr val="002060"/>
+              </a:solidFill>
+              <a:latin typeface="Consolas" panose="020B0609020204030204" pitchFamily="49" charset="0"/>
+            </a:endParaRPr>
           </a:p>
           <a:p>
             <a:pPr marL="0" indent="0" eaLnBrk="1" hangingPunct="1">
@@ -23497,11 +23781,6 @@
         </p:txBody>
       </p:sp>
     </p:spTree>
-    <p:extLst>
-      <p:ext uri="{BB962C8B-B14F-4D97-AF65-F5344CB8AC3E}">
-        <p14:creationId xmlns:p14="http://schemas.microsoft.com/office/powerpoint/2010/main" val="3178303698"/>
-      </p:ext>
-    </p:extLst>
   </p:cSld>
   <p:clrMapOvr>
     <a:masterClrMapping/>
@@ -23553,6 +23832,7 @@
               <a:rPr lang="zh-CN" altLang="en-US" sz="3000"/>
               <a:t>设定目标文件名，创建目标文件</a:t>
             </a:r>
+            <a:endParaRPr lang="zh-CN" altLang="en-US" sz="3000"/>
           </a:p>
         </p:txBody>
       </p:sp>
@@ -23611,6 +23891,12 @@
               </a:rPr>
               <a:t>";</a:t>
             </a:r>
+            <a:endParaRPr lang="en-US" altLang="zh-CN" sz="1400" dirty="0">
+              <a:solidFill>
+                <a:srgbClr val="002060"/>
+              </a:solidFill>
+              <a:latin typeface="Consolas" panose="020B0609020204030204" pitchFamily="49" charset="0"/>
+            </a:endParaRPr>
           </a:p>
           <a:p>
             <a:pPr marL="0" indent="0" eaLnBrk="1" hangingPunct="1">
@@ -23646,6 +23932,12 @@
               </a:rPr>
               <a:t>();</a:t>
             </a:r>
+            <a:endParaRPr lang="en-US" altLang="zh-CN" sz="1400" dirty="0">
+              <a:solidFill>
+                <a:srgbClr val="002060"/>
+              </a:solidFill>
+              <a:latin typeface="Consolas" panose="020B0609020204030204" pitchFamily="49" charset="0"/>
+            </a:endParaRPr>
           </a:p>
           <a:p>
             <a:pPr marL="0" indent="0" eaLnBrk="1" hangingPunct="1">
@@ -23663,6 +23955,12 @@
               </a:rPr>
               <a:t>saveFileDialog1.OverwritePrompt = false;</a:t>
             </a:r>
+            <a:endParaRPr lang="en-US" altLang="zh-CN" sz="1400" dirty="0">
+              <a:solidFill>
+                <a:srgbClr val="002060"/>
+              </a:solidFill>
+              <a:latin typeface="Consolas" panose="020B0609020204030204" pitchFamily="49" charset="0"/>
+            </a:endParaRPr>
           </a:p>
           <a:p>
             <a:pPr marL="0" indent="0" eaLnBrk="1" hangingPunct="1">
@@ -23698,6 +23996,12 @@
               </a:rPr>
               <a:t>)</a:t>
             </a:r>
+            <a:endParaRPr lang="en-US" altLang="zh-CN" sz="1400" dirty="0">
+              <a:solidFill>
+                <a:srgbClr val="002060"/>
+              </a:solidFill>
+              <a:latin typeface="Consolas" panose="020B0609020204030204" pitchFamily="49" charset="0"/>
+            </a:endParaRPr>
           </a:p>
           <a:p>
             <a:pPr marL="0" indent="0" eaLnBrk="1" hangingPunct="1">
@@ -23715,6 +24019,12 @@
               </a:rPr>
               <a:t>{</a:t>
             </a:r>
+            <a:endParaRPr lang="en-US" altLang="zh-CN" sz="1400" dirty="0">
+              <a:solidFill>
+                <a:srgbClr val="002060"/>
+              </a:solidFill>
+              <a:latin typeface="Consolas" panose="020B0609020204030204" pitchFamily="49" charset="0"/>
+            </a:endParaRPr>
           </a:p>
           <a:p>
             <a:pPr marL="0" indent="0" eaLnBrk="1" hangingPunct="1">
@@ -23759,6 +24069,12 @@
               </a:rPr>
               <a:t>= saveFileDialog1.FileName;</a:t>
             </a:r>
+            <a:endParaRPr lang="en-US" altLang="zh-CN" sz="1400" dirty="0">
+              <a:solidFill>
+                <a:srgbClr val="002060"/>
+              </a:solidFill>
+              <a:latin typeface="Consolas" panose="020B0609020204030204" pitchFamily="49" charset="0"/>
+            </a:endParaRPr>
           </a:p>
           <a:p>
             <a:pPr marL="0" indent="0" eaLnBrk="1" hangingPunct="1">
@@ -23803,6 +24119,12 @@
               </a:rPr>
               <a:t>;</a:t>
             </a:r>
+            <a:endParaRPr lang="en-US" altLang="zh-CN" sz="1400" dirty="0">
+              <a:solidFill>
+                <a:srgbClr val="002060"/>
+              </a:solidFill>
+              <a:latin typeface="Consolas" panose="020B0609020204030204" pitchFamily="49" charset="0"/>
+            </a:endParaRPr>
           </a:p>
           <a:p>
             <a:pPr marL="0" indent="0" eaLnBrk="1" hangingPunct="1">
@@ -23820,15 +24142,16 @@
               </a:rPr>
               <a:t>}</a:t>
             </a:r>
+            <a:endParaRPr lang="en-US" altLang="zh-CN" sz="1400" dirty="0">
+              <a:solidFill>
+                <a:srgbClr val="002060"/>
+              </a:solidFill>
+              <a:latin typeface="Consolas" panose="020B0609020204030204" pitchFamily="49" charset="0"/>
+            </a:endParaRPr>
           </a:p>
         </p:txBody>
       </p:sp>
     </p:spTree>
-    <p:extLst>
-      <p:ext uri="{BB962C8B-B14F-4D97-AF65-F5344CB8AC3E}">
-        <p14:creationId xmlns:p14="http://schemas.microsoft.com/office/powerpoint/2010/main" val="1335495160"/>
-      </p:ext>
-    </p:extLst>
   </p:cSld>
   <p:clrMapOvr>
     <a:masterClrMapping/>
@@ -23885,6 +24208,7 @@
               <a:rPr lang="zh-CN" altLang="en-US" dirty="0" smtClean="0"/>
               <a:t>根据文件集合，依次读入源文件，并写入到目标文件中</a:t>
             </a:r>
+            <a:endParaRPr lang="zh-CN" altLang="en-US" dirty="0" smtClean="0"/>
           </a:p>
         </p:txBody>
       </p:sp>
@@ -23917,11 +24241,18 @@
                 <a:solidFill>
                   <a:srgbClr val="002060"/>
                 </a:solidFill>
-                <a:latin typeface="微软雅黑" panose="020B0503020204020204" pitchFamily="34" charset="-122"/>
-                <a:ea typeface="微软雅黑" panose="020B0503020204020204" pitchFamily="34" charset="-122"/>
+                <a:latin typeface="微软雅黑" panose="020B0503020204020204" charset="-122"/>
+                <a:ea typeface="微软雅黑" panose="020B0503020204020204" charset="-122"/>
               </a:rPr>
               <a:t>变量定义</a:t>
             </a:r>
+            <a:endParaRPr lang="zh-CN" altLang="en-US" sz="2400" dirty="0">
+              <a:solidFill>
+                <a:srgbClr val="002060"/>
+              </a:solidFill>
+              <a:latin typeface="微软雅黑" panose="020B0503020204020204" charset="-122"/>
+              <a:ea typeface="微软雅黑" panose="020B0503020204020204" charset="-122"/>
+            </a:endParaRPr>
           </a:p>
           <a:p>
             <a:pPr eaLnBrk="1" hangingPunct="1">
@@ -23933,11 +24264,18 @@
                 <a:solidFill>
                   <a:srgbClr val="002060"/>
                 </a:solidFill>
-                <a:latin typeface="微软雅黑" panose="020B0503020204020204" pitchFamily="34" charset="-122"/>
-                <a:ea typeface="微软雅黑" panose="020B0503020204020204" pitchFamily="34" charset="-122"/>
+                <a:latin typeface="微软雅黑" panose="020B0503020204020204" charset="-122"/>
+                <a:ea typeface="微软雅黑" panose="020B0503020204020204" charset="-122"/>
               </a:rPr>
               <a:t>写入文件名</a:t>
             </a:r>
+            <a:endParaRPr lang="zh-CN" altLang="en-US" sz="2400" dirty="0">
+              <a:solidFill>
+                <a:srgbClr val="002060"/>
+              </a:solidFill>
+              <a:latin typeface="微软雅黑" panose="020B0503020204020204" charset="-122"/>
+              <a:ea typeface="微软雅黑" panose="020B0503020204020204" charset="-122"/>
+            </a:endParaRPr>
           </a:p>
           <a:p>
             <a:pPr eaLnBrk="1" hangingPunct="1">
@@ -23949,11 +24287,18 @@
                 <a:solidFill>
                   <a:srgbClr val="002060"/>
                 </a:solidFill>
-                <a:latin typeface="微软雅黑" panose="020B0503020204020204" pitchFamily="34" charset="-122"/>
-                <a:ea typeface="微软雅黑" panose="020B0503020204020204" pitchFamily="34" charset="-122"/>
+                <a:latin typeface="微软雅黑" panose="020B0503020204020204" charset="-122"/>
+                <a:ea typeface="微软雅黑" panose="020B0503020204020204" charset="-122"/>
               </a:rPr>
               <a:t>文件顺序调整</a:t>
             </a:r>
+            <a:endParaRPr lang="zh-CN" altLang="en-US" sz="2400" dirty="0">
+              <a:solidFill>
+                <a:srgbClr val="002060"/>
+              </a:solidFill>
+              <a:latin typeface="微软雅黑" panose="020B0503020204020204" charset="-122"/>
+              <a:ea typeface="微软雅黑" panose="020B0503020204020204" charset="-122"/>
+            </a:endParaRPr>
           </a:p>
           <a:p>
             <a:pPr>
@@ -23965,8 +24310,8 @@
                 <a:solidFill>
                   <a:srgbClr val="002060"/>
                 </a:solidFill>
-                <a:latin typeface="微软雅黑" panose="020B0503020204020204" pitchFamily="34" charset="-122"/>
-                <a:ea typeface="微软雅黑" panose="020B0503020204020204" pitchFamily="34" charset="-122"/>
+                <a:latin typeface="微软雅黑" panose="020B0503020204020204" charset="-122"/>
+                <a:ea typeface="微软雅黑" panose="020B0503020204020204" charset="-122"/>
               </a:rPr>
               <a:t>读写文件</a:t>
             </a:r>
@@ -23974,18 +24319,13 @@
               <a:solidFill>
                 <a:srgbClr val="002060"/>
               </a:solidFill>
-              <a:latin typeface="微软雅黑" panose="020B0503020204020204" pitchFamily="34" charset="-122"/>
-              <a:ea typeface="微软雅黑" panose="020B0503020204020204" pitchFamily="34" charset="-122"/>
+              <a:latin typeface="微软雅黑" panose="020B0503020204020204" charset="-122"/>
+              <a:ea typeface="微软雅黑" panose="020B0503020204020204" charset="-122"/>
             </a:endParaRPr>
           </a:p>
         </p:txBody>
       </p:sp>
     </p:spTree>
-    <p:extLst>
-      <p:ext uri="{BB962C8B-B14F-4D97-AF65-F5344CB8AC3E}">
-        <p14:creationId xmlns:p14="http://schemas.microsoft.com/office/powerpoint/2010/main" val="4278335073"/>
-      </p:ext>
-    </p:extLst>
   </p:cSld>
   <p:clrMapOvr>
     <a:masterClrMapping/>
@@ -24475,51 +24815,6 @@
               </a:rPr>
               <a:t> Code</a:t>
             </a:r>
-          </a:p>
-          <a:p>
-            <a:pPr>
-              <a:lnSpc>
-                <a:spcPct val="80000"/>
-              </a:lnSpc>
-              <a:buFont typeface="Wingdings" panose="05000000000000000000" pitchFamily="2" charset="2"/>
-              <a:buChar char="p"/>
-            </a:pPr>
-            <a:r>
-              <a:rPr lang="zh-CN" altLang="en-US" sz="2000" b="1" dirty="0" smtClean="0">
-                <a:solidFill>
-                  <a:schemeClr val="accent2">
-                    <a:lumMod val="50000"/>
-                  </a:schemeClr>
-                </a:solidFill>
-                <a:latin typeface="Times New Roman" panose="02020603050405020304" pitchFamily="18" charset="0"/>
-                <a:ea typeface="楷体_GB2312" pitchFamily="49" charset="-122"/>
-              </a:rPr>
-              <a:t>通过</a:t>
-            </a:r>
-            <a:r>
-              <a:rPr lang="en-US" altLang="zh-CN" sz="2000" b="1" dirty="0" smtClean="0">
-                <a:solidFill>
-                  <a:schemeClr val="accent2">
-                    <a:lumMod val="50000"/>
-                  </a:schemeClr>
-                </a:solidFill>
-                <a:latin typeface="Times New Roman" panose="02020603050405020304" pitchFamily="18" charset="0"/>
-                <a:ea typeface="楷体_GB2312" pitchFamily="49" charset="-122"/>
-              </a:rPr>
-              <a:t>Azure</a:t>
-            </a:r>
-            <a:r>
-              <a:rPr lang="zh-CN" altLang="en-US" sz="2000" b="1" dirty="0" smtClean="0">
-                <a:solidFill>
-                  <a:schemeClr val="accent2">
-                    <a:lumMod val="50000"/>
-                  </a:schemeClr>
-                </a:solidFill>
-                <a:latin typeface="Times New Roman" panose="02020603050405020304" pitchFamily="18" charset="0"/>
-                <a:ea typeface="楷体_GB2312" pitchFamily="49" charset="-122"/>
-              </a:rPr>
-              <a:t>形成应用分发的云端战略</a:t>
-            </a:r>
             <a:endParaRPr lang="en-US" altLang="zh-CN" sz="2000" b="1" dirty="0" smtClean="0">
               <a:solidFill>
                 <a:schemeClr val="accent2">
@@ -24551,7 +24846,7 @@
               <a:t>通过</a:t>
             </a:r>
             <a:r>
-              <a:rPr lang="en-US" altLang="zh-CN" sz="2000" b="1" dirty="0">
+              <a:rPr lang="en-US" altLang="zh-CN" sz="2000" b="1" dirty="0" smtClean="0">
                 <a:solidFill>
                   <a:schemeClr val="accent2">
                     <a:lumMod val="50000"/>
@@ -24560,10 +24855,10 @@
                 <a:latin typeface="Times New Roman" panose="02020603050405020304" pitchFamily="18" charset="0"/>
                 <a:ea typeface="楷体_GB2312" pitchFamily="49" charset="-122"/>
               </a:rPr>
-              <a:t>Microsoft </a:t>
-            </a:r>
-            <a:r>
-              <a:rPr lang="en-US" altLang="zh-CN" sz="2000" b="1" dirty="0" smtClean="0">
+              <a:t>Azure</a:t>
+            </a:r>
+            <a:r>
+              <a:rPr lang="zh-CN" altLang="en-US" sz="2000" b="1" dirty="0" smtClean="0">
                 <a:solidFill>
                   <a:schemeClr val="accent2">
                     <a:lumMod val="50000"/>
@@ -24572,43 +24867,7 @@
                 <a:latin typeface="Times New Roman" panose="02020603050405020304" pitchFamily="18" charset="0"/>
                 <a:ea typeface="楷体_GB2312" pitchFamily="49" charset="-122"/>
               </a:rPr>
-              <a:t>365</a:t>
-            </a:r>
-            <a:r>
-              <a:rPr lang="zh-CN" altLang="en-US" sz="2000" b="1" dirty="0" smtClean="0">
-                <a:solidFill>
-                  <a:schemeClr val="accent2">
-                    <a:lumMod val="50000"/>
-                  </a:schemeClr>
-                </a:solidFill>
-                <a:latin typeface="Times New Roman" panose="02020603050405020304" pitchFamily="18" charset="0"/>
-                <a:ea typeface="楷体_GB2312" pitchFamily="49" charset="-122"/>
-              </a:rPr>
-              <a:t>、</a:t>
-            </a:r>
-            <a:r>
-              <a:rPr lang="en-US" altLang="zh-CN" sz="2000" b="1" dirty="0" smtClean="0">
-                <a:solidFill>
-                  <a:schemeClr val="accent2">
-                    <a:lumMod val="50000"/>
-                  </a:schemeClr>
-                </a:solidFill>
-                <a:latin typeface="Times New Roman" panose="02020603050405020304" pitchFamily="18" charset="0"/>
-                <a:ea typeface="楷体_GB2312" pitchFamily="49" charset="-122"/>
-              </a:rPr>
-              <a:t>Edge</a:t>
-            </a:r>
-            <a:r>
-              <a:rPr lang="zh-CN" altLang="en-US" sz="2000" b="1" dirty="0" smtClean="0">
-                <a:solidFill>
-                  <a:schemeClr val="accent2">
-                    <a:lumMod val="50000"/>
-                  </a:schemeClr>
-                </a:solidFill>
-                <a:latin typeface="Times New Roman" panose="02020603050405020304" pitchFamily="18" charset="0"/>
-                <a:ea typeface="楷体_GB2312" pitchFamily="49" charset="-122"/>
-              </a:rPr>
-              <a:t>卡点边缘计算</a:t>
+              <a:t>形成应用分发的云端战略</a:t>
             </a:r>
             <a:endParaRPr lang="en-US" altLang="zh-CN" sz="2000" b="1" dirty="0" smtClean="0">
               <a:solidFill>
@@ -24641,7 +24900,7 @@
               <a:t>通过</a:t>
             </a:r>
             <a:r>
-              <a:rPr lang="en-US" altLang="zh-CN" sz="2000" b="1" dirty="0" smtClean="0">
+              <a:rPr lang="en-US" altLang="zh-CN" sz="2000" b="1" dirty="0">
                 <a:solidFill>
                   <a:schemeClr val="accent2">
                     <a:lumMod val="50000"/>
@@ -24650,10 +24909,10 @@
                 <a:latin typeface="Times New Roman" panose="02020603050405020304" pitchFamily="18" charset="0"/>
                 <a:ea typeface="楷体_GB2312" pitchFamily="49" charset="-122"/>
               </a:rPr>
-              <a:t>Visual </a:t>
-            </a:r>
-            <a:r>
-              <a:rPr lang="en-US" altLang="zh-CN" sz="2000" b="1" dirty="0">
+              <a:t>Microsoft </a:t>
+            </a:r>
+            <a:r>
+              <a:rPr lang="en-US" altLang="zh-CN" sz="2000" b="1" dirty="0" smtClean="0">
                 <a:solidFill>
                   <a:schemeClr val="accent2">
                     <a:lumMod val="50000"/>
@@ -24662,10 +24921,10 @@
                 <a:latin typeface="Times New Roman" panose="02020603050405020304" pitchFamily="18" charset="0"/>
                 <a:ea typeface="楷体_GB2312" pitchFamily="49" charset="-122"/>
               </a:rPr>
-              <a:t>Studio Code Tools for </a:t>
-            </a:r>
-            <a:r>
-              <a:rPr lang="en-US" altLang="zh-CN" sz="2000" b="1" dirty="0" smtClean="0">
+              <a:t>365</a:t>
+            </a:r>
+            <a:r>
+              <a:rPr lang="zh-CN" altLang="en-US" sz="2000" b="1" dirty="0" smtClean="0">
                 <a:solidFill>
                   <a:schemeClr val="accent2">
                     <a:lumMod val="50000"/>
@@ -24674,10 +24933,10 @@
                 <a:latin typeface="Times New Roman" panose="02020603050405020304" pitchFamily="18" charset="0"/>
                 <a:ea typeface="楷体_GB2312" pitchFamily="49" charset="-122"/>
               </a:rPr>
-              <a:t>AI</a:t>
-            </a:r>
-            <a:r>
-              <a:rPr lang="zh-CN" altLang="en-US" sz="2000" b="1" dirty="0" smtClean="0">
+              <a:t>、</a:t>
+            </a:r>
+            <a:r>
+              <a:rPr lang="en-US" altLang="zh-CN" sz="2000" b="1" dirty="0" smtClean="0">
                 <a:solidFill>
                   <a:schemeClr val="accent2">
                     <a:lumMod val="50000"/>
@@ -24686,10 +24945,10 @@
                 <a:latin typeface="Times New Roman" panose="02020603050405020304" pitchFamily="18" charset="0"/>
                 <a:ea typeface="楷体_GB2312" pitchFamily="49" charset="-122"/>
               </a:rPr>
-              <a:t>来促使开发者将</a:t>
-            </a:r>
-            <a:r>
-              <a:rPr lang="zh-CN" altLang="en-US" sz="2000" b="1" dirty="0">
+              <a:t>Edge</a:t>
+            </a:r>
+            <a:r>
+              <a:rPr lang="zh-CN" altLang="en-US" sz="2000" b="1" dirty="0" smtClean="0">
                 <a:solidFill>
                   <a:schemeClr val="accent2">
                     <a:lumMod val="50000"/>
@@ -24698,163 +24957,7 @@
                 <a:latin typeface="Times New Roman" panose="02020603050405020304" pitchFamily="18" charset="0"/>
                 <a:ea typeface="楷体_GB2312" pitchFamily="49" charset="-122"/>
               </a:rPr>
-              <a:t>训练任务提交到</a:t>
-            </a:r>
-            <a:r>
-              <a:rPr lang="en-US" altLang="zh-CN" sz="2000" b="1" dirty="0">
-                <a:solidFill>
-                  <a:schemeClr val="accent2">
-                    <a:lumMod val="50000"/>
-                  </a:schemeClr>
-                </a:solidFill>
-                <a:latin typeface="Times New Roman" panose="02020603050405020304" pitchFamily="18" charset="0"/>
-                <a:ea typeface="楷体_GB2312" pitchFamily="49" charset="-122"/>
-              </a:rPr>
-              <a:t>Azure Machine Learning</a:t>
-            </a:r>
-            <a:r>
-              <a:rPr lang="zh-CN" altLang="en-US" sz="2000" b="1" dirty="0">
-                <a:solidFill>
-                  <a:schemeClr val="accent2">
-                    <a:lumMod val="50000"/>
-                  </a:schemeClr>
-                </a:solidFill>
-                <a:latin typeface="Times New Roman" panose="02020603050405020304" pitchFamily="18" charset="0"/>
-                <a:ea typeface="楷体_GB2312" pitchFamily="49" charset="-122"/>
-              </a:rPr>
-              <a:t>，</a:t>
-            </a:r>
-            <a:r>
-              <a:rPr lang="en-US" altLang="zh-CN" sz="2000" b="1" dirty="0">
-                <a:solidFill>
-                  <a:schemeClr val="accent2">
-                    <a:lumMod val="50000"/>
-                  </a:schemeClr>
-                </a:solidFill>
-                <a:latin typeface="Times New Roman" panose="02020603050405020304" pitchFamily="18" charset="0"/>
-                <a:ea typeface="楷体_GB2312" pitchFamily="49" charset="-122"/>
-              </a:rPr>
-              <a:t>Azure Batch AI</a:t>
-            </a:r>
-            <a:r>
-              <a:rPr lang="zh-CN" altLang="en-US" sz="2000" b="1" dirty="0">
-                <a:solidFill>
-                  <a:schemeClr val="accent2">
-                    <a:lumMod val="50000"/>
-                  </a:schemeClr>
-                </a:solidFill>
-                <a:latin typeface="Times New Roman" panose="02020603050405020304" pitchFamily="18" charset="0"/>
-                <a:ea typeface="楷体_GB2312" pitchFamily="49" charset="-122"/>
-              </a:rPr>
-              <a:t>，</a:t>
-            </a:r>
-            <a:r>
-              <a:rPr lang="en-US" altLang="zh-CN" sz="2000" b="1" dirty="0">
-                <a:solidFill>
-                  <a:schemeClr val="accent2">
-                    <a:lumMod val="50000"/>
-                  </a:schemeClr>
-                </a:solidFill>
-                <a:latin typeface="Times New Roman" panose="02020603050405020304" pitchFamily="18" charset="0"/>
-                <a:ea typeface="楷体_GB2312" pitchFamily="49" charset="-122"/>
-              </a:rPr>
-              <a:t>Open Platform for AI</a:t>
-            </a:r>
-            <a:r>
-              <a:rPr lang="zh-CN" altLang="en-US" sz="2000" b="1" dirty="0">
-                <a:solidFill>
-                  <a:schemeClr val="accent2">
-                    <a:lumMod val="50000"/>
-                  </a:schemeClr>
-                </a:solidFill>
-                <a:latin typeface="Times New Roman" panose="02020603050405020304" pitchFamily="18" charset="0"/>
-                <a:ea typeface="楷体_GB2312" pitchFamily="49" charset="-122"/>
-              </a:rPr>
-              <a:t>或者</a:t>
-            </a:r>
-            <a:r>
-              <a:rPr lang="en-US" altLang="zh-CN" sz="2000" b="1" dirty="0">
-                <a:solidFill>
-                  <a:schemeClr val="accent2">
-                    <a:lumMod val="50000"/>
-                  </a:schemeClr>
-                </a:solidFill>
-                <a:latin typeface="Times New Roman" panose="02020603050405020304" pitchFamily="18" charset="0"/>
-                <a:ea typeface="楷体_GB2312" pitchFamily="49" charset="-122"/>
-              </a:rPr>
-              <a:t>Linux GPU</a:t>
-            </a:r>
-            <a:r>
-              <a:rPr lang="zh-CN" altLang="en-US" sz="2000" b="1" dirty="0">
-                <a:solidFill>
-                  <a:schemeClr val="accent2">
-                    <a:lumMod val="50000"/>
-                  </a:schemeClr>
-                </a:solidFill>
-                <a:latin typeface="Times New Roman" panose="02020603050405020304" pitchFamily="18" charset="0"/>
-                <a:ea typeface="楷体_GB2312" pitchFamily="49" charset="-122"/>
-              </a:rPr>
-              <a:t>工作站（例如</a:t>
-            </a:r>
-            <a:r>
-              <a:rPr lang="en-US" altLang="zh-CN" sz="2000" b="1" dirty="0">
-                <a:solidFill>
-                  <a:schemeClr val="accent2">
-                    <a:lumMod val="50000"/>
-                  </a:schemeClr>
-                </a:solidFill>
-                <a:latin typeface="Times New Roman" panose="02020603050405020304" pitchFamily="18" charset="0"/>
-                <a:ea typeface="楷体_GB2312" pitchFamily="49" charset="-122"/>
-              </a:rPr>
-              <a:t>Azure GPU</a:t>
-            </a:r>
-            <a:r>
-              <a:rPr lang="zh-CN" altLang="en-US" sz="2000" b="1" dirty="0">
-                <a:solidFill>
-                  <a:schemeClr val="accent2">
-                    <a:lumMod val="50000"/>
-                  </a:schemeClr>
-                </a:solidFill>
-                <a:latin typeface="Times New Roman" panose="02020603050405020304" pitchFamily="18" charset="0"/>
-                <a:ea typeface="楷体_GB2312" pitchFamily="49" charset="-122"/>
-              </a:rPr>
-              <a:t>虚拟机）上</a:t>
-            </a:r>
-            <a:r>
-              <a:rPr lang="zh-CN" altLang="en-US" sz="2000" b="1" dirty="0" smtClean="0">
-                <a:solidFill>
-                  <a:schemeClr val="accent2">
-                    <a:lumMod val="50000"/>
-                  </a:schemeClr>
-                </a:solidFill>
-                <a:latin typeface="Times New Roman" panose="02020603050405020304" pitchFamily="18" charset="0"/>
-                <a:ea typeface="楷体_GB2312" pitchFamily="49" charset="-122"/>
-              </a:rPr>
-              <a:t>运行，开发</a:t>
-            </a:r>
-            <a:r>
-              <a:rPr lang="zh-CN" altLang="en-US" sz="2000" b="1" dirty="0">
-                <a:solidFill>
-                  <a:schemeClr val="accent2">
-                    <a:lumMod val="50000"/>
-                  </a:schemeClr>
-                </a:solidFill>
-                <a:latin typeface="Times New Roman" panose="02020603050405020304" pitchFamily="18" charset="0"/>
-                <a:ea typeface="楷体_GB2312" pitchFamily="49" charset="-122"/>
-              </a:rPr>
-              <a:t>者可以使用统一的图形用户界面管理云端训练任务和</a:t>
-            </a:r>
-            <a:r>
-              <a:rPr lang="zh-CN" altLang="en-US" sz="2000" b="1" dirty="0" smtClean="0">
-                <a:solidFill>
-                  <a:schemeClr val="accent2">
-                    <a:lumMod val="50000"/>
-                  </a:schemeClr>
-                </a:solidFill>
-                <a:latin typeface="Times New Roman" panose="02020603050405020304" pitchFamily="18" charset="0"/>
-                <a:ea typeface="楷体_GB2312" pitchFamily="49" charset="-122"/>
-              </a:rPr>
-              <a:t>文件</a:t>
+              <a:t>卡点边缘计算</a:t>
             </a:r>
             <a:endParaRPr lang="en-US" altLang="zh-CN" sz="2000" b="1" dirty="0" smtClean="0">
               <a:solidFill>
@@ -24875,7 +24978,7 @@
               <a:buChar char="p"/>
             </a:pPr>
             <a:r>
-              <a:rPr lang="en-US" altLang="zh-CN" sz="2000" b="1" dirty="0">
+              <a:rPr lang="zh-CN" altLang="en-US" sz="2000" b="1" dirty="0" smtClean="0">
                 <a:solidFill>
                   <a:schemeClr val="accent2">
                     <a:lumMod val="50000"/>
@@ -24884,10 +24987,10 @@
                 <a:latin typeface="Times New Roman" panose="02020603050405020304" pitchFamily="18" charset="0"/>
                 <a:ea typeface="楷体_GB2312" pitchFamily="49" charset="-122"/>
               </a:rPr>
-              <a:t>ONNX</a:t>
-            </a:r>
-            <a:r>
-              <a:rPr lang="zh-CN" altLang="en-US" sz="2000" b="1" dirty="0">
+              <a:t>通过</a:t>
+            </a:r>
+            <a:r>
+              <a:rPr lang="en-US" altLang="zh-CN" sz="2000" b="1" dirty="0" smtClean="0">
                 <a:solidFill>
                   <a:schemeClr val="accent2">
                     <a:lumMod val="50000"/>
@@ -24896,7 +24999,7 @@
                 <a:latin typeface="Times New Roman" panose="02020603050405020304" pitchFamily="18" charset="0"/>
                 <a:ea typeface="楷体_GB2312" pitchFamily="49" charset="-122"/>
               </a:rPr>
-              <a:t>项目及</a:t>
+              <a:t>Visual </a:t>
             </a:r>
             <a:r>
               <a:rPr lang="en-US" altLang="zh-CN" sz="2000" b="1" dirty="0">
@@ -24908,10 +25011,10 @@
                 <a:latin typeface="Times New Roman" panose="02020603050405020304" pitchFamily="18" charset="0"/>
                 <a:ea typeface="楷体_GB2312" pitchFamily="49" charset="-122"/>
               </a:rPr>
-              <a:t>ML.NET</a:t>
-            </a:r>
-            <a:r>
-              <a:rPr lang="zh-CN" altLang="en-US" sz="2000" b="1" dirty="0">
+              <a:t>Studio Code Tools for </a:t>
+            </a:r>
+            <a:r>
+              <a:rPr lang="en-US" altLang="zh-CN" sz="2000" b="1" dirty="0" smtClean="0">
                 <a:solidFill>
                   <a:schemeClr val="accent2">
                     <a:lumMod val="50000"/>
@@ -24920,7 +25023,7 @@
                 <a:latin typeface="Times New Roman" panose="02020603050405020304" pitchFamily="18" charset="0"/>
                 <a:ea typeface="楷体_GB2312" pitchFamily="49" charset="-122"/>
               </a:rPr>
-              <a:t>打造开源跨平台人工智能开发</a:t>
+              <a:t>AI</a:t>
             </a:r>
             <a:r>
               <a:rPr lang="zh-CN" altLang="en-US" sz="2000" b="1" dirty="0" smtClean="0">
@@ -24932,7 +25035,175 @@
                 <a:latin typeface="Times New Roman" panose="02020603050405020304" pitchFamily="18" charset="0"/>
                 <a:ea typeface="楷体_GB2312" pitchFamily="49" charset="-122"/>
               </a:rPr>
-              <a:t>框架</a:t>
+              <a:t>来促使开发者将</a:t>
+            </a:r>
+            <a:r>
+              <a:rPr lang="zh-CN" altLang="en-US" sz="2000" b="1" dirty="0">
+                <a:solidFill>
+                  <a:schemeClr val="accent2">
+                    <a:lumMod val="50000"/>
+                  </a:schemeClr>
+                </a:solidFill>
+                <a:latin typeface="Times New Roman" panose="02020603050405020304" pitchFamily="18" charset="0"/>
+                <a:ea typeface="楷体_GB2312" pitchFamily="49" charset="-122"/>
+              </a:rPr>
+              <a:t>训练任务提交到</a:t>
+            </a:r>
+            <a:r>
+              <a:rPr lang="en-US" altLang="zh-CN" sz="2000" b="1" dirty="0">
+                <a:solidFill>
+                  <a:schemeClr val="accent2">
+                    <a:lumMod val="50000"/>
+                  </a:schemeClr>
+                </a:solidFill>
+                <a:latin typeface="Times New Roman" panose="02020603050405020304" pitchFamily="18" charset="0"/>
+                <a:ea typeface="楷体_GB2312" pitchFamily="49" charset="-122"/>
+              </a:rPr>
+              <a:t>Azure Machine Learning</a:t>
+            </a:r>
+            <a:r>
+              <a:rPr lang="zh-CN" altLang="en-US" sz="2000" b="1" dirty="0">
+                <a:solidFill>
+                  <a:schemeClr val="accent2">
+                    <a:lumMod val="50000"/>
+                  </a:schemeClr>
+                </a:solidFill>
+                <a:latin typeface="Times New Roman" panose="02020603050405020304" pitchFamily="18" charset="0"/>
+                <a:ea typeface="楷体_GB2312" pitchFamily="49" charset="-122"/>
+              </a:rPr>
+              <a:t>，</a:t>
+            </a:r>
+            <a:r>
+              <a:rPr lang="en-US" altLang="zh-CN" sz="2000" b="1" dirty="0">
+                <a:solidFill>
+                  <a:schemeClr val="accent2">
+                    <a:lumMod val="50000"/>
+                  </a:schemeClr>
+                </a:solidFill>
+                <a:latin typeface="Times New Roman" panose="02020603050405020304" pitchFamily="18" charset="0"/>
+                <a:ea typeface="楷体_GB2312" pitchFamily="49" charset="-122"/>
+              </a:rPr>
+              <a:t>Azure Batch AI</a:t>
+            </a:r>
+            <a:r>
+              <a:rPr lang="zh-CN" altLang="en-US" sz="2000" b="1" dirty="0">
+                <a:solidFill>
+                  <a:schemeClr val="accent2">
+                    <a:lumMod val="50000"/>
+                  </a:schemeClr>
+                </a:solidFill>
+                <a:latin typeface="Times New Roman" panose="02020603050405020304" pitchFamily="18" charset="0"/>
+                <a:ea typeface="楷体_GB2312" pitchFamily="49" charset="-122"/>
+              </a:rPr>
+              <a:t>，</a:t>
+            </a:r>
+            <a:r>
+              <a:rPr lang="en-US" altLang="zh-CN" sz="2000" b="1" dirty="0">
+                <a:solidFill>
+                  <a:schemeClr val="accent2">
+                    <a:lumMod val="50000"/>
+                  </a:schemeClr>
+                </a:solidFill>
+                <a:latin typeface="Times New Roman" panose="02020603050405020304" pitchFamily="18" charset="0"/>
+                <a:ea typeface="楷体_GB2312" pitchFamily="49" charset="-122"/>
+              </a:rPr>
+              <a:t>Open Platform for AI</a:t>
+            </a:r>
+            <a:r>
+              <a:rPr lang="zh-CN" altLang="en-US" sz="2000" b="1" dirty="0">
+                <a:solidFill>
+                  <a:schemeClr val="accent2">
+                    <a:lumMod val="50000"/>
+                  </a:schemeClr>
+                </a:solidFill>
+                <a:latin typeface="Times New Roman" panose="02020603050405020304" pitchFamily="18" charset="0"/>
+                <a:ea typeface="楷体_GB2312" pitchFamily="49" charset="-122"/>
+              </a:rPr>
+              <a:t>或者</a:t>
+            </a:r>
+            <a:r>
+              <a:rPr lang="en-US" altLang="zh-CN" sz="2000" b="1" dirty="0">
+                <a:solidFill>
+                  <a:schemeClr val="accent2">
+                    <a:lumMod val="50000"/>
+                  </a:schemeClr>
+                </a:solidFill>
+                <a:latin typeface="Times New Roman" panose="02020603050405020304" pitchFamily="18" charset="0"/>
+                <a:ea typeface="楷体_GB2312" pitchFamily="49" charset="-122"/>
+              </a:rPr>
+              <a:t>Linux GPU</a:t>
+            </a:r>
+            <a:r>
+              <a:rPr lang="zh-CN" altLang="en-US" sz="2000" b="1" dirty="0">
+                <a:solidFill>
+                  <a:schemeClr val="accent2">
+                    <a:lumMod val="50000"/>
+                  </a:schemeClr>
+                </a:solidFill>
+                <a:latin typeface="Times New Roman" panose="02020603050405020304" pitchFamily="18" charset="0"/>
+                <a:ea typeface="楷体_GB2312" pitchFamily="49" charset="-122"/>
+              </a:rPr>
+              <a:t>工作站（例如</a:t>
+            </a:r>
+            <a:r>
+              <a:rPr lang="en-US" altLang="zh-CN" sz="2000" b="1" dirty="0">
+                <a:solidFill>
+                  <a:schemeClr val="accent2">
+                    <a:lumMod val="50000"/>
+                  </a:schemeClr>
+                </a:solidFill>
+                <a:latin typeface="Times New Roman" panose="02020603050405020304" pitchFamily="18" charset="0"/>
+                <a:ea typeface="楷体_GB2312" pitchFamily="49" charset="-122"/>
+              </a:rPr>
+              <a:t>Azure GPU</a:t>
+            </a:r>
+            <a:r>
+              <a:rPr lang="zh-CN" altLang="en-US" sz="2000" b="1" dirty="0">
+                <a:solidFill>
+                  <a:schemeClr val="accent2">
+                    <a:lumMod val="50000"/>
+                  </a:schemeClr>
+                </a:solidFill>
+                <a:latin typeface="Times New Roman" panose="02020603050405020304" pitchFamily="18" charset="0"/>
+                <a:ea typeface="楷体_GB2312" pitchFamily="49" charset="-122"/>
+              </a:rPr>
+              <a:t>虚拟机）上</a:t>
+            </a:r>
+            <a:r>
+              <a:rPr lang="zh-CN" altLang="en-US" sz="2000" b="1" dirty="0" smtClean="0">
+                <a:solidFill>
+                  <a:schemeClr val="accent2">
+                    <a:lumMod val="50000"/>
+                  </a:schemeClr>
+                </a:solidFill>
+                <a:latin typeface="Times New Roman" panose="02020603050405020304" pitchFamily="18" charset="0"/>
+                <a:ea typeface="楷体_GB2312" pitchFamily="49" charset="-122"/>
+              </a:rPr>
+              <a:t>运行，开发</a:t>
+            </a:r>
+            <a:r>
+              <a:rPr lang="zh-CN" altLang="en-US" sz="2000" b="1" dirty="0">
+                <a:solidFill>
+                  <a:schemeClr val="accent2">
+                    <a:lumMod val="50000"/>
+                  </a:schemeClr>
+                </a:solidFill>
+                <a:latin typeface="Times New Roman" panose="02020603050405020304" pitchFamily="18" charset="0"/>
+                <a:ea typeface="楷体_GB2312" pitchFamily="49" charset="-122"/>
+              </a:rPr>
+              <a:t>者可以使用统一的图形用户界面管理云端训练任务和</a:t>
+            </a:r>
+            <a:r>
+              <a:rPr lang="zh-CN" altLang="en-US" sz="2000" b="1" dirty="0" smtClean="0">
+                <a:solidFill>
+                  <a:schemeClr val="accent2">
+                    <a:lumMod val="50000"/>
+                  </a:schemeClr>
+                </a:solidFill>
+                <a:latin typeface="Times New Roman" panose="02020603050405020304" pitchFamily="18" charset="0"/>
+                <a:ea typeface="楷体_GB2312" pitchFamily="49" charset="-122"/>
+              </a:rPr>
+              <a:t>文件</a:t>
             </a:r>
             <a:endParaRPr lang="en-US" altLang="zh-CN" sz="2000" b="1" dirty="0" smtClean="0">
               <a:solidFill>
@@ -24953,7 +25224,7 @@
               <a:buChar char="p"/>
             </a:pPr>
             <a:r>
-              <a:rPr lang="zh-CN" altLang="en-US" sz="2000" b="1" dirty="0">
+              <a:rPr lang="en-US" altLang="zh-CN" sz="2000" b="1" dirty="0">
                 <a:solidFill>
                   <a:schemeClr val="accent2">
                     <a:lumMod val="50000"/>
@@ -24962,10 +25233,10 @@
                 <a:latin typeface="Times New Roman" panose="02020603050405020304" pitchFamily="18" charset="0"/>
                 <a:ea typeface="楷体_GB2312" pitchFamily="49" charset="-122"/>
               </a:rPr>
-              <a:t>开源深度学习</a:t>
-            </a:r>
-            <a:r>
-              <a:rPr lang="zh-CN" altLang="en-US" sz="2000" b="1" dirty="0" smtClean="0">
+              <a:t>ONNX</a:t>
+            </a:r>
+            <a:r>
+              <a:rPr lang="zh-CN" altLang="en-US" sz="2000" b="1" dirty="0">
                 <a:solidFill>
                   <a:schemeClr val="accent2">
                     <a:lumMod val="50000"/>
@@ -24974,10 +25245,10 @@
                 <a:latin typeface="Times New Roman" panose="02020603050405020304" pitchFamily="18" charset="0"/>
                 <a:ea typeface="楷体_GB2312" pitchFamily="49" charset="-122"/>
               </a:rPr>
-              <a:t>框架</a:t>
-            </a:r>
-            <a:r>
-              <a:rPr lang="en-US" altLang="zh-CN" sz="2000" b="1" dirty="0" smtClean="0">
+              <a:t>项目及</a:t>
+            </a:r>
+            <a:r>
+              <a:rPr lang="en-US" altLang="zh-CN" sz="2000" b="1" dirty="0">
                 <a:solidFill>
                   <a:schemeClr val="accent2">
                     <a:lumMod val="50000"/>
@@ -24986,10 +25257,10 @@
                 <a:latin typeface="Times New Roman" panose="02020603050405020304" pitchFamily="18" charset="0"/>
                 <a:ea typeface="楷体_GB2312" pitchFamily="49" charset="-122"/>
               </a:rPr>
-              <a:t>CNTK</a:t>
-            </a:r>
-            <a:r>
-              <a:rPr lang="en-US" altLang="zh-CN" sz="2000" b="1" dirty="0">
+              <a:t>ML.NET</a:t>
+            </a:r>
+            <a:r>
+              <a:rPr lang="zh-CN" altLang="en-US" sz="2000" b="1" dirty="0">
                 <a:solidFill>
                   <a:schemeClr val="accent2">
                     <a:lumMod val="50000"/>
@@ -24998,10 +25269,10 @@
                 <a:latin typeface="Times New Roman" panose="02020603050405020304" pitchFamily="18" charset="0"/>
                 <a:ea typeface="楷体_GB2312" pitchFamily="49" charset="-122"/>
               </a:rPr>
-              <a:t>(</a:t>
-            </a:r>
-            <a:r>
-              <a:rPr lang="en-US" altLang="zh-CN" sz="2000" b="1" dirty="0" smtClean="0">
+              <a:t>打造开源跨平台人工智能开发</a:t>
+            </a:r>
+            <a:r>
+              <a:rPr lang="zh-CN" altLang="en-US" sz="2000" b="1" dirty="0" smtClean="0">
                 <a:solidFill>
                   <a:schemeClr val="accent2">
                     <a:lumMod val="50000"/>
@@ -25010,10 +25281,28 @@
                 <a:latin typeface="Times New Roman" panose="02020603050405020304" pitchFamily="18" charset="0"/>
                 <a:ea typeface="楷体_GB2312" pitchFamily="49" charset="-122"/>
               </a:rPr>
-              <a:t>Computational </a:t>
-            </a:r>
-            <a:r>
-              <a:rPr lang="en-US" altLang="zh-CN" sz="2000" b="1" dirty="0">
+              <a:t>框架</a:t>
+            </a:r>
+            <a:endParaRPr lang="en-US" altLang="zh-CN" sz="2000" b="1" dirty="0" smtClean="0">
+              <a:solidFill>
+                <a:schemeClr val="accent2">
+                  <a:lumMod val="50000"/>
+                </a:schemeClr>
+              </a:solidFill>
+              <a:latin typeface="Times New Roman" panose="02020603050405020304" pitchFamily="18" charset="0"/>
+              <a:ea typeface="楷体_GB2312" pitchFamily="49" charset="-122"/>
+            </a:endParaRPr>
+          </a:p>
+          <a:p>
+            <a:pPr>
+              <a:lnSpc>
+                <a:spcPct val="80000"/>
+              </a:lnSpc>
+              <a:buFont typeface="Wingdings" panose="05000000000000000000" pitchFamily="2" charset="2"/>
+              <a:buChar char="p"/>
+            </a:pPr>
+            <a:r>
+              <a:rPr lang="zh-CN" altLang="en-US" sz="2000" b="1" dirty="0">
                 <a:solidFill>
                   <a:schemeClr val="accent2">
                     <a:lumMod val="50000"/>
@@ -25022,10 +25311,10 @@
                 <a:latin typeface="Times New Roman" panose="02020603050405020304" pitchFamily="18" charset="0"/>
                 <a:ea typeface="楷体_GB2312" pitchFamily="49" charset="-122"/>
               </a:rPr>
-              <a:t>Network </a:t>
-            </a:r>
-            <a:r>
-              <a:rPr lang="en-US" altLang="zh-CN" sz="2000" b="1" dirty="0" smtClean="0">
+              <a:t>开源深度学习</a:t>
+            </a:r>
+            <a:r>
+              <a:rPr lang="zh-CN" altLang="en-US" sz="2000" b="1" dirty="0" smtClean="0">
                 <a:solidFill>
                   <a:schemeClr val="accent2">
                     <a:lumMod val="50000"/>
@@ -25034,8 +25323,77 @@
                 <a:latin typeface="Times New Roman" panose="02020603050405020304" pitchFamily="18" charset="0"/>
                 <a:ea typeface="楷体_GB2312" pitchFamily="49" charset="-122"/>
               </a:rPr>
+              <a:t>框架</a:t>
+            </a:r>
+            <a:r>
+              <a:rPr lang="en-US" altLang="zh-CN" sz="2000" b="1" dirty="0" smtClean="0">
+                <a:solidFill>
+                  <a:schemeClr val="accent2">
+                    <a:lumMod val="50000"/>
+                  </a:schemeClr>
+                </a:solidFill>
+                <a:latin typeface="Times New Roman" panose="02020603050405020304" pitchFamily="18" charset="0"/>
+                <a:ea typeface="楷体_GB2312" pitchFamily="49" charset="-122"/>
+              </a:rPr>
+              <a:t>CNTK</a:t>
+            </a:r>
+            <a:r>
+              <a:rPr lang="en-US" altLang="zh-CN" sz="2000" b="1" dirty="0">
+                <a:solidFill>
+                  <a:schemeClr val="accent2">
+                    <a:lumMod val="50000"/>
+                  </a:schemeClr>
+                </a:solidFill>
+                <a:latin typeface="Times New Roman" panose="02020603050405020304" pitchFamily="18" charset="0"/>
+                <a:ea typeface="楷体_GB2312" pitchFamily="49" charset="-122"/>
+              </a:rPr>
+              <a:t>(</a:t>
+            </a:r>
+            <a:r>
+              <a:rPr lang="en-US" altLang="zh-CN" sz="2000" b="1" dirty="0" smtClean="0">
+                <a:solidFill>
+                  <a:schemeClr val="accent2">
+                    <a:lumMod val="50000"/>
+                  </a:schemeClr>
+                </a:solidFill>
+                <a:latin typeface="Times New Roman" panose="02020603050405020304" pitchFamily="18" charset="0"/>
+                <a:ea typeface="楷体_GB2312" pitchFamily="49" charset="-122"/>
+              </a:rPr>
+              <a:t>Computational </a:t>
+            </a:r>
+            <a:r>
+              <a:rPr lang="en-US" altLang="zh-CN" sz="2000" b="1" dirty="0">
+                <a:solidFill>
+                  <a:schemeClr val="accent2">
+                    <a:lumMod val="50000"/>
+                  </a:schemeClr>
+                </a:solidFill>
+                <a:latin typeface="Times New Roman" panose="02020603050405020304" pitchFamily="18" charset="0"/>
+                <a:ea typeface="楷体_GB2312" pitchFamily="49" charset="-122"/>
+              </a:rPr>
+              <a:t>Network </a:t>
+            </a:r>
+            <a:r>
+              <a:rPr lang="en-US" altLang="zh-CN" sz="2000" b="1" dirty="0" smtClean="0">
+                <a:solidFill>
+                  <a:schemeClr val="accent2">
+                    <a:lumMod val="50000"/>
+                  </a:schemeClr>
+                </a:solidFill>
+                <a:latin typeface="Times New Roman" panose="02020603050405020304" pitchFamily="18" charset="0"/>
+                <a:ea typeface="楷体_GB2312" pitchFamily="49" charset="-122"/>
+              </a:rPr>
               <a:t>Toolkit)</a:t>
             </a:r>
+            <a:endParaRPr lang="en-US" altLang="zh-CN" sz="2000" b="1" dirty="0" smtClean="0">
+              <a:solidFill>
+                <a:schemeClr val="accent2">
+                  <a:lumMod val="50000"/>
+                </a:schemeClr>
+              </a:solidFill>
+              <a:latin typeface="Times New Roman" panose="02020603050405020304" pitchFamily="18" charset="0"/>
+              <a:ea typeface="楷体_GB2312" pitchFamily="49" charset="-122"/>
+            </a:endParaRPr>
           </a:p>
           <a:p>
             <a:pPr>
@@ -25325,7 +25683,7 @@
           <a:p>
             <a:r>
               <a:rPr lang="zh-CN" altLang="en-US" sz="3200" dirty="0">
-                <a:latin typeface="arial" panose="020B0604020202020204" pitchFamily="34" charset="0"/>
+                <a:latin typeface="Arial" panose="020B0604020202020204" pitchFamily="34" charset="0"/>
               </a:rPr>
               <a:t>智能云和智能边缘</a:t>
             </a:r>
@@ -25438,45 +25796,48 @@
           <a:p>
             <a:r>
               <a:rPr lang="zh-CN" altLang="en-US" sz="3200" dirty="0" smtClean="0">
-                <a:latin typeface="arial" panose="020B0604020202020204" pitchFamily="34" charset="0"/>
+                <a:latin typeface="Arial" panose="020B0604020202020204" pitchFamily="34" charset="0"/>
               </a:rPr>
               <a:t>涵盖社区、云、</a:t>
             </a:r>
             <a:r>
               <a:rPr lang="en-US" altLang="zh-CN" sz="3200" dirty="0" err="1" smtClean="0">
-                <a:latin typeface="arial" panose="020B0604020202020204" pitchFamily="34" charset="0"/>
+                <a:latin typeface="Arial" panose="020B0604020202020204" pitchFamily="34" charset="0"/>
               </a:rPr>
               <a:t>IoT</a:t>
             </a:r>
             <a:r>
               <a:rPr lang="zh-CN" altLang="en-US" sz="3200" dirty="0" smtClean="0">
-                <a:latin typeface="arial" panose="020B0604020202020204" pitchFamily="34" charset="0"/>
+                <a:latin typeface="Arial" panose="020B0604020202020204" pitchFamily="34" charset="0"/>
               </a:rPr>
               <a:t>、</a:t>
             </a:r>
             <a:r>
               <a:rPr lang="en-US" altLang="zh-CN" sz="3200" dirty="0" smtClean="0">
-                <a:latin typeface="arial" panose="020B0604020202020204" pitchFamily="34" charset="0"/>
+                <a:latin typeface="Arial" panose="020B0604020202020204" pitchFamily="34" charset="0"/>
               </a:rPr>
               <a:t>AI</a:t>
             </a:r>
             <a:r>
               <a:rPr lang="zh-CN" altLang="en-US" sz="3200" dirty="0" smtClean="0">
-                <a:latin typeface="arial" panose="020B0604020202020204" pitchFamily="34" charset="0"/>
+                <a:latin typeface="Arial" panose="020B0604020202020204" pitchFamily="34" charset="0"/>
               </a:rPr>
               <a:t>、</a:t>
             </a:r>
             <a:r>
               <a:rPr lang="en-US" altLang="zh-CN" sz="3200" dirty="0" smtClean="0">
-                <a:latin typeface="arial" panose="020B0604020202020204" pitchFamily="34" charset="0"/>
+                <a:latin typeface="Arial" panose="020B0604020202020204" pitchFamily="34" charset="0"/>
               </a:rPr>
               <a:t>VR…</a:t>
             </a:r>
+            <a:endParaRPr lang="en-US" altLang="zh-CN" sz="3200" dirty="0" smtClean="0">
+              <a:latin typeface="Arial" panose="020B0604020202020204" pitchFamily="34" charset="0"/>
+            </a:endParaRPr>
           </a:p>
           <a:p>
             <a:r>
               <a:rPr lang="zh-CN" altLang="en-US" sz="3200" dirty="0" smtClean="0">
-                <a:latin typeface="arial" panose="020B0604020202020204" pitchFamily="34" charset="0"/>
+                <a:latin typeface="Arial" panose="020B0604020202020204" pitchFamily="34" charset="0"/>
               </a:rPr>
               <a:t>提供易用的开发环境</a:t>
             </a:r>
@@ -25702,6 +26063,7 @@
               <a:rPr lang="zh-CN" altLang="en-US" dirty="0" smtClean="0"/>
               <a:t>变量定义</a:t>
             </a:r>
+            <a:endParaRPr lang="zh-CN" altLang="en-US" dirty="0" smtClean="0"/>
           </a:p>
         </p:txBody>
       </p:sp>
@@ -25832,6 +26194,12 @@
               </a:rPr>
               <a:t>);</a:t>
             </a:r>
+            <a:endParaRPr lang="en-US" altLang="zh-CN" sz="1400" dirty="0">
+              <a:solidFill>
+                <a:srgbClr val="002060"/>
+              </a:solidFill>
+              <a:latin typeface="Consolas" panose="020B0609020204030204" pitchFamily="49" charset="0"/>
+            </a:endParaRPr>
           </a:p>
           <a:p>
             <a:pPr marL="0" indent="0" eaLnBrk="1" hangingPunct="1">
@@ -25867,6 +26235,12 @@
               </a:rPr>
               <a:t> = new byte[100000];</a:t>
             </a:r>
+            <a:endParaRPr lang="en-US" altLang="zh-CN" sz="1400" dirty="0">
+              <a:solidFill>
+                <a:srgbClr val="002060"/>
+              </a:solidFill>
+              <a:latin typeface="Consolas" panose="020B0609020204030204" pitchFamily="49" charset="0"/>
+            </a:endParaRPr>
           </a:p>
           <a:p>
             <a:pPr marL="0" indent="0" eaLnBrk="1" hangingPunct="1">
@@ -25902,6 +26276,12 @@
               </a:rPr>
               <a:t>;</a:t>
             </a:r>
+            <a:endParaRPr lang="en-US" altLang="zh-CN" sz="1400" dirty="0" smtClean="0">
+              <a:solidFill>
+                <a:srgbClr val="002060"/>
+              </a:solidFill>
+              <a:latin typeface="Consolas" panose="020B0609020204030204" pitchFamily="49" charset="0"/>
+            </a:endParaRPr>
           </a:p>
           <a:p>
             <a:pPr marL="0" indent="0" eaLnBrk="1" hangingPunct="1">
@@ -25978,6 +26358,12 @@
               </a:rPr>
               <a:t>;</a:t>
             </a:r>
+            <a:endParaRPr lang="en-US" altLang="zh-CN" sz="1400" dirty="0" smtClean="0">
+              <a:solidFill>
+                <a:srgbClr val="002060"/>
+              </a:solidFill>
+              <a:latin typeface="Consolas" panose="020B0609020204030204" pitchFamily="49" charset="0"/>
+            </a:endParaRPr>
           </a:p>
           <a:p>
             <a:pPr marL="0" indent="0" eaLnBrk="1" hangingPunct="1">
@@ -26036,6 +26422,12 @@
               </a:rPr>
               <a:t>=null;</a:t>
             </a:r>
+            <a:endParaRPr lang="en-US" altLang="zh-CN" sz="1400" dirty="0">
+              <a:solidFill>
+                <a:srgbClr val="002060"/>
+              </a:solidFill>
+              <a:latin typeface="Consolas" panose="020B0609020204030204" pitchFamily="49" charset="0"/>
+            </a:endParaRPr>
           </a:p>
           <a:p>
             <a:pPr marL="0" indent="0" eaLnBrk="1" hangingPunct="1">
@@ -26080,6 +26472,12 @@
               </a:rPr>
               <a:t>;</a:t>
             </a:r>
+            <a:endParaRPr lang="en-US" altLang="zh-CN" sz="1400" dirty="0">
+              <a:solidFill>
+                <a:srgbClr val="002060"/>
+              </a:solidFill>
+              <a:latin typeface="Consolas" panose="020B0609020204030204" pitchFamily="49" charset="0"/>
+            </a:endParaRPr>
           </a:p>
           <a:p>
             <a:pPr marL="0" indent="0" eaLnBrk="1" hangingPunct="1">
@@ -26124,15 +26522,16 @@
               </a:rPr>
               <a:t>=null;</a:t>
             </a:r>
+            <a:endParaRPr lang="en-US" altLang="zh-CN" sz="1400" dirty="0">
+              <a:solidFill>
+                <a:srgbClr val="002060"/>
+              </a:solidFill>
+              <a:latin typeface="Consolas" panose="020B0609020204030204" pitchFamily="49" charset="0"/>
+            </a:endParaRPr>
           </a:p>
         </p:txBody>
       </p:sp>
     </p:spTree>
-    <p:extLst>
-      <p:ext uri="{BB962C8B-B14F-4D97-AF65-F5344CB8AC3E}">
-        <p14:creationId xmlns:p14="http://schemas.microsoft.com/office/powerpoint/2010/main" val="1950239826"/>
-      </p:ext>
-    </p:extLst>
   </p:cSld>
   <p:clrMapOvr>
     <a:masterClrMapping/>
@@ -26189,6 +26588,7 @@
               <a:rPr lang="zh-CN" altLang="en-US" dirty="0" smtClean="0"/>
               <a:t>写入文件名</a:t>
             </a:r>
+            <a:endParaRPr lang="zh-CN" altLang="en-US" dirty="0" smtClean="0"/>
           </a:p>
         </p:txBody>
       </p:sp>
@@ -26226,7 +26626,7 @@
                   <a:srgbClr val="002060"/>
                 </a:solidFill>
                 <a:latin typeface="Consolas" panose="020B0609020204030204" pitchFamily="49" charset="0"/>
-                <a:ea typeface="微软雅黑" panose="020B0503020204020204" pitchFamily="34" charset="-122"/>
+                <a:ea typeface="微软雅黑" panose="020B0503020204020204" charset="-122"/>
               </a:rPr>
               <a:t>fi_a</a:t>
             </a:r>
@@ -26236,7 +26636,7 @@
                   <a:srgbClr val="002060"/>
                 </a:solidFill>
                 <a:latin typeface="Consolas" panose="020B0609020204030204" pitchFamily="49" charset="0"/>
-                <a:ea typeface="微软雅黑" panose="020B0503020204020204" pitchFamily="34" charset="-122"/>
+                <a:ea typeface="微软雅黑" panose="020B0503020204020204" charset="-122"/>
               </a:rPr>
               <a:t>=new </a:t>
             </a:r>
@@ -26246,7 +26646,7 @@
                   <a:srgbClr val="002060"/>
                 </a:solidFill>
                 <a:latin typeface="Consolas" panose="020B0609020204030204" pitchFamily="49" charset="0"/>
-                <a:ea typeface="微软雅黑" panose="020B0503020204020204" pitchFamily="34" charset="-122"/>
+                <a:ea typeface="微软雅黑" panose="020B0503020204020204" charset="-122"/>
               </a:rPr>
               <a:t>FileInfo</a:t>
             </a:r>
@@ -26256,7 +26656,7 @@
                   <a:srgbClr val="002060"/>
                 </a:solidFill>
                 <a:latin typeface="Consolas" panose="020B0609020204030204" pitchFamily="49" charset="0"/>
-                <a:ea typeface="微软雅黑" panose="020B0503020204020204" pitchFamily="34" charset="-122"/>
+                <a:ea typeface="微软雅黑" panose="020B0503020204020204" charset="-122"/>
               </a:rPr>
               <a:t>(listBox2.Items[</a:t>
             </a:r>
@@ -26266,7 +26666,7 @@
                   <a:srgbClr val="002060"/>
                 </a:solidFill>
                 <a:latin typeface="Consolas" panose="020B0609020204030204" pitchFamily="49" charset="0"/>
-                <a:ea typeface="微软雅黑" panose="020B0503020204020204" pitchFamily="34" charset="-122"/>
+                <a:ea typeface="微软雅黑" panose="020B0503020204020204" charset="-122"/>
               </a:rPr>
               <a:t>i</a:t>
             </a:r>
@@ -26276,7 +26676,7 @@
                   <a:srgbClr val="002060"/>
                 </a:solidFill>
                 <a:latin typeface="Consolas" panose="020B0609020204030204" pitchFamily="49" charset="0"/>
-                <a:ea typeface="微软雅黑" panose="020B0503020204020204" pitchFamily="34" charset="-122"/>
+                <a:ea typeface="微软雅黑" panose="020B0503020204020204" charset="-122"/>
               </a:rPr>
               <a:t>].</a:t>
             </a:r>
@@ -26286,7 +26686,7 @@
                   <a:srgbClr val="002060"/>
                 </a:solidFill>
                 <a:latin typeface="Consolas" panose="020B0609020204030204" pitchFamily="49" charset="0"/>
-                <a:ea typeface="微软雅黑" panose="020B0503020204020204" pitchFamily="34" charset="-122"/>
+                <a:ea typeface="微软雅黑" panose="020B0503020204020204" charset="-122"/>
               </a:rPr>
               <a:t>ToString</a:t>
             </a:r>
@@ -26296,10 +26696,17 @@
                   <a:srgbClr val="002060"/>
                 </a:solidFill>
                 <a:latin typeface="Consolas" panose="020B0609020204030204" pitchFamily="49" charset="0"/>
-                <a:ea typeface="微软雅黑" panose="020B0503020204020204" pitchFamily="34" charset="-122"/>
+                <a:ea typeface="微软雅黑" panose="020B0503020204020204" charset="-122"/>
               </a:rPr>
               <a:t>());</a:t>
             </a:r>
+            <a:endParaRPr lang="en-US" altLang="zh-CN" sz="1400" dirty="0">
+              <a:solidFill>
+                <a:srgbClr val="002060"/>
+              </a:solidFill>
+              <a:latin typeface="Consolas" panose="020B0609020204030204" pitchFamily="49" charset="0"/>
+              <a:ea typeface="微软雅黑" panose="020B0503020204020204" charset="-122"/>
+            </a:endParaRPr>
           </a:p>
           <a:p>
             <a:pPr marL="0" indent="0" eaLnBrk="1" hangingPunct="1">
@@ -26314,7 +26721,7 @@
                   <a:srgbClr val="002060"/>
                 </a:solidFill>
                 <a:latin typeface="Consolas" panose="020B0609020204030204" pitchFamily="49" charset="0"/>
-                <a:ea typeface="微软雅黑" panose="020B0503020204020204" pitchFamily="34" charset="-122"/>
+                <a:ea typeface="微软雅黑" panose="020B0503020204020204" charset="-122"/>
               </a:rPr>
               <a:t>file_name_buf</a:t>
             </a:r>
@@ -26324,7 +26731,7 @@
                   <a:srgbClr val="002060"/>
                 </a:solidFill>
                 <a:latin typeface="Consolas" panose="020B0609020204030204" pitchFamily="49" charset="0"/>
-                <a:ea typeface="微软雅黑" panose="020B0503020204020204" pitchFamily="34" charset="-122"/>
+                <a:ea typeface="微软雅黑" panose="020B0503020204020204" charset="-122"/>
               </a:rPr>
               <a:t>=</a:t>
             </a:r>
@@ -26334,7 +26741,7 @@
                   <a:srgbClr val="002060"/>
                 </a:solidFill>
                 <a:latin typeface="Consolas" panose="020B0609020204030204" pitchFamily="49" charset="0"/>
-                <a:ea typeface="微软雅黑" panose="020B0503020204020204" pitchFamily="34" charset="-122"/>
+                <a:ea typeface="微软雅黑" panose="020B0503020204020204" charset="-122"/>
               </a:rPr>
               <a:t>Encoding.Default.GetBytes</a:t>
             </a:r>
@@ -26344,7 +26751,7 @@
                   <a:srgbClr val="002060"/>
                 </a:solidFill>
                 <a:latin typeface="Consolas" panose="020B0609020204030204" pitchFamily="49" charset="0"/>
-                <a:ea typeface="微软雅黑" panose="020B0503020204020204" pitchFamily="34" charset="-122"/>
+                <a:ea typeface="微软雅黑" panose="020B0503020204020204" charset="-122"/>
               </a:rPr>
               <a:t>(</a:t>
             </a:r>
@@ -26354,7 +26761,7 @@
                   <a:srgbClr val="002060"/>
                 </a:solidFill>
                 <a:latin typeface="Consolas" panose="020B0609020204030204" pitchFamily="49" charset="0"/>
-                <a:ea typeface="微软雅黑" panose="020B0503020204020204" pitchFamily="34" charset="-122"/>
+                <a:ea typeface="微软雅黑" panose="020B0503020204020204" charset="-122"/>
               </a:rPr>
               <a:t>fi_a.Name</a:t>
             </a:r>
@@ -26364,10 +26771,17 @@
                   <a:srgbClr val="002060"/>
                 </a:solidFill>
                 <a:latin typeface="Consolas" panose="020B0609020204030204" pitchFamily="49" charset="0"/>
-                <a:ea typeface="微软雅黑" panose="020B0503020204020204" pitchFamily="34" charset="-122"/>
+                <a:ea typeface="微软雅黑" panose="020B0503020204020204" charset="-122"/>
               </a:rPr>
               <a:t>);</a:t>
             </a:r>
+            <a:endParaRPr lang="en-US" altLang="zh-CN" sz="1400" dirty="0">
+              <a:solidFill>
+                <a:srgbClr val="002060"/>
+              </a:solidFill>
+              <a:latin typeface="Consolas" panose="020B0609020204030204" pitchFamily="49" charset="0"/>
+              <a:ea typeface="微软雅黑" panose="020B0503020204020204" charset="-122"/>
+            </a:endParaRPr>
           </a:p>
           <a:p>
             <a:pPr marL="0" indent="0" eaLnBrk="1" hangingPunct="1">
@@ -26382,7 +26796,7 @@
                   <a:srgbClr val="002060"/>
                 </a:solidFill>
                 <a:latin typeface="Consolas" panose="020B0609020204030204" pitchFamily="49" charset="0"/>
-                <a:ea typeface="微软雅黑" panose="020B0503020204020204" pitchFamily="34" charset="-122"/>
+                <a:ea typeface="微软雅黑" panose="020B0503020204020204" charset="-122"/>
               </a:rPr>
               <a:t>//</a:t>
             </a:r>
@@ -26392,10 +26806,17 @@
                   <a:srgbClr val="002060"/>
                 </a:solidFill>
                 <a:latin typeface="Consolas" panose="020B0609020204030204" pitchFamily="49" charset="0"/>
-                <a:ea typeface="微软雅黑" panose="020B0503020204020204" pitchFamily="34" charset="-122"/>
+                <a:ea typeface="微软雅黑" panose="020B0503020204020204" charset="-122"/>
               </a:rPr>
               <a:t>写入文件名</a:t>
             </a:r>
+            <a:endParaRPr lang="zh-CN" altLang="en-US" sz="1400" dirty="0">
+              <a:solidFill>
+                <a:srgbClr val="002060"/>
+              </a:solidFill>
+              <a:latin typeface="Consolas" panose="020B0609020204030204" pitchFamily="49" charset="0"/>
+              <a:ea typeface="微软雅黑" panose="020B0503020204020204" charset="-122"/>
+            </a:endParaRPr>
           </a:p>
           <a:p>
             <a:pPr marL="0" indent="0" eaLnBrk="1" hangingPunct="1">
@@ -26410,7 +26831,7 @@
                   <a:srgbClr val="002060"/>
                 </a:solidFill>
                 <a:latin typeface="Consolas" panose="020B0609020204030204" pitchFamily="49" charset="0"/>
-                <a:ea typeface="微软雅黑" panose="020B0503020204020204" pitchFamily="34" charset="-122"/>
+                <a:ea typeface="微软雅黑" panose="020B0503020204020204" charset="-122"/>
               </a:rPr>
               <a:t>fs_dest.Write</a:t>
             </a:r>
@@ -26420,7 +26841,7 @@
                   <a:srgbClr val="002060"/>
                 </a:solidFill>
                 <a:latin typeface="Consolas" panose="020B0609020204030204" pitchFamily="49" charset="0"/>
-                <a:ea typeface="微软雅黑" panose="020B0503020204020204" pitchFamily="34" charset="-122"/>
+                <a:ea typeface="微软雅黑" panose="020B0503020204020204" charset="-122"/>
               </a:rPr>
               <a:t>(</a:t>
             </a:r>
@@ -26430,7 +26851,7 @@
                   <a:srgbClr val="002060"/>
                 </a:solidFill>
                 <a:latin typeface="Consolas" panose="020B0609020204030204" pitchFamily="49" charset="0"/>
-                <a:ea typeface="微软雅黑" panose="020B0503020204020204" pitchFamily="34" charset="-122"/>
+                <a:ea typeface="微软雅黑" panose="020B0503020204020204" charset="-122"/>
               </a:rPr>
               <a:t>file_name_buf</a:t>
             </a:r>
@@ -26440,7 +26861,7 @@
                   <a:srgbClr val="002060"/>
                 </a:solidFill>
                 <a:latin typeface="Consolas" panose="020B0609020204030204" pitchFamily="49" charset="0"/>
-                <a:ea typeface="微软雅黑" panose="020B0503020204020204" pitchFamily="34" charset="-122"/>
+                <a:ea typeface="微软雅黑" panose="020B0503020204020204" charset="-122"/>
               </a:rPr>
               <a:t>, 0, </a:t>
             </a:r>
@@ -26450,7 +26871,7 @@
                   <a:srgbClr val="002060"/>
                 </a:solidFill>
                 <a:latin typeface="Consolas" panose="020B0609020204030204" pitchFamily="49" charset="0"/>
-                <a:ea typeface="微软雅黑" panose="020B0503020204020204" pitchFamily="34" charset="-122"/>
+                <a:ea typeface="微软雅黑" panose="020B0503020204020204" charset="-122"/>
               </a:rPr>
               <a:t>file_name_buf.Length</a:t>
             </a:r>
@@ -26460,10 +26881,17 @@
                   <a:srgbClr val="002060"/>
                 </a:solidFill>
                 <a:latin typeface="Consolas" panose="020B0609020204030204" pitchFamily="49" charset="0"/>
-                <a:ea typeface="微软雅黑" panose="020B0503020204020204" pitchFamily="34" charset="-122"/>
+                <a:ea typeface="微软雅黑" panose="020B0503020204020204" charset="-122"/>
               </a:rPr>
               <a:t>);</a:t>
             </a:r>
+            <a:endParaRPr lang="en-US" altLang="zh-CN" sz="1400" dirty="0">
+              <a:solidFill>
+                <a:srgbClr val="002060"/>
+              </a:solidFill>
+              <a:latin typeface="Consolas" panose="020B0609020204030204" pitchFamily="49" charset="0"/>
+              <a:ea typeface="微软雅黑" panose="020B0503020204020204" charset="-122"/>
+            </a:endParaRPr>
           </a:p>
           <a:p>
             <a:pPr marL="0" indent="0" eaLnBrk="1" hangingPunct="1">
@@ -26478,7 +26906,7 @@
                   <a:srgbClr val="002060"/>
                 </a:solidFill>
                 <a:latin typeface="Consolas" panose="020B0609020204030204" pitchFamily="49" charset="0"/>
-                <a:ea typeface="微软雅黑" panose="020B0503020204020204" pitchFamily="34" charset="-122"/>
+                <a:ea typeface="微软雅黑" panose="020B0503020204020204" charset="-122"/>
               </a:rPr>
               <a:t>//</a:t>
             </a:r>
@@ -26488,10 +26916,17 @@
                   <a:srgbClr val="002060"/>
                 </a:solidFill>
                 <a:latin typeface="Consolas" panose="020B0609020204030204" pitchFamily="49" charset="0"/>
-                <a:ea typeface="微软雅黑" panose="020B0503020204020204" pitchFamily="34" charset="-122"/>
+                <a:ea typeface="微软雅黑" panose="020B0503020204020204" charset="-122"/>
               </a:rPr>
               <a:t>换行</a:t>
             </a:r>
+            <a:endParaRPr lang="zh-CN" altLang="en-US" sz="1400" dirty="0">
+              <a:solidFill>
+                <a:srgbClr val="002060"/>
+              </a:solidFill>
+              <a:latin typeface="Consolas" panose="020B0609020204030204" pitchFamily="49" charset="0"/>
+              <a:ea typeface="微软雅黑" panose="020B0503020204020204" charset="-122"/>
+            </a:endParaRPr>
           </a:p>
           <a:p>
             <a:pPr marL="0" indent="0" eaLnBrk="1" hangingPunct="1">
@@ -26506,7 +26941,7 @@
                   <a:srgbClr val="002060"/>
                 </a:solidFill>
                 <a:latin typeface="Consolas" panose="020B0609020204030204" pitchFamily="49" charset="0"/>
-                <a:ea typeface="微软雅黑" panose="020B0503020204020204" pitchFamily="34" charset="-122"/>
+                <a:ea typeface="微软雅黑" panose="020B0503020204020204" charset="-122"/>
               </a:rPr>
               <a:t>fs_dest.WriteByte</a:t>
             </a:r>
@@ -26516,7 +26951,7 @@
                   <a:srgbClr val="002060"/>
                 </a:solidFill>
                 <a:latin typeface="Consolas" panose="020B0609020204030204" pitchFamily="49" charset="0"/>
-                <a:ea typeface="微软雅黑" panose="020B0503020204020204" pitchFamily="34" charset="-122"/>
+                <a:ea typeface="微软雅黑" panose="020B0503020204020204" charset="-122"/>
               </a:rPr>
               <a:t>((byte)13</a:t>
             </a:r>
@@ -26526,7 +26961,7 @@
                   <a:srgbClr val="002060"/>
                 </a:solidFill>
                 <a:latin typeface="Consolas" panose="020B0609020204030204" pitchFamily="49" charset="0"/>
-                <a:ea typeface="微软雅黑" panose="020B0503020204020204" pitchFamily="34" charset="-122"/>
+                <a:ea typeface="微软雅黑" panose="020B0503020204020204" charset="-122"/>
               </a:rPr>
               <a:t>);	// \r</a:t>
             </a:r>
@@ -26535,7 +26970,7 @@
                 <a:srgbClr val="002060"/>
               </a:solidFill>
               <a:latin typeface="Consolas" panose="020B0609020204030204" pitchFamily="49" charset="0"/>
-              <a:ea typeface="微软雅黑" panose="020B0503020204020204" pitchFamily="34" charset="-122"/>
+              <a:ea typeface="微软雅黑" panose="020B0503020204020204" charset="-122"/>
             </a:endParaRPr>
           </a:p>
           <a:p>
@@ -26551,7 +26986,7 @@
                   <a:srgbClr val="002060"/>
                 </a:solidFill>
                 <a:latin typeface="Consolas" panose="020B0609020204030204" pitchFamily="49" charset="0"/>
-                <a:ea typeface="微软雅黑" panose="020B0503020204020204" pitchFamily="34" charset="-122"/>
+                <a:ea typeface="微软雅黑" panose="020B0503020204020204" charset="-122"/>
               </a:rPr>
               <a:t>fs_dest.WriteByte</a:t>
             </a:r>
@@ -26561,7 +26996,7 @@
                   <a:srgbClr val="002060"/>
                 </a:solidFill>
                 <a:latin typeface="Consolas" panose="020B0609020204030204" pitchFamily="49" charset="0"/>
-                <a:ea typeface="微软雅黑" panose="020B0503020204020204" pitchFamily="34" charset="-122"/>
+                <a:ea typeface="微软雅黑" panose="020B0503020204020204" charset="-122"/>
               </a:rPr>
               <a:t>((byte)10</a:t>
             </a:r>
@@ -26571,7 +27006,7 @@
                   <a:srgbClr val="002060"/>
                 </a:solidFill>
                 <a:latin typeface="Consolas" panose="020B0609020204030204" pitchFamily="49" charset="0"/>
-                <a:ea typeface="微软雅黑" panose="020B0503020204020204" pitchFamily="34" charset="-122"/>
+                <a:ea typeface="微软雅黑" panose="020B0503020204020204" charset="-122"/>
               </a:rPr>
               <a:t>);	// \n</a:t>
             </a:r>
@@ -26580,17 +27015,12 @@
                 <a:srgbClr val="002060"/>
               </a:solidFill>
               <a:latin typeface="Consolas" panose="020B0609020204030204" pitchFamily="49" charset="0"/>
-              <a:ea typeface="微软雅黑" panose="020B0503020204020204" pitchFamily="34" charset="-122"/>
+              <a:ea typeface="微软雅黑" panose="020B0503020204020204" charset="-122"/>
             </a:endParaRPr>
           </a:p>
         </p:txBody>
       </p:sp>
     </p:spTree>
-    <p:extLst>
-      <p:ext uri="{BB962C8B-B14F-4D97-AF65-F5344CB8AC3E}">
-        <p14:creationId xmlns:p14="http://schemas.microsoft.com/office/powerpoint/2010/main" val="549263483"/>
-      </p:ext>
-    </p:extLst>
   </p:cSld>
   <p:clrMapOvr>
     <a:masterClrMapping/>
@@ -26647,6 +27077,7 @@
               <a:rPr lang="zh-CN" altLang="en-US" dirty="0" smtClean="0"/>
               <a:t>读写文件</a:t>
             </a:r>
+            <a:endParaRPr lang="zh-CN" altLang="en-US" dirty="0" smtClean="0"/>
           </a:p>
         </p:txBody>
       </p:sp>
@@ -26727,6 +27158,12 @@
               </a:rPr>
               <a:t>);</a:t>
             </a:r>
+            <a:endParaRPr lang="en-US" altLang="zh-CN" sz="1600" dirty="0" smtClean="0">
+              <a:solidFill>
+                <a:srgbClr val="002060"/>
+              </a:solidFill>
+              <a:latin typeface="Consolas" panose="020B0609020204030204" pitchFamily="49" charset="0"/>
+            </a:endParaRPr>
           </a:p>
           <a:p>
             <a:pPr marL="0" indent="0" eaLnBrk="1" hangingPunct="1">
@@ -26777,15 +27214,16 @@
               </a:rPr>
               <a:t>);</a:t>
             </a:r>
+            <a:endParaRPr lang="en-US" altLang="zh-CN" sz="1600" dirty="0">
+              <a:solidFill>
+                <a:srgbClr val="002060"/>
+              </a:solidFill>
+              <a:latin typeface="Consolas" panose="020B0609020204030204" pitchFamily="49" charset="0"/>
+            </a:endParaRPr>
           </a:p>
         </p:txBody>
       </p:sp>
     </p:spTree>
-    <p:extLst>
-      <p:ext uri="{BB962C8B-B14F-4D97-AF65-F5344CB8AC3E}">
-        <p14:creationId xmlns:p14="http://schemas.microsoft.com/office/powerpoint/2010/main" val="441843685"/>
-      </p:ext>
-    </p:extLst>
   </p:cSld>
   <p:clrMapOvr>
     <a:masterClrMapping/>
@@ -26842,6 +27280,7 @@
               <a:rPr lang="zh-CN" altLang="en-US" dirty="0" smtClean="0"/>
               <a:t>读写文件</a:t>
             </a:r>
+            <a:endParaRPr lang="zh-CN" altLang="en-US" dirty="0" smtClean="0"/>
           </a:p>
         </p:txBody>
       </p:sp>
@@ -26895,6 +27334,12 @@
               </a:rPr>
               <a:t>&gt;0)</a:t>
             </a:r>
+            <a:endParaRPr lang="en-US" altLang="zh-CN" sz="1800" dirty="0">
+              <a:solidFill>
+                <a:srgbClr val="002060"/>
+              </a:solidFill>
+              <a:latin typeface="Consolas" panose="020B0609020204030204" pitchFamily="49" charset="0"/>
+            </a:endParaRPr>
           </a:p>
           <a:p>
             <a:pPr marL="0" indent="0" eaLnBrk="1" hangingPunct="1">
@@ -26909,6 +27354,12 @@
               </a:rPr>
               <a:t>{                        </a:t>
             </a:r>
+            <a:endParaRPr lang="en-US" altLang="zh-CN" sz="1800" dirty="0">
+              <a:solidFill>
+                <a:srgbClr val="002060"/>
+              </a:solidFill>
+              <a:latin typeface="Consolas" panose="020B0609020204030204" pitchFamily="49" charset="0"/>
+            </a:endParaRPr>
           </a:p>
           <a:p>
             <a:pPr marL="0" indent="0" eaLnBrk="1" hangingPunct="1">
@@ -26977,6 +27428,12 @@
               </a:rPr>
               <a:t>);</a:t>
             </a:r>
+            <a:endParaRPr lang="en-US" altLang="zh-CN" sz="1800" dirty="0">
+              <a:solidFill>
+                <a:srgbClr val="002060"/>
+              </a:solidFill>
+              <a:latin typeface="Consolas" panose="020B0609020204030204" pitchFamily="49" charset="0"/>
+            </a:endParaRPr>
           </a:p>
           <a:p>
             <a:pPr marL="0" indent="0" eaLnBrk="1" hangingPunct="1">
@@ -27054,6 +27511,12 @@
               </a:rPr>
               <a:t>, 0, 100000);</a:t>
             </a:r>
+            <a:endParaRPr lang="en-US" altLang="zh-CN" sz="1800" dirty="0">
+              <a:solidFill>
+                <a:srgbClr val="002060"/>
+              </a:solidFill>
+              <a:latin typeface="Consolas" panose="020B0609020204030204" pitchFamily="49" charset="0"/>
+            </a:endParaRPr>
           </a:p>
           <a:p>
             <a:pPr marL="0" indent="0" eaLnBrk="1" hangingPunct="1">
@@ -27068,6 +27531,12 @@
               </a:rPr>
               <a:t>}</a:t>
             </a:r>
+            <a:endParaRPr lang="en-US" altLang="zh-CN" sz="1800" dirty="0">
+              <a:solidFill>
+                <a:srgbClr val="002060"/>
+              </a:solidFill>
+              <a:latin typeface="Consolas" panose="020B0609020204030204" pitchFamily="49" charset="0"/>
+            </a:endParaRPr>
           </a:p>
         </p:txBody>
       </p:sp>
@@ -27109,11 +27578,6 @@
         </p:txBody>
       </p:sp>
     </p:spTree>
-    <p:extLst>
-      <p:ext uri="{BB962C8B-B14F-4D97-AF65-F5344CB8AC3E}">
-        <p14:creationId xmlns:p14="http://schemas.microsoft.com/office/powerpoint/2010/main" val="2998421250"/>
-      </p:ext>
-    </p:extLst>
   </p:cSld>
   <p:clrMapOvr>
     <a:masterClrMapping/>
@@ -27170,6 +27634,7 @@
               <a:rPr lang="zh-CN" altLang="en-US" dirty="0" smtClean="0"/>
               <a:t>文件合并项目</a:t>
             </a:r>
+            <a:endParaRPr lang="zh-CN" altLang="en-US" dirty="0" smtClean="0"/>
           </a:p>
         </p:txBody>
       </p:sp>
@@ -27182,7 +27647,7 @@
           <p:nvPr/>
         </p:nvPicPr>
         <p:blipFill>
-          <a:blip r:embed="rId2">
+          <a:blip r:embed="rId1">
             <a:extLst>
               <a:ext uri="{28A0092B-C50C-407E-A947-70E740481C1C}">
                 <a14:useLocalDpi xmlns:a14="http://schemas.microsoft.com/office/drawing/2010/main" val="0"/>
@@ -27228,11 +27693,6 @@
         </p:spPr>
       </p:pic>
     </p:spTree>
-    <p:extLst>
-      <p:ext uri="{BB962C8B-B14F-4D97-AF65-F5344CB8AC3E}">
-        <p14:creationId xmlns:p14="http://schemas.microsoft.com/office/powerpoint/2010/main" val="2724401014"/>
-      </p:ext>
-    </p:extLst>
   </p:cSld>
   <p:clrMapOvr>
     <a:masterClrMapping/>
@@ -27289,6 +27749,7 @@
               <a:rPr lang="zh-CN" altLang="en-US" dirty="0"/>
               <a:t>思考与练习</a:t>
             </a:r>
+            <a:endParaRPr lang="zh-CN" altLang="en-US" dirty="0"/>
           </a:p>
         </p:txBody>
       </p:sp>
@@ -27323,11 +27784,18 @@
                 <a:solidFill>
                   <a:srgbClr val="002060"/>
                 </a:solidFill>
-                <a:latin typeface="微软雅黑" panose="020B0503020204020204" pitchFamily="34" charset="-122"/>
-                <a:ea typeface="微软雅黑" panose="020B0503020204020204" pitchFamily="34" charset="-122"/>
+                <a:latin typeface="微软雅黑" panose="020B0503020204020204" charset="-122"/>
+                <a:ea typeface="微软雅黑" panose="020B0503020204020204" charset="-122"/>
               </a:rPr>
               <a:t>本程序可以合并文本文件，可以用于合并其它类型的文件么，比如位图文件</a:t>
             </a:r>
+            <a:endParaRPr lang="zh-CN" altLang="en-US" sz="1800" dirty="0">
+              <a:solidFill>
+                <a:srgbClr val="002060"/>
+              </a:solidFill>
+              <a:latin typeface="微软雅黑" panose="020B0503020204020204" charset="-122"/>
+              <a:ea typeface="微软雅黑" panose="020B0503020204020204" charset="-122"/>
+            </a:endParaRPr>
           </a:p>
           <a:p>
             <a:pPr eaLnBrk="1" hangingPunct="1">
@@ -27339,8 +27807,8 @@
                 <a:solidFill>
                   <a:srgbClr val="002060"/>
                 </a:solidFill>
-                <a:latin typeface="微软雅黑" panose="020B0503020204020204" pitchFamily="34" charset="-122"/>
-                <a:ea typeface="微软雅黑" panose="020B0503020204020204" pitchFamily="34" charset="-122"/>
+                <a:latin typeface="微软雅黑" panose="020B0503020204020204" charset="-122"/>
+                <a:ea typeface="微软雅黑" panose="020B0503020204020204" charset="-122"/>
               </a:rPr>
               <a:t>使用</a:t>
             </a:r>
@@ -27349,8 +27817,8 @@
                 <a:solidFill>
                   <a:srgbClr val="002060"/>
                 </a:solidFill>
-                <a:latin typeface="微软雅黑" panose="020B0503020204020204" pitchFamily="34" charset="-122"/>
-                <a:ea typeface="微软雅黑" panose="020B0503020204020204" pitchFamily="34" charset="-122"/>
+                <a:latin typeface="微软雅黑" panose="020B0503020204020204" charset="-122"/>
+                <a:ea typeface="微软雅黑" panose="020B0503020204020204" charset="-122"/>
               </a:rPr>
               <a:t>MFC</a:t>
             </a:r>
@@ -27359,8 +27827,8 @@
                 <a:solidFill>
                   <a:srgbClr val="002060"/>
                 </a:solidFill>
-                <a:latin typeface="微软雅黑" panose="020B0503020204020204" pitchFamily="34" charset="-122"/>
-                <a:ea typeface="微软雅黑" panose="020B0503020204020204" pitchFamily="34" charset="-122"/>
+                <a:latin typeface="微软雅黑" panose="020B0503020204020204" charset="-122"/>
+                <a:ea typeface="微软雅黑" panose="020B0503020204020204" charset="-122"/>
               </a:rPr>
               <a:t>的</a:t>
             </a:r>
@@ -27369,8 +27837,8 @@
                 <a:solidFill>
                   <a:srgbClr val="002060"/>
                 </a:solidFill>
-                <a:latin typeface="微软雅黑" panose="020B0503020204020204" pitchFamily="34" charset="-122"/>
-                <a:ea typeface="微软雅黑" panose="020B0503020204020204" pitchFamily="34" charset="-122"/>
+                <a:latin typeface="微软雅黑" panose="020B0503020204020204" charset="-122"/>
+                <a:ea typeface="微软雅黑" panose="020B0503020204020204" charset="-122"/>
               </a:rPr>
               <a:t>CImage</a:t>
             </a:r>
@@ -27379,8 +27847,8 @@
                 <a:solidFill>
                   <a:srgbClr val="002060"/>
                 </a:solidFill>
-                <a:latin typeface="微软雅黑" panose="020B0503020204020204" pitchFamily="34" charset="-122"/>
-                <a:ea typeface="微软雅黑" panose="020B0503020204020204" pitchFamily="34" charset="-122"/>
+                <a:latin typeface="微软雅黑" panose="020B0503020204020204" charset="-122"/>
+                <a:ea typeface="微软雅黑" panose="020B0503020204020204" charset="-122"/>
               </a:rPr>
               <a:t>类合并多</a:t>
             </a:r>
@@ -27389,8 +27857,8 @@
                 <a:solidFill>
                   <a:srgbClr val="002060"/>
                 </a:solidFill>
-                <a:latin typeface="微软雅黑" panose="020B0503020204020204" pitchFamily="34" charset="-122"/>
-                <a:ea typeface="微软雅黑" panose="020B0503020204020204" pitchFamily="34" charset="-122"/>
+                <a:latin typeface="微软雅黑" panose="020B0503020204020204" charset="-122"/>
+                <a:ea typeface="微软雅黑" panose="020B0503020204020204" charset="-122"/>
               </a:rPr>
               <a:t>幅</a:t>
             </a:r>
@@ -27399,8 +27867,8 @@
                 <a:solidFill>
                   <a:srgbClr val="002060"/>
                 </a:solidFill>
-                <a:latin typeface="微软雅黑" panose="020B0503020204020204" pitchFamily="34" charset="-122"/>
-                <a:ea typeface="微软雅黑" panose="020B0503020204020204" pitchFamily="34" charset="-122"/>
+                <a:latin typeface="微软雅黑" panose="020B0503020204020204" charset="-122"/>
+                <a:ea typeface="微软雅黑" panose="020B0503020204020204" charset="-122"/>
               </a:rPr>
               <a:t>图片</a:t>
             </a:r>
@@ -27408,18 +27876,13 @@
               <a:solidFill>
                 <a:srgbClr val="002060"/>
               </a:solidFill>
-              <a:latin typeface="微软雅黑" panose="020B0503020204020204" pitchFamily="34" charset="-122"/>
-              <a:ea typeface="微软雅黑" panose="020B0503020204020204" pitchFamily="34" charset="-122"/>
+              <a:latin typeface="微软雅黑" panose="020B0503020204020204" charset="-122"/>
+              <a:ea typeface="微软雅黑" panose="020B0503020204020204" charset="-122"/>
             </a:endParaRPr>
           </a:p>
         </p:txBody>
       </p:sp>
     </p:spTree>
-    <p:extLst>
-      <p:ext uri="{BB962C8B-B14F-4D97-AF65-F5344CB8AC3E}">
-        <p14:creationId xmlns:p14="http://schemas.microsoft.com/office/powerpoint/2010/main" val="2375382283"/>
-      </p:ext>
-    </p:extLst>
   </p:cSld>
   <p:clrMapOvr>
     <a:masterClrMapping/>
@@ -28368,7 +28831,7 @@
           <p:nvPr/>
         </p:nvPicPr>
         <p:blipFill>
-          <a:blip r:embed="rId3"/>
+          <a:blip r:embed="rId1"/>
           <a:stretch>
             <a:fillRect/>
           </a:stretch>
@@ -28384,11 +28847,6 @@
         </p:spPr>
       </p:pic>
     </p:spTree>
-    <p:extLst>
-      <p:ext uri="{BB962C8B-B14F-4D97-AF65-F5344CB8AC3E}">
-        <p14:creationId xmlns:p14="http://schemas.microsoft.com/office/powerpoint/2010/main" val="2136481187"/>
-      </p:ext>
-    </p:extLst>
   </p:cSld>
   <p:clrMapOvr>
     <a:masterClrMapping/>
@@ -28742,6 +29200,13 @@
               </a:rPr>
               <a:t>Win 10 SDK</a:t>
             </a:r>
+            <a:endParaRPr lang="en-US" altLang="zh-CN" sz="2800" b="1" dirty="0" smtClean="0">
+              <a:solidFill>
+                <a:schemeClr val="accent2">
+                  <a:lumMod val="50000"/>
+                </a:schemeClr>
+              </a:solidFill>
+            </a:endParaRPr>
           </a:p>
           <a:p>
             <a:pPr lvl="1">
@@ -28768,6 +29233,13 @@
               </a:rPr>
               <a:t>Visual Studio Installer</a:t>
             </a:r>
+            <a:endParaRPr lang="en-US" altLang="zh-CN" sz="1800" b="1" dirty="0" smtClean="0">
+              <a:solidFill>
+                <a:schemeClr val="accent2">
+                  <a:lumMod val="50000"/>
+                </a:schemeClr>
+              </a:solidFill>
+            </a:endParaRPr>
           </a:p>
           <a:p>
             <a:pPr lvl="1">
@@ -28814,6 +29286,13 @@
               </a:rPr>
               <a:t>】</a:t>
             </a:r>
+            <a:endParaRPr lang="en-US" altLang="zh-CN" sz="1800" b="1" dirty="0" smtClean="0">
+              <a:solidFill>
+                <a:schemeClr val="accent2">
+                  <a:lumMod val="50000"/>
+                </a:schemeClr>
+              </a:solidFill>
+            </a:endParaRPr>
           </a:p>
           <a:p>
             <a:pPr lvl="1">
@@ -28951,7 +29430,7 @@
           <p:nvPr/>
         </p:nvPicPr>
         <p:blipFill>
-          <a:blip r:embed="rId3" cstate="print">
+          <a:blip r:embed="rId1" cstate="print">
             <a:extLst>
               <a:ext uri="{28A0092B-C50C-407E-A947-70E740481C1C}">
                 <a14:useLocalDpi xmlns:a14="http://schemas.microsoft.com/office/drawing/2010/main" val="0"/>
@@ -28981,7 +29460,7 @@
           <p:nvPr/>
         </p:nvPicPr>
         <p:blipFill>
-          <a:blip r:embed="rId4">
+          <a:blip r:embed="rId2">
             <a:extLst>
               <a:ext uri="{28A0092B-C50C-407E-A947-70E740481C1C}">
                 <a14:useLocalDpi xmlns:a14="http://schemas.microsoft.com/office/drawing/2010/main" val="0"/>
@@ -29003,11 +29482,6 @@
         </p:spPr>
       </p:pic>
     </p:spTree>
-    <p:extLst>
-      <p:ext uri="{BB962C8B-B14F-4D97-AF65-F5344CB8AC3E}">
-        <p14:creationId xmlns:p14="http://schemas.microsoft.com/office/powerpoint/2010/main" val="172589518"/>
-      </p:ext>
-    </p:extLst>
   </p:cSld>
   <p:clrMapOvr>
     <a:masterClrMapping/>
@@ -29430,6 +29904,13 @@
               </a:rPr>
               <a:t>Win 10 SDK</a:t>
             </a:r>
+            <a:endParaRPr lang="en-US" altLang="zh-CN" sz="2800" b="1" dirty="0" smtClean="0">
+              <a:solidFill>
+                <a:schemeClr val="accent2">
+                  <a:lumMod val="50000"/>
+                </a:schemeClr>
+              </a:solidFill>
+            </a:endParaRPr>
           </a:p>
           <a:p>
             <a:pPr>
@@ -29466,6 +29947,13 @@
               </a:rPr>
               <a:t>UWP Project</a:t>
             </a:r>
+            <a:endParaRPr lang="en-US" altLang="zh-CN" sz="2800" b="1" dirty="0" smtClean="0">
+              <a:solidFill>
+                <a:schemeClr val="accent2">
+                  <a:lumMod val="50000"/>
+                </a:schemeClr>
+              </a:solidFill>
+            </a:endParaRPr>
           </a:p>
           <a:p>
             <a:pPr>
@@ -29589,7 +30077,7 @@
           <p:nvPr/>
         </p:nvPicPr>
         <p:blipFill>
-          <a:blip r:embed="rId3">
+          <a:blip r:embed="rId1">
             <a:extLst>
               <a:ext uri="{28A0092B-C50C-407E-A947-70E740481C1C}">
                 <a14:useLocalDpi xmlns:a14="http://schemas.microsoft.com/office/drawing/2010/main" val="0"/>
@@ -29619,7 +30107,7 @@
           <p:nvPr/>
         </p:nvPicPr>
         <p:blipFill>
-          <a:blip r:embed="rId4">
+          <a:blip r:embed="rId2">
             <a:extLst>
               <a:ext uri="{28A0092B-C50C-407E-A947-70E740481C1C}">
                 <a14:useLocalDpi xmlns:a14="http://schemas.microsoft.com/office/drawing/2010/main" val="0"/>
@@ -29641,11 +30129,6 @@
         </p:spPr>
       </p:pic>
     </p:spTree>
-    <p:extLst>
-      <p:ext uri="{BB962C8B-B14F-4D97-AF65-F5344CB8AC3E}">
-        <p14:creationId xmlns:p14="http://schemas.microsoft.com/office/powerpoint/2010/main" val="3165124904"/>
-      </p:ext>
-    </p:extLst>
   </p:cSld>
   <p:clrMapOvr>
     <a:masterClrMapping/>
@@ -30250,6 +30733,13 @@
               </a:rPr>
               <a:t>使用的资源的位置。</a:t>
             </a:r>
+            <a:endParaRPr lang="zh-CN" altLang="en-US" sz="1400" b="1" dirty="0">
+              <a:solidFill>
+                <a:schemeClr val="accent2">
+                  <a:lumMod val="50000"/>
+                </a:schemeClr>
+              </a:solidFill>
+            </a:endParaRPr>
           </a:p>
           <a:p>
             <a:pPr lvl="1">
@@ -30456,6 +30946,13 @@
               </a:rPr>
               <a:t>文件中声明的元素。</a:t>
             </a:r>
+            <a:endParaRPr lang="zh-CN" altLang="en-US" sz="1400" b="1" dirty="0">
+              <a:solidFill>
+                <a:schemeClr val="accent2">
+                  <a:lumMod val="50000"/>
+                </a:schemeClr>
+              </a:solidFill>
+            </a:endParaRPr>
           </a:p>
           <a:p>
             <a:pPr lvl="1">
@@ -30492,6 +30989,13 @@
               </a:rPr>
               <a:t>是应用的入口点。</a:t>
             </a:r>
+            <a:endParaRPr lang="zh-CN" altLang="en-US" sz="1400" b="1" dirty="0">
+              <a:solidFill>
+                <a:schemeClr val="accent2">
+                  <a:lumMod val="50000"/>
+                </a:schemeClr>
+              </a:solidFill>
+            </a:endParaRPr>
           </a:p>
           <a:p>
             <a:pPr lvl="1">
@@ -30674,6 +31178,13 @@
               </a:rPr>
               <a:t>提供的设计工具。</a:t>
             </a:r>
+            <a:endParaRPr lang="zh-CN" altLang="en-US" sz="1400" b="1" dirty="0">
+              <a:solidFill>
+                <a:schemeClr val="accent2">
+                  <a:lumMod val="50000"/>
+                </a:schemeClr>
+              </a:solidFill>
+            </a:endParaRPr>
           </a:p>
           <a:p>
             <a:pPr lvl="1">
@@ -30740,6 +31251,13 @@
               </a:rPr>
               <a:t>的代码隐藏页面。 你可以在其中添加应用逻辑和事件处理程序。</a:t>
             </a:r>
+            <a:endParaRPr lang="zh-CN" altLang="en-US" sz="1400" b="1" dirty="0">
+              <a:solidFill>
+                <a:schemeClr val="accent2">
+                  <a:lumMod val="50000"/>
+                </a:schemeClr>
+              </a:solidFill>
+            </a:endParaRPr>
           </a:p>
           <a:p>
             <a:pPr lvl="1">
@@ -30892,6 +31410,13 @@
               </a:rPr>
               <a:t>描述应用的清单文件：应用的名称、描述、磁贴、起始页等等。</a:t>
             </a:r>
+            <a:endParaRPr lang="zh-CN" altLang="en-US" sz="1600" b="1" dirty="0">
+              <a:solidFill>
+                <a:schemeClr val="accent2">
+                  <a:lumMod val="50000"/>
+                </a:schemeClr>
+              </a:solidFill>
+            </a:endParaRPr>
           </a:p>
           <a:p>
             <a:pPr lvl="1">
@@ -31012,7 +31537,7 @@
           <p:nvPr/>
         </p:nvPicPr>
         <p:blipFill>
-          <a:blip r:embed="rId3">
+          <a:blip r:embed="rId1">
             <a:extLst>
               <a:ext uri="{28A0092B-C50C-407E-A947-70E740481C1C}">
                 <a14:useLocalDpi xmlns:a14="http://schemas.microsoft.com/office/drawing/2010/main" val="0"/>
@@ -31042,7 +31567,7 @@
           <p:nvPr/>
         </p:nvPicPr>
         <p:blipFill>
-          <a:blip r:embed="rId4">
+          <a:blip r:embed="rId2">
             <a:extLst>
               <a:ext uri="{28A0092B-C50C-407E-A947-70E740481C1C}">
                 <a14:useLocalDpi xmlns:a14="http://schemas.microsoft.com/office/drawing/2010/main" val="0"/>
@@ -31064,11 +31589,6 @@
         </p:spPr>
       </p:pic>
     </p:spTree>
-    <p:extLst>
-      <p:ext uri="{BB962C8B-B14F-4D97-AF65-F5344CB8AC3E}">
-        <p14:creationId xmlns:p14="http://schemas.microsoft.com/office/powerpoint/2010/main" val="2637752935"/>
-      </p:ext>
-    </p:extLst>
   </p:cSld>
   <p:clrMapOvr>
     <a:masterClrMapping/>
@@ -31344,7 +31864,6 @@
             </a:pPr>
             <a:fld id="{8898D075-5ADB-4173-AB5A-B55D3C8574C1}" type="slidenum">
               <a:rPr lang="zh-CN" altLang="en-US"/>
-              <a:t>5</a:t>
             </a:fld>
             <a:endParaRPr lang="en-US" altLang="zh-CN"/>
           </a:p>
@@ -31381,6 +31900,7 @@
               <a:rPr lang="zh-CN" altLang="en-US" dirty="0" smtClean="0"/>
               <a:t>的发展</a:t>
             </a:r>
+            <a:endParaRPr lang="zh-CN" altLang="en-US" dirty="0" smtClean="0"/>
           </a:p>
         </p:txBody>
       </p:sp>
@@ -31529,6 +32049,13 @@
               </a:rPr>
               <a:t>    ML, Fluent Design System, Mix Reality</a:t>
             </a:r>
+            <a:endParaRPr lang="en-US" altLang="zh-CN" b="1" dirty="0" smtClean="0">
+              <a:solidFill>
+                <a:schemeClr val="accent2">
+                  <a:lumMod val="50000"/>
+                </a:schemeClr>
+              </a:solidFill>
+            </a:endParaRPr>
           </a:p>
           <a:p>
             <a:pPr>
@@ -32508,7 +33035,7 @@
           <p:nvPr/>
         </p:nvPicPr>
         <p:blipFill>
-          <a:blip r:embed="rId3">
+          <a:blip r:embed="rId1">
             <a:extLst>
               <a:ext uri="{28A0092B-C50C-407E-A947-70E740481C1C}">
                 <a14:useLocalDpi xmlns:a14="http://schemas.microsoft.com/office/drawing/2010/main" val="0"/>
@@ -32538,7 +33065,7 @@
           <p:nvPr/>
         </p:nvPicPr>
         <p:blipFill>
-          <a:blip r:embed="rId4">
+          <a:blip r:embed="rId2">
             <a:extLst>
               <a:ext uri="{28A0092B-C50C-407E-A947-70E740481C1C}">
                 <a14:useLocalDpi xmlns:a14="http://schemas.microsoft.com/office/drawing/2010/main" val="0"/>
@@ -32560,11 +33087,6 @@
         </p:spPr>
       </p:pic>
     </p:spTree>
-    <p:extLst>
-      <p:ext uri="{BB962C8B-B14F-4D97-AF65-F5344CB8AC3E}">
-        <p14:creationId xmlns:p14="http://schemas.microsoft.com/office/powerpoint/2010/main" val="1726261004"/>
-      </p:ext>
-    </p:extLst>
   </p:cSld>
   <p:clrMapOvr>
     <a:masterClrMapping/>
@@ -33179,6 +33701,13 @@
               </a:rPr>
               <a:t>e )</a:t>
             </a:r>
+            <a:endParaRPr lang="en-US" altLang="zh-CN" sz="1400" b="1" dirty="0" smtClean="0">
+              <a:solidFill>
+                <a:schemeClr val="accent2">
+                  <a:lumMod val="50000"/>
+                </a:schemeClr>
+              </a:solidFill>
+            </a:endParaRPr>
           </a:p>
           <a:p>
             <a:pPr lvl="1">
@@ -33420,6 +33949,13 @@
               </a:rPr>
               <a:t>F7</a:t>
             </a:r>
+            <a:endParaRPr lang="en-US" altLang="zh-CN" sz="1800" b="1" dirty="0" smtClean="0">
+              <a:solidFill>
+                <a:schemeClr val="accent2">
+                  <a:lumMod val="50000"/>
+                </a:schemeClr>
+              </a:solidFill>
+            </a:endParaRPr>
           </a:p>
           <a:p>
             <a:pPr lvl="1">
@@ -33740,27 +34276,6 @@
               </a:rPr>
               <a:t> e)</a:t>
             </a:r>
-          </a:p>
-          <a:p>
-            <a:pPr algn="l"/>
-            <a:r>
-              <a:rPr lang="zh-CN" altLang="en-US" sz="900" dirty="0">
-                <a:solidFill>
-                  <a:srgbClr val="000000"/>
-                </a:solidFill>
-                <a:latin typeface="Consolas" panose="020B0609020204030204" pitchFamily="49" charset="0"/>
-              </a:rPr>
-              <a:t> </a:t>
-            </a:r>
-            <a:r>
-              <a:rPr lang="en-US" altLang="zh-CN" sz="900" dirty="0" smtClean="0">
-                <a:solidFill>
-                  <a:srgbClr val="000000"/>
-                </a:solidFill>
-                <a:latin typeface="Consolas" panose="020B0609020204030204" pitchFamily="49" charset="0"/>
-              </a:rPr>
-              <a:t>{</a:t>
-            </a:r>
             <a:endParaRPr lang="en-US" altLang="zh-CN" sz="900" dirty="0">
               <a:solidFill>
                 <a:srgbClr val="000000"/>
@@ -33769,6 +34284,33 @@
             </a:endParaRPr>
           </a:p>
           <a:p>
+            <a:pPr algn="l"/>
+            <a:r>
+              <a:rPr lang="zh-CN" altLang="en-US" sz="900" dirty="0">
+                <a:solidFill>
+                  <a:srgbClr val="000000"/>
+                </a:solidFill>
+                <a:latin typeface="Consolas" panose="020B0609020204030204" pitchFamily="49" charset="0"/>
+              </a:rPr>
+              <a:t> </a:t>
+            </a:r>
+            <a:r>
+              <a:rPr lang="en-US" altLang="zh-CN" sz="900" dirty="0" smtClean="0">
+                <a:solidFill>
+                  <a:srgbClr val="000000"/>
+                </a:solidFill>
+                <a:latin typeface="Consolas" panose="020B0609020204030204" pitchFamily="49" charset="0"/>
+              </a:rPr>
+              <a:t>{</a:t>
+            </a:r>
+            <a:endParaRPr lang="en-US" altLang="zh-CN" sz="900" dirty="0">
+              <a:solidFill>
+                <a:srgbClr val="000000"/>
+              </a:solidFill>
+              <a:latin typeface="Consolas" panose="020B0609020204030204" pitchFamily="49" charset="0"/>
+            </a:endParaRPr>
+          </a:p>
+          <a:p>
             <a:pPr lvl="1" algn="l"/>
             <a:r>
               <a:rPr lang="en-US" altLang="zh-CN" sz="900" dirty="0" err="1" smtClean="0">
@@ -33839,6 +34381,12 @@
               </a:rPr>
               <a:t>();</a:t>
             </a:r>
+            <a:endParaRPr lang="en-US" altLang="zh-CN" sz="900" dirty="0">
+              <a:solidFill>
+                <a:srgbClr val="000000"/>
+              </a:solidFill>
+              <a:latin typeface="Consolas" panose="020B0609020204030204" pitchFamily="49" charset="0"/>
+            </a:endParaRPr>
           </a:p>
           <a:p>
             <a:pPr lvl="1" algn="l"/>
@@ -33899,6 +34447,12 @@
               </a:rPr>
               <a:t>();</a:t>
             </a:r>
+            <a:endParaRPr lang="en-US" altLang="zh-CN" sz="900" dirty="0">
+              <a:solidFill>
+                <a:srgbClr val="000000"/>
+              </a:solidFill>
+              <a:latin typeface="Consolas" panose="020B0609020204030204" pitchFamily="49" charset="0"/>
+            </a:endParaRPr>
           </a:p>
           <a:p>
             <a:pPr lvl="1" algn="l"/>
@@ -33989,6 +34543,12 @@
               </a:rPr>
               <a:t>);</a:t>
             </a:r>
+            <a:endParaRPr lang="en-US" altLang="zh-CN" sz="900" dirty="0">
+              <a:solidFill>
+                <a:srgbClr val="000000"/>
+              </a:solidFill>
+              <a:latin typeface="Consolas" panose="020B0609020204030204" pitchFamily="49" charset="0"/>
+            </a:endParaRPr>
           </a:p>
           <a:p>
             <a:pPr lvl="1" algn="l"/>
@@ -34037,6 +34597,12 @@
               </a:rPr>
               <a:t>);</a:t>
             </a:r>
+            <a:endParaRPr lang="en-US" altLang="zh-CN" sz="900" dirty="0">
+              <a:solidFill>
+                <a:srgbClr val="000000"/>
+              </a:solidFill>
+              <a:latin typeface="Consolas" panose="020B0609020204030204" pitchFamily="49" charset="0"/>
+            </a:endParaRPr>
           </a:p>
           <a:p>
             <a:pPr lvl="1" algn="l"/>
@@ -34058,6 +34624,12 @@
               </a:rPr>
               <a:t>();</a:t>
             </a:r>
+            <a:endParaRPr lang="en-US" altLang="zh-CN" sz="900" dirty="0">
+              <a:solidFill>
+                <a:srgbClr val="000000"/>
+              </a:solidFill>
+              <a:latin typeface="Consolas" panose="020B0609020204030204" pitchFamily="49" charset="0"/>
+            </a:endParaRPr>
           </a:p>
           <a:p>
             <a:pPr algn="l"/>
@@ -34092,7 +34664,7 @@
           <p:nvPr/>
         </p:nvPicPr>
         <p:blipFill>
-          <a:blip r:embed="rId3">
+          <a:blip r:embed="rId1">
             <a:extLst>
               <a:ext uri="{28A0092B-C50C-407E-A947-70E740481C1C}">
                 <a14:useLocalDpi xmlns:a14="http://schemas.microsoft.com/office/drawing/2010/main" val="0"/>
@@ -34122,7 +34694,7 @@
           <p:nvPr/>
         </p:nvPicPr>
         <p:blipFill>
-          <a:blip r:embed="rId4">
+          <a:blip r:embed="rId2">
             <a:extLst>
               <a:ext uri="{28A0092B-C50C-407E-A947-70E740481C1C}">
                 <a14:useLocalDpi xmlns:a14="http://schemas.microsoft.com/office/drawing/2010/main" val="0"/>
@@ -34302,6 +34874,7 @@
                 <a:rPr lang="en-US" altLang="zh-CN" sz="1800" dirty="0" smtClean="0"/>
                 <a:t>Voice synthesis</a:t>
               </a:r>
+              <a:endParaRPr lang="en-US" altLang="zh-CN" sz="1800" dirty="0" smtClean="0"/>
             </a:p>
             <a:p>
               <a:pPr algn="l"/>
@@ -34354,11 +34927,6 @@
         </p:sp>
       </p:grpSp>
     </p:spTree>
-    <p:extLst>
-      <p:ext uri="{BB962C8B-B14F-4D97-AF65-F5344CB8AC3E}">
-        <p14:creationId xmlns:p14="http://schemas.microsoft.com/office/powerpoint/2010/main" val="680845385"/>
-      </p:ext>
-    </p:extLst>
   </p:cSld>
   <p:clrMapOvr>
     <a:masterClrMapping/>
@@ -34992,6 +35560,13 @@
               </a:rPr>
               <a:t>://www.microsoft.com/design/fluent/</a:t>
             </a:r>
+            <a:endParaRPr lang="en-US" altLang="zh-CN" sz="1800" b="1" dirty="0">
+              <a:solidFill>
+                <a:schemeClr val="accent2">
+                  <a:lumMod val="50000"/>
+                </a:schemeClr>
+              </a:solidFill>
+            </a:endParaRPr>
           </a:p>
           <a:p>
             <a:pPr lvl="1">
@@ -35439,11 +36014,6 @@
         </p:txBody>
       </p:sp>
     </p:spTree>
-    <p:extLst>
-      <p:ext uri="{BB962C8B-B14F-4D97-AF65-F5344CB8AC3E}">
-        <p14:creationId xmlns:p14="http://schemas.microsoft.com/office/powerpoint/2010/main" val="357591402"/>
-      </p:ext>
-    </p:extLst>
   </p:cSld>
   <p:clrMapOvr>
     <a:masterClrMapping/>
@@ -36163,11 +36733,6 @@
         </p:txBody>
       </p:sp>
     </p:spTree>
-    <p:extLst>
-      <p:ext uri="{BB962C8B-B14F-4D97-AF65-F5344CB8AC3E}">
-        <p14:creationId xmlns:p14="http://schemas.microsoft.com/office/powerpoint/2010/main" val="3265599949"/>
-      </p:ext>
-    </p:extLst>
   </p:cSld>
   <p:clrMapOvr>
     <a:masterClrMapping/>
@@ -36415,6 +36980,13 @@
               </a:rPr>
               <a:t>   texture synthesis</a:t>
             </a:r>
+            <a:endParaRPr lang="en-US" altLang="zh-CN" sz="2800" b="1" dirty="0" smtClean="0">
+              <a:solidFill>
+                <a:schemeClr val="accent2">
+                  <a:lumMod val="50000"/>
+                </a:schemeClr>
+              </a:solidFill>
+            </a:endParaRPr>
           </a:p>
           <a:p>
             <a:pPr lvl="1">
@@ -36580,6 +37152,13 @@
               </a:rPr>
               <a:t>speech synthesis</a:t>
             </a:r>
+            <a:endParaRPr lang="en-US" altLang="zh-CN" sz="2800" b="1" dirty="0" smtClean="0">
+              <a:solidFill>
+                <a:schemeClr val="accent2">
+                  <a:lumMod val="50000"/>
+                </a:schemeClr>
+              </a:solidFill>
+            </a:endParaRPr>
           </a:p>
           <a:p>
             <a:pPr lvl="1">
@@ -36976,11 +37555,6 @@
         </p:txBody>
       </p:sp>
     </p:spTree>
-    <p:extLst>
-      <p:ext uri="{BB962C8B-B14F-4D97-AF65-F5344CB8AC3E}">
-        <p14:creationId xmlns:p14="http://schemas.microsoft.com/office/powerpoint/2010/main" val="2782939110"/>
-      </p:ext>
-    </p:extLst>
   </p:cSld>
   <p:clrMapOvr>
     <a:masterClrMapping/>
@@ -37343,17 +37917,7 @@
                   </a:schemeClr>
                 </a:solidFill>
               </a:rPr>
-              <a:t>   </a:t>
-            </a:r>
-            <a:r>
-              <a:rPr lang="en-US" altLang="zh-CN" sz="2800" b="1" dirty="0" smtClean="0">
-                <a:solidFill>
-                  <a:schemeClr val="accent2">
-                    <a:lumMod val="50000"/>
-                  </a:schemeClr>
-                </a:solidFill>
-              </a:rPr>
-              <a:t>WINDOWS</a:t>
+              <a:t>   WINDOWS</a:t>
             </a:r>
             <a:r>
               <a:rPr lang="zh-CN" altLang="en-US" sz="2800" b="1" dirty="0" smtClean="0">
@@ -37564,6 +38128,13 @@
               </a:rPr>
               <a:t>Gray</a:t>
             </a:r>
+            <a:endParaRPr lang="en-US" altLang="zh-CN" sz="1800" b="1" dirty="0" smtClean="0">
+              <a:solidFill>
+                <a:schemeClr val="accent2">
+                  <a:lumMod val="50000"/>
+                </a:schemeClr>
+              </a:solidFill>
+            </a:endParaRPr>
           </a:p>
           <a:p>
             <a:pPr lvl="1">
@@ -37885,15 +38456,7 @@
                   <a:schemeClr val="bg1"/>
                 </a:solidFill>
               </a:rPr>
-              <a:t>综合实验</a:t>
-            </a:r>
-            <a:r>
-              <a:rPr lang="zh-CN" altLang="en-US" dirty="0" smtClean="0">
-                <a:solidFill>
-                  <a:schemeClr val="bg1"/>
-                </a:solidFill>
-              </a:rPr>
-              <a:t>报告若包含算法或新技术</a:t>
+              <a:t>综合实验报告若包含算法或新技术</a:t>
             </a:r>
             <a:endParaRPr lang="en-US" altLang="zh-CN" dirty="0" smtClean="0">
               <a:solidFill>
@@ -37971,15 +38534,26 @@
               </a:rPr>
               <a:t>难点</a:t>
             </a:r>
+            <a:endParaRPr lang="zh-CN" altLang="en-US" sz="4400" dirty="0">
+              <a:gradFill rotWithShape="0">
+                <a:gsLst>
+                  <a:gs pos="0">
+                    <a:srgbClr val="FFE701"/>
+                  </a:gs>
+                  <a:gs pos="100000">
+                    <a:srgbClr val="FE3E02"/>
+                  </a:gs>
+                </a:gsLst>
+                <a:lin ang="5400000" scaled="1"/>
+                <a:tileRect/>
+              </a:gradFill>
+              <a:latin typeface="华文行楷" charset="0"/>
+              <a:ea typeface="华文行楷" charset="0"/>
+            </a:endParaRPr>
           </a:p>
         </p:txBody>
       </p:sp>
     </p:spTree>
-    <p:extLst>
-      <p:ext uri="{BB962C8B-B14F-4D97-AF65-F5344CB8AC3E}">
-        <p14:creationId xmlns:p14="http://schemas.microsoft.com/office/powerpoint/2010/main" val="1279284501"/>
-      </p:ext>
-    </p:extLst>
   </p:cSld>
   <p:clrMapOvr>
     <a:masterClrMapping/>
@@ -38148,7 +38722,6 @@
             </a:pPr>
             <a:fld id="{8898D075-5ADB-4173-AB5A-B55D3C8574C1}" type="slidenum">
               <a:rPr lang="zh-CN" altLang="en-US"/>
-              <a:t>6</a:t>
             </a:fld>
             <a:endParaRPr lang="en-US" altLang="zh-CN"/>
           </a:p>
@@ -38185,6 +38758,7 @@
               <a:rPr lang="zh-CN" altLang="en-US" dirty="0" smtClean="0"/>
               <a:t>的主要特点</a:t>
             </a:r>
+            <a:endParaRPr lang="zh-CN" altLang="en-US" dirty="0" smtClean="0"/>
           </a:p>
         </p:txBody>
       </p:sp>
@@ -38574,6 +39148,14 @@
               </a:rPr>
               <a:t>框架中的类）提供。</a:t>
             </a:r>
+            <a:endParaRPr lang="zh-CN" altLang="zh-CN" sz="2800" dirty="0">
+              <a:solidFill>
+                <a:srgbClr val="3333CC">
+                  <a:lumMod val="50000"/>
+                </a:srgbClr>
+              </a:solidFill>
+              <a:ea typeface="楷体_GB2312" pitchFamily="49" charset="-122"/>
+            </a:endParaRPr>
           </a:p>
         </p:txBody>
       </p:sp>
@@ -38819,7 +39401,6 @@
             </a:pPr>
             <a:fld id="{8898D075-5ADB-4173-AB5A-B55D3C8574C1}" type="slidenum">
               <a:rPr lang="zh-CN" altLang="en-US"/>
-              <a:t>7</a:t>
             </a:fld>
             <a:endParaRPr lang="en-US" altLang="zh-CN"/>
           </a:p>
@@ -38856,6 +39437,7 @@
               <a:rPr lang="zh-CN" altLang="en-US" dirty="0" smtClean="0"/>
               <a:t>的主要特点</a:t>
             </a:r>
+            <a:endParaRPr lang="zh-CN" altLang="en-US" dirty="0" smtClean="0"/>
           </a:p>
         </p:txBody>
       </p:sp>
@@ -38935,7 +39517,7 @@
           <p:nvPr/>
         </p:nvPicPr>
         <p:blipFill>
-          <a:blip r:embed="rId2"/>
+          <a:blip r:embed="rId1"/>
           <a:stretch>
             <a:fillRect/>
           </a:stretch>
@@ -38959,7 +39541,7 @@
           <p:nvPr/>
         </p:nvPicPr>
         <p:blipFill>
-          <a:blip r:embed="rId3"/>
+          <a:blip r:embed="rId2"/>
           <a:stretch>
             <a:fillRect/>
           </a:stretch>
@@ -39562,7 +40144,6 @@
             </a:pPr>
             <a:fld id="{8898D075-5ADB-4173-AB5A-B55D3C8574C1}" type="slidenum">
               <a:rPr lang="zh-CN" altLang="en-US"/>
-              <a:t>8</a:t>
             </a:fld>
             <a:endParaRPr lang="en-US" altLang="zh-CN"/>
           </a:p>
@@ -39599,6 +40180,7 @@
               <a:rPr lang="zh-CN" altLang="en-US" dirty="0" smtClean="0"/>
               <a:t>的主要特点</a:t>
             </a:r>
+            <a:endParaRPr lang="zh-CN" altLang="en-US" dirty="0" smtClean="0"/>
           </a:p>
         </p:txBody>
       </p:sp>
@@ -40128,6 +40710,13 @@
                   </a:rPr>
                   <a:t>用户操作</a:t>
                 </a:r>
+                <a:endParaRPr lang="zh-CN" altLang="en-US" sz="1400" b="1" dirty="0">
+                  <a:solidFill>
+                    <a:schemeClr val="accent6">
+                      <a:lumMod val="75000"/>
+                    </a:schemeClr>
+                  </a:solidFill>
+                </a:endParaRPr>
               </a:p>
               <a:p>
                 <a:pPr algn="ctr"/>
@@ -40141,6 +40730,13 @@
                   </a:rPr>
                   <a:t>系统事件</a:t>
                 </a:r>
+                <a:endParaRPr lang="zh-CN" altLang="en-US" sz="1400" b="1" dirty="0">
+                  <a:solidFill>
+                    <a:schemeClr val="accent6">
+                      <a:lumMod val="75000"/>
+                    </a:schemeClr>
+                  </a:solidFill>
+                </a:endParaRPr>
               </a:p>
             </p:txBody>
           </p:sp>
@@ -40291,6 +40887,13 @@
                   </a:rPr>
                   <a:t>系统消息队列</a:t>
                 </a:r>
+                <a:endParaRPr lang="zh-CN" altLang="en-US" sz="1400" b="1">
+                  <a:solidFill>
+                    <a:schemeClr val="accent6">
+                      <a:lumMod val="75000"/>
+                    </a:schemeClr>
+                  </a:solidFill>
+                </a:endParaRPr>
               </a:p>
             </p:txBody>
           </p:sp>
@@ -41050,6 +41653,13 @@
                   </a:rPr>
                   <a:t>应用程序</a:t>
                 </a:r>
+                <a:endParaRPr lang="zh-CN" altLang="en-US" sz="1400" b="1">
+                  <a:solidFill>
+                    <a:schemeClr val="accent6">
+                      <a:lumMod val="75000"/>
+                    </a:schemeClr>
+                  </a:solidFill>
+                </a:endParaRPr>
               </a:p>
               <a:p>
                 <a:pPr algn="ctr"/>
@@ -41063,6 +41673,13 @@
                   </a:rPr>
                   <a:t>消息处理</a:t>
                 </a:r>
+                <a:endParaRPr lang="zh-CN" altLang="en-US" sz="1400" b="1">
+                  <a:solidFill>
+                    <a:schemeClr val="accent6">
+                      <a:lumMod val="75000"/>
+                    </a:schemeClr>
+                  </a:solidFill>
+                </a:endParaRPr>
               </a:p>
               <a:p>
                 <a:pPr algn="ctr"/>
@@ -41076,6 +41693,13 @@
                   </a:rPr>
                   <a:t>函数</a:t>
                 </a:r>
+                <a:endParaRPr lang="zh-CN" altLang="en-US" sz="1400" b="1">
+                  <a:solidFill>
+                    <a:schemeClr val="accent6">
+                      <a:lumMod val="75000"/>
+                    </a:schemeClr>
+                  </a:solidFill>
+                </a:endParaRPr>
               </a:p>
             </p:txBody>
           </p:sp>
@@ -41282,6 +41906,13 @@
                   </a:rPr>
                   <a:t>1</a:t>
                 </a:r>
+                <a:endParaRPr lang="en-US" altLang="zh-CN" sz="1400" b="1">
+                  <a:solidFill>
+                    <a:schemeClr val="accent6">
+                      <a:lumMod val="75000"/>
+                    </a:schemeClr>
+                  </a:solidFill>
+                </a:endParaRPr>
               </a:p>
             </p:txBody>
           </p:sp>
@@ -41442,6 +42073,13 @@
                   </a:rPr>
                   <a:t>n</a:t>
                 </a:r>
+                <a:endParaRPr lang="en-US" altLang="zh-CN" sz="1400" b="1">
+                  <a:solidFill>
+                    <a:schemeClr val="accent6">
+                      <a:lumMod val="75000"/>
+                    </a:schemeClr>
+                  </a:solidFill>
+                </a:endParaRPr>
               </a:p>
             </p:txBody>
           </p:sp>
@@ -41730,6 +42368,13 @@
                   </a:rPr>
                   <a:t>应用程序</a:t>
                 </a:r>
+                <a:endParaRPr lang="zh-CN" altLang="en-US" sz="1400" b="1">
+                  <a:solidFill>
+                    <a:schemeClr val="accent6">
+                      <a:lumMod val="75000"/>
+                    </a:schemeClr>
+                  </a:solidFill>
+                </a:endParaRPr>
               </a:p>
               <a:p>
                 <a:pPr algn="ctr"/>
@@ -41743,6 +42388,13 @@
                   </a:rPr>
                   <a:t>消息处理</a:t>
                 </a:r>
+                <a:endParaRPr lang="zh-CN" altLang="en-US" sz="1400" b="1">
+                  <a:solidFill>
+                    <a:schemeClr val="accent6">
+                      <a:lumMod val="75000"/>
+                    </a:schemeClr>
+                  </a:solidFill>
+                </a:endParaRPr>
               </a:p>
               <a:p>
                 <a:pPr algn="ctr"/>
@@ -41756,6 +42408,13 @@
                   </a:rPr>
                   <a:t>函数</a:t>
                 </a:r>
+                <a:endParaRPr lang="zh-CN" altLang="en-US" sz="1400" b="1">
+                  <a:solidFill>
+                    <a:schemeClr val="accent6">
+                      <a:lumMod val="75000"/>
+                    </a:schemeClr>
+                  </a:solidFill>
+                </a:endParaRPr>
               </a:p>
             </p:txBody>
           </p:sp>
@@ -41962,6 +42621,13 @@
                   </a:rPr>
                   <a:t>1</a:t>
                 </a:r>
+                <a:endParaRPr lang="en-US" altLang="zh-CN" sz="1400" b="1">
+                  <a:solidFill>
+                    <a:schemeClr val="accent6">
+                      <a:lumMod val="75000"/>
+                    </a:schemeClr>
+                  </a:solidFill>
+                </a:endParaRPr>
               </a:p>
             </p:txBody>
           </p:sp>
@@ -42122,6 +42788,13 @@
                   </a:rPr>
                   <a:t>n</a:t>
                 </a:r>
+                <a:endParaRPr lang="en-US" altLang="zh-CN" sz="1400" b="1">
+                  <a:solidFill>
+                    <a:schemeClr val="accent6">
+                      <a:lumMod val="75000"/>
+                    </a:schemeClr>
+                  </a:solidFill>
+                </a:endParaRPr>
               </a:p>
             </p:txBody>
           </p:sp>
@@ -42317,7 +42990,6 @@
             </a:pPr>
             <a:fld id="{8898D075-5ADB-4173-AB5A-B55D3C8574C1}" type="slidenum">
               <a:rPr lang="zh-CN" altLang="en-US"/>
-              <a:t>9</a:t>
             </a:fld>
             <a:endParaRPr lang="en-US" altLang="zh-CN"/>
           </a:p>
@@ -42354,6 +43026,7 @@
               <a:rPr lang="zh-CN" altLang="en-US" dirty="0" smtClean="0"/>
               <a:t>的主要特点</a:t>
             </a:r>
+            <a:endParaRPr lang="zh-CN" altLang="en-US" dirty="0" smtClean="0"/>
           </a:p>
         </p:txBody>
       </p:sp>
@@ -42742,7 +43415,6 @@
       </a:bgFillStyleLst>
     </a:fmtScheme>
   </a:themeElements>
-  <a:objectDefaults/>
   <a:extraClrSchemeLst>
     <a:extraClrScheme>
       <a:clrScheme name="">
@@ -43320,8 +43992,6 @@
       </a:bgFillStyleLst>
     </a:fmtScheme>
   </a:themeElements>
-  <a:objectDefaults/>
-  <a:extraClrSchemeLst/>
   <a:extLst>
     <a:ext uri="{05A4C25C-085E-4340-85A3-A5531E510DB2}">
       <thm15:themeFamily xmlns:thm15="http://schemas.microsoft.com/office/thememl/2012/main" name="Office Theme" id="{62F939B6-93AF-4DB8-9C6B-D6C7DFDC589F}" vid="{4A3C46E8-61CC-4603-A589-7422A47A8E4A}"/>
